--- a/Produkt_UPDATE.pptx
+++ b/Produkt_UPDATE.pptx
@@ -115,6 +115,11 @@
       </a:defRPr>
     </a:lvl9pPr>
   </p:defaultTextStyle>
+  <p:extLst>
+    <p:ext uri="{EFAFB233-063F-42B5-8137-9DF3F51BA10A}">
+      <p15:sldGuideLst xmlns:p15="http://schemas.microsoft.com/office/powerpoint/2012/main"/>
+    </p:ext>
+  </p:extLst>
 </p:presentation>
 </file>
 
@@ -200,7 +205,7 @@
           <a:p>
             <a:fld id="{48919E2A-6307-4F45-89E3-3DC76EB3A14D}" type="datetimeFigureOut">
               <a:rPr lang="sk-SK" smtClean="0"/>
-              <a:t>24. 4. 2024</a:t>
+              <a:t>25. 4. 2024</a:t>
             </a:fld>
             <a:endParaRPr lang="sk-SK"/>
           </a:p>
@@ -791,7 +796,7 @@
           <a:p>
             <a:fld id="{1C8322F6-1C60-46CF-968C-BC20E470F443}" type="datetimeFigureOut">
               <a:rPr lang="en-US" smtClean="0"/>
-              <a:t>4/24/2024</a:t>
+              <a:t>4/25/2024</a:t>
             </a:fld>
             <a:endParaRPr lang="en-US" dirty="0"/>
           </a:p>
@@ -1125,7 +1130,7 @@
           <a:p>
             <a:fld id="{1C8322F6-1C60-46CF-968C-BC20E470F443}" type="datetimeFigureOut">
               <a:rPr lang="en-US" smtClean="0"/>
-              <a:t>4/24/2024</a:t>
+              <a:t>4/25/2024</a:t>
             </a:fld>
             <a:endParaRPr lang="en-US" dirty="0"/>
           </a:p>
@@ -1378,7 +1383,7 @@
           <a:p>
             <a:fld id="{1C8322F6-1C60-46CF-968C-BC20E470F443}" type="datetimeFigureOut">
               <a:rPr lang="en-US" smtClean="0"/>
-              <a:t>4/24/2024</a:t>
+              <a:t>4/25/2024</a:t>
             </a:fld>
             <a:endParaRPr lang="en-US" dirty="0"/>
           </a:p>
@@ -1712,7 +1717,7 @@
           <a:p>
             <a:fld id="{1C8322F6-1C60-46CF-968C-BC20E470F443}" type="datetimeFigureOut">
               <a:rPr lang="en-US" smtClean="0"/>
-              <a:t>4/24/2024</a:t>
+              <a:t>4/25/2024</a:t>
             </a:fld>
             <a:endParaRPr lang="en-US" dirty="0"/>
           </a:p>
@@ -1993,7 +1998,7 @@
           <a:p>
             <a:fld id="{1C8322F6-1C60-46CF-968C-BC20E470F443}" type="datetimeFigureOut">
               <a:rPr lang="en-US" smtClean="0"/>
-              <a:t>4/24/2024</a:t>
+              <a:t>4/25/2024</a:t>
             </a:fld>
             <a:endParaRPr lang="en-US" dirty="0"/>
           </a:p>
@@ -2395,7 +2400,7 @@
           <a:p>
             <a:fld id="{1C8322F6-1C60-46CF-968C-BC20E470F443}" type="datetimeFigureOut">
               <a:rPr lang="en-US" smtClean="0"/>
-              <a:t>4/24/2024</a:t>
+              <a:t>4/25/2024</a:t>
             </a:fld>
             <a:endParaRPr lang="en-US" dirty="0"/>
           </a:p>
@@ -2856,7 +2861,7 @@
           <a:p>
             <a:fld id="{1C8322F6-1C60-46CF-968C-BC20E470F443}" type="datetimeFigureOut">
               <a:rPr lang="en-US" smtClean="0"/>
-              <a:t>4/24/2024</a:t>
+              <a:t>4/25/2024</a:t>
             </a:fld>
             <a:endParaRPr lang="en-US" dirty="0"/>
           </a:p>
@@ -3089,7 +3094,7 @@
           <a:p>
             <a:fld id="{1C8322F6-1C60-46CF-968C-BC20E470F443}" type="datetimeFigureOut">
               <a:rPr lang="en-US" smtClean="0"/>
-              <a:t>4/24/2024</a:t>
+              <a:t>4/25/2024</a:t>
             </a:fld>
             <a:endParaRPr lang="en-US" dirty="0"/>
           </a:p>
@@ -3288,7 +3293,7 @@
           <a:p>
             <a:fld id="{1C8322F6-1C60-46CF-968C-BC20E470F443}" type="datetimeFigureOut">
               <a:rPr lang="en-US" smtClean="0"/>
-              <a:t>4/24/2024</a:t>
+              <a:t>4/25/2024</a:t>
             </a:fld>
             <a:endParaRPr lang="en-US" dirty="0"/>
           </a:p>
@@ -3601,7 +3606,7 @@
           <a:p>
             <a:fld id="{1C8322F6-1C60-46CF-968C-BC20E470F443}" type="datetimeFigureOut">
               <a:rPr lang="en-US" smtClean="0"/>
-              <a:t>4/24/2024</a:t>
+              <a:t>4/25/2024</a:t>
             </a:fld>
             <a:endParaRPr lang="en-US" dirty="0"/>
           </a:p>
@@ -4065,7 +4070,7 @@
           <a:p>
             <a:fld id="{1C8322F6-1C60-46CF-968C-BC20E470F443}" type="datetimeFigureOut">
               <a:rPr lang="en-US" smtClean="0"/>
-              <a:t>4/24/2024</a:t>
+              <a:t>4/25/2024</a:t>
             </a:fld>
             <a:endParaRPr lang="en-US" dirty="0"/>
           </a:p>
@@ -4478,7 +4483,7 @@
           <a:p>
             <a:fld id="{1C8322F6-1C60-46CF-968C-BC20E470F443}" type="datetimeFigureOut">
               <a:rPr lang="en-US" smtClean="0"/>
-              <a:t>4/24/2024</a:t>
+              <a:t>4/25/2024</a:t>
             </a:fld>
             <a:endParaRPr lang="en-US" dirty="0"/>
           </a:p>
@@ -8338,13 +8343,13 @@
   <p:clrMapOvr>
     <a:masterClrMapping/>
   </p:clrMapOvr>
-  <mc:AlternateContent xmlns:mc="http://schemas.openxmlformats.org/markup-compatibility/2006">
-    <mc:Choice xmlns:p159="http://schemas.microsoft.com/office/powerpoint/2015/09/main" Requires="p159">
+  <mc:AlternateContent xmlns:mc="http://schemas.openxmlformats.org/markup-compatibility/2006" xmlns:p159="http://schemas.microsoft.com/office/powerpoint/2015/09/main">
+    <mc:Choice Requires="p159">
       <p:transition xmlns:p14="http://schemas.microsoft.com/office/powerpoint/2010/main" spd="slow" p14:dur="2000">
         <p159:morph option="byObject"/>
       </p:transition>
     </mc:Choice>
-    <mc:Fallback>
+    <mc:Fallback xmlns="">
       <p:transition spd="slow">
         <p:fade/>
       </p:transition>
@@ -10136,13 +10141,13 @@
   <p:clrMapOvr>
     <a:masterClrMapping/>
   </p:clrMapOvr>
-  <mc:AlternateContent xmlns:mc="http://schemas.openxmlformats.org/markup-compatibility/2006">
-    <mc:Choice xmlns:p159="http://schemas.microsoft.com/office/powerpoint/2015/09/main" Requires="p159">
+  <mc:AlternateContent xmlns:mc="http://schemas.openxmlformats.org/markup-compatibility/2006" xmlns:p159="http://schemas.microsoft.com/office/powerpoint/2015/09/main">
+    <mc:Choice Requires="p159">
       <p:transition xmlns:p14="http://schemas.microsoft.com/office/powerpoint/2010/main" spd="slow" p14:dur="2000">
         <p159:morph option="byObject"/>
       </p:transition>
     </mc:Choice>
-    <mc:Fallback>
+    <mc:Fallback xmlns="">
       <p:transition spd="slow">
         <p:fade/>
       </p:transition>
@@ -11758,13 +11763,13 @@
   <p:clrMapOvr>
     <a:masterClrMapping/>
   </p:clrMapOvr>
-  <mc:AlternateContent xmlns:mc="http://schemas.openxmlformats.org/markup-compatibility/2006">
-    <mc:Choice xmlns:p159="http://schemas.microsoft.com/office/powerpoint/2015/09/main" Requires="p159">
+  <mc:AlternateContent xmlns:mc="http://schemas.openxmlformats.org/markup-compatibility/2006" xmlns:p159="http://schemas.microsoft.com/office/powerpoint/2015/09/main">
+    <mc:Choice Requires="p159">
       <p:transition spd="slow">
         <p159:morph option="byObject"/>
       </p:transition>
     </mc:Choice>
-    <mc:Fallback>
+    <mc:Fallback xmlns="">
       <p:transition spd="slow">
         <p:fade/>
       </p:transition>
@@ -14983,13 +14988,13 @@
   <p:clrMapOvr>
     <a:masterClrMapping/>
   </p:clrMapOvr>
-  <mc:AlternateContent xmlns:mc="http://schemas.openxmlformats.org/markup-compatibility/2006">
-    <mc:Choice xmlns:p14="http://schemas.microsoft.com/office/powerpoint/2010/main" Requires="p14">
+  <mc:AlternateContent xmlns:mc="http://schemas.openxmlformats.org/markup-compatibility/2006" xmlns:p14="http://schemas.microsoft.com/office/powerpoint/2010/main">
+    <mc:Choice Requires="p14">
       <p:transition spd="med" p14:dur="700">
         <p:fade/>
       </p:transition>
     </mc:Choice>
-    <mc:Fallback>
+    <mc:Fallback xmlns="">
       <p:transition spd="med">
         <p:fade/>
       </p:transition>
@@ -16343,13 +16348,13 @@
   <p:clrMapOvr>
     <a:masterClrMapping/>
   </p:clrMapOvr>
-  <mc:AlternateContent xmlns:mc="http://schemas.openxmlformats.org/markup-compatibility/2006">
-    <mc:Choice xmlns:p14="http://schemas.microsoft.com/office/powerpoint/2010/main" Requires="p14">
+  <mc:AlternateContent xmlns:mc="http://schemas.openxmlformats.org/markup-compatibility/2006" xmlns:p14="http://schemas.microsoft.com/office/powerpoint/2010/main">
+    <mc:Choice Requires="p14">
       <p:transition spd="med" p14:dur="700">
         <p:fade/>
       </p:transition>
     </mc:Choice>
-    <mc:Fallback>
+    <mc:Fallback xmlns="">
       <p:transition spd="med">
         <p:fade/>
       </p:transition>
@@ -18006,13 +18011,13 @@
   <p:clrMapOvr>
     <a:masterClrMapping/>
   </p:clrMapOvr>
-  <mc:AlternateContent xmlns:mc="http://schemas.openxmlformats.org/markup-compatibility/2006">
-    <mc:Choice xmlns:p14="http://schemas.microsoft.com/office/powerpoint/2010/main" Requires="p14">
+  <mc:AlternateContent xmlns:mc="http://schemas.openxmlformats.org/markup-compatibility/2006" xmlns:p14="http://schemas.microsoft.com/office/powerpoint/2010/main">
+    <mc:Choice Requires="p14">
       <p:transition spd="med" p14:dur="700">
         <p:fade/>
       </p:transition>
     </mc:Choice>
-    <mc:Fallback>
+    <mc:Fallback xmlns="">
       <p:transition spd="med">
         <p:fade/>
       </p:transition>

--- a/Produkt_UPDATE.pptx
+++ b/Produkt_UPDATE.pptx
@@ -5,7 +5,7 @@
     <p:sldMasterId id="2147483674" r:id="rId1"/>
   </p:sldMasterIdLst>
   <p:notesMasterIdLst>
-    <p:notesMasterId r:id="rId11"/>
+    <p:notesMasterId r:id="rId15"/>
   </p:notesMasterIdLst>
   <p:sldIdLst>
     <p:sldId id="256" r:id="rId2"/>
@@ -17,6 +17,10 @@
     <p:sldId id="263" r:id="rId8"/>
     <p:sldId id="264" r:id="rId9"/>
     <p:sldId id="265" r:id="rId10"/>
+    <p:sldId id="266" r:id="rId11"/>
+    <p:sldId id="268" r:id="rId12"/>
+    <p:sldId id="269" r:id="rId13"/>
+    <p:sldId id="270" r:id="rId14"/>
   </p:sldIdLst>
   <p:sldSz cx="12192000" cy="6858000"/>
   <p:notesSz cx="6858000" cy="9144000"/>
@@ -205,7 +209,7 @@
           <a:p>
             <a:fld id="{48919E2A-6307-4F45-89E3-3DC76EB3A14D}" type="datetimeFigureOut">
               <a:rPr lang="sk-SK" smtClean="0"/>
-              <a:t>25. 4. 2024</a:t>
+              <a:t>28. 4. 2024</a:t>
             </a:fld>
             <a:endParaRPr lang="sk-SK"/>
           </a:p>
@@ -796,7 +800,7 @@
           <a:p>
             <a:fld id="{1C8322F6-1C60-46CF-968C-BC20E470F443}" type="datetimeFigureOut">
               <a:rPr lang="en-US" smtClean="0"/>
-              <a:t>4/25/2024</a:t>
+              <a:t>4/28/2024</a:t>
             </a:fld>
             <a:endParaRPr lang="en-US" dirty="0"/>
           </a:p>
@@ -1130,7 +1134,7 @@
           <a:p>
             <a:fld id="{1C8322F6-1C60-46CF-968C-BC20E470F443}" type="datetimeFigureOut">
               <a:rPr lang="en-US" smtClean="0"/>
-              <a:t>4/25/2024</a:t>
+              <a:t>4/28/2024</a:t>
             </a:fld>
             <a:endParaRPr lang="en-US" dirty="0"/>
           </a:p>
@@ -1383,7 +1387,7 @@
           <a:p>
             <a:fld id="{1C8322F6-1C60-46CF-968C-BC20E470F443}" type="datetimeFigureOut">
               <a:rPr lang="en-US" smtClean="0"/>
-              <a:t>4/25/2024</a:t>
+              <a:t>4/28/2024</a:t>
             </a:fld>
             <a:endParaRPr lang="en-US" dirty="0"/>
           </a:p>
@@ -1717,7 +1721,7 @@
           <a:p>
             <a:fld id="{1C8322F6-1C60-46CF-968C-BC20E470F443}" type="datetimeFigureOut">
               <a:rPr lang="en-US" smtClean="0"/>
-              <a:t>4/25/2024</a:t>
+              <a:t>4/28/2024</a:t>
             </a:fld>
             <a:endParaRPr lang="en-US" dirty="0"/>
           </a:p>
@@ -1998,7 +2002,7 @@
           <a:p>
             <a:fld id="{1C8322F6-1C60-46CF-968C-BC20E470F443}" type="datetimeFigureOut">
               <a:rPr lang="en-US" smtClean="0"/>
-              <a:t>4/25/2024</a:t>
+              <a:t>4/28/2024</a:t>
             </a:fld>
             <a:endParaRPr lang="en-US" dirty="0"/>
           </a:p>
@@ -2400,7 +2404,7 @@
           <a:p>
             <a:fld id="{1C8322F6-1C60-46CF-968C-BC20E470F443}" type="datetimeFigureOut">
               <a:rPr lang="en-US" smtClean="0"/>
-              <a:t>4/25/2024</a:t>
+              <a:t>4/28/2024</a:t>
             </a:fld>
             <a:endParaRPr lang="en-US" dirty="0"/>
           </a:p>
@@ -2861,7 +2865,7 @@
           <a:p>
             <a:fld id="{1C8322F6-1C60-46CF-968C-BC20E470F443}" type="datetimeFigureOut">
               <a:rPr lang="en-US" smtClean="0"/>
-              <a:t>4/25/2024</a:t>
+              <a:t>4/28/2024</a:t>
             </a:fld>
             <a:endParaRPr lang="en-US" dirty="0"/>
           </a:p>
@@ -3094,7 +3098,7 @@
           <a:p>
             <a:fld id="{1C8322F6-1C60-46CF-968C-BC20E470F443}" type="datetimeFigureOut">
               <a:rPr lang="en-US" smtClean="0"/>
-              <a:t>4/25/2024</a:t>
+              <a:t>4/28/2024</a:t>
             </a:fld>
             <a:endParaRPr lang="en-US" dirty="0"/>
           </a:p>
@@ -3293,7 +3297,7 @@
           <a:p>
             <a:fld id="{1C8322F6-1C60-46CF-968C-BC20E470F443}" type="datetimeFigureOut">
               <a:rPr lang="en-US" smtClean="0"/>
-              <a:t>4/25/2024</a:t>
+              <a:t>4/28/2024</a:t>
             </a:fld>
             <a:endParaRPr lang="en-US" dirty="0"/>
           </a:p>
@@ -3606,7 +3610,7 @@
           <a:p>
             <a:fld id="{1C8322F6-1C60-46CF-968C-BC20E470F443}" type="datetimeFigureOut">
               <a:rPr lang="en-US" smtClean="0"/>
-              <a:t>4/25/2024</a:t>
+              <a:t>4/28/2024</a:t>
             </a:fld>
             <a:endParaRPr lang="en-US" dirty="0"/>
           </a:p>
@@ -4070,7 +4074,7 @@
           <a:p>
             <a:fld id="{1C8322F6-1C60-46CF-968C-BC20E470F443}" type="datetimeFigureOut">
               <a:rPr lang="en-US" smtClean="0"/>
-              <a:t>4/25/2024</a:t>
+              <a:t>4/28/2024</a:t>
             </a:fld>
             <a:endParaRPr lang="en-US" dirty="0"/>
           </a:p>
@@ -4483,7 +4487,7 @@
           <a:p>
             <a:fld id="{1C8322F6-1C60-46CF-968C-BC20E470F443}" type="datetimeFigureOut">
               <a:rPr lang="en-US" smtClean="0"/>
-              <a:t>4/25/2024</a:t>
+              <a:t>4/28/2024</a:t>
             </a:fld>
             <a:endParaRPr lang="en-US" dirty="0"/>
           </a:p>
@@ -5562,6 +5566,3463 @@
 </p:sld>
 </file>
 
+<file path=ppt/slides/slide10.xml><?xml version="1.0" encoding="utf-8"?>
+<p:sld xmlns:a="http://schemas.openxmlformats.org/drawingml/2006/main" xmlns:r="http://schemas.openxmlformats.org/officeDocument/2006/relationships" xmlns:p="http://schemas.openxmlformats.org/presentationml/2006/main">
+  <p:cSld>
+    <p:bg>
+      <p:bgPr>
+        <a:solidFill>
+          <a:schemeClr val="bg2"/>
+        </a:solidFill>
+        <a:effectLst/>
+      </p:bgPr>
+    </p:bg>
+    <p:spTree>
+      <p:nvGrpSpPr>
+        <p:cNvPr id="1" name=""/>
+        <p:cNvGrpSpPr/>
+        <p:nvPr/>
+      </p:nvGrpSpPr>
+      <p:grpSpPr>
+        <a:xfrm>
+          <a:off x="0" y="0"/>
+          <a:ext cx="0" cy="0"/>
+          <a:chOff x="0" y="0"/>
+          <a:chExt cx="0" cy="0"/>
+        </a:xfrm>
+      </p:grpSpPr>
+      <p:cxnSp>
+        <p:nvCxnSpPr>
+          <p:cNvPr id="1031" name="Straight Connector 1030">
+            <a:extLst>
+              <a:ext uri="{FF2B5EF4-FFF2-40B4-BE49-F238E27FC236}">
+                <a16:creationId xmlns:a16="http://schemas.microsoft.com/office/drawing/2014/main" id="{A6814345-41DE-42C5-8657-66C1417DF81A}"/>
+              </a:ext>
+              <a:ext uri="{C183D7F6-B498-43B3-948B-1728B52AA6E4}">
+                <adec:decorative xmlns:adec="http://schemas.microsoft.com/office/drawing/2017/decorative" val="1"/>
+              </a:ext>
+            </a:extLst>
+          </p:cNvPr>
+          <p:cNvCxnSpPr>
+            <a:cxnSpLocks noGrp="1" noRot="1" noChangeAspect="1" noMove="1" noResize="1" noEditPoints="1" noAdjustHandles="1" noChangeArrowheads="1" noChangeShapeType="1"/>
+          </p:cNvCxnSpPr>
+          <p:nvPr>
+            <p:extLst>
+              <p:ext uri="{386F3935-93C4-4BCD-93E2-E3B085C9AB24}">
+                <p16:designElem xmlns:p16="http://schemas.microsoft.com/office/powerpoint/2015/main" val="1"/>
+              </p:ext>
+            </p:extLst>
+          </p:nvPr>
+        </p:nvCxnSpPr>
+        <p:spPr>
+          <a:xfrm flipH="1">
+            <a:off x="566094" y="6286347"/>
+            <a:ext cx="11059811" cy="0"/>
+          </a:xfrm>
+          <a:prstGeom prst="line">
+            <a:avLst/>
+          </a:prstGeom>
+          <a:ln>
+            <a:solidFill>
+              <a:schemeClr val="tx1"/>
+            </a:solidFill>
+          </a:ln>
+        </p:spPr>
+        <p:style>
+          <a:lnRef idx="1">
+            <a:schemeClr val="accent1"/>
+          </a:lnRef>
+          <a:fillRef idx="0">
+            <a:schemeClr val="accent1"/>
+          </a:fillRef>
+          <a:effectRef idx="0">
+            <a:schemeClr val="accent1"/>
+          </a:effectRef>
+          <a:fontRef idx="minor">
+            <a:schemeClr val="tx1"/>
+          </a:fontRef>
+        </p:style>
+      </p:cxnSp>
+      <p:cxnSp>
+        <p:nvCxnSpPr>
+          <p:cNvPr id="1033" name="Straight Connector 1032">
+            <a:extLst>
+              <a:ext uri="{FF2B5EF4-FFF2-40B4-BE49-F238E27FC236}">
+                <a16:creationId xmlns:a16="http://schemas.microsoft.com/office/drawing/2014/main" id="{7E68E419-3727-4F5E-8840-AF149B33B0B7}"/>
+              </a:ext>
+              <a:ext uri="{C183D7F6-B498-43B3-948B-1728B52AA6E4}">
+                <adec:decorative xmlns:adec="http://schemas.microsoft.com/office/drawing/2017/decorative" val="1"/>
+              </a:ext>
+            </a:extLst>
+          </p:cNvPr>
+          <p:cNvCxnSpPr>
+            <a:cxnSpLocks noGrp="1" noRot="1" noChangeAspect="1" noMove="1" noResize="1" noEditPoints="1" noAdjustHandles="1" noChangeArrowheads="1" noChangeShapeType="1"/>
+          </p:cNvCxnSpPr>
+          <p:nvPr>
+            <p:extLst>
+              <p:ext uri="{386F3935-93C4-4BCD-93E2-E3B085C9AB24}">
+                <p16:designElem xmlns:p16="http://schemas.microsoft.com/office/powerpoint/2015/main" val="1"/>
+              </p:ext>
+            </p:extLst>
+          </p:nvPr>
+        </p:nvCxnSpPr>
+        <p:spPr>
+          <a:xfrm flipH="1">
+            <a:off x="577485" y="1883336"/>
+            <a:ext cx="11059811" cy="0"/>
+          </a:xfrm>
+          <a:prstGeom prst="line">
+            <a:avLst/>
+          </a:prstGeom>
+          <a:ln>
+            <a:solidFill>
+              <a:schemeClr val="tx1"/>
+            </a:solidFill>
+          </a:ln>
+        </p:spPr>
+        <p:style>
+          <a:lnRef idx="1">
+            <a:schemeClr val="accent1"/>
+          </a:lnRef>
+          <a:fillRef idx="0">
+            <a:schemeClr val="accent1"/>
+          </a:fillRef>
+          <a:effectRef idx="0">
+            <a:schemeClr val="accent1"/>
+          </a:effectRef>
+          <a:fontRef idx="minor">
+            <a:schemeClr val="tx1"/>
+          </a:fontRef>
+        </p:style>
+      </p:cxnSp>
+      <p:cxnSp>
+        <p:nvCxnSpPr>
+          <p:cNvPr id="1035" name="Straight Connector 1034">
+            <a:extLst>
+              <a:ext uri="{FF2B5EF4-FFF2-40B4-BE49-F238E27FC236}">
+                <a16:creationId xmlns:a16="http://schemas.microsoft.com/office/drawing/2014/main" id="{0519B6EC-D7AE-452F-8D0C-D11BD3377F3E}"/>
+              </a:ext>
+              <a:ext uri="{C183D7F6-B498-43B3-948B-1728B52AA6E4}">
+                <adec:decorative xmlns:adec="http://schemas.microsoft.com/office/drawing/2017/decorative" val="1"/>
+              </a:ext>
+            </a:extLst>
+          </p:cNvPr>
+          <p:cNvCxnSpPr>
+            <a:cxnSpLocks noGrp="1" noRot="1" noChangeAspect="1" noMove="1" noResize="1" noEditPoints="1" noAdjustHandles="1" noChangeArrowheads="1" noChangeShapeType="1"/>
+          </p:cNvCxnSpPr>
+          <p:nvPr>
+            <p:extLst>
+              <p:ext uri="{386F3935-93C4-4BCD-93E2-E3B085C9AB24}">
+                <p16:designElem xmlns:p16="http://schemas.microsoft.com/office/powerpoint/2015/main" val="1"/>
+              </p:ext>
+            </p:extLst>
+          </p:nvPr>
+        </p:nvCxnSpPr>
+        <p:spPr>
+          <a:xfrm flipH="1">
+            <a:off x="577485" y="571500"/>
+            <a:ext cx="11059811" cy="0"/>
+          </a:xfrm>
+          <a:prstGeom prst="line">
+            <a:avLst/>
+          </a:prstGeom>
+          <a:ln>
+            <a:solidFill>
+              <a:schemeClr val="tx1"/>
+            </a:solidFill>
+          </a:ln>
+        </p:spPr>
+        <p:style>
+          <a:lnRef idx="1">
+            <a:schemeClr val="accent1"/>
+          </a:lnRef>
+          <a:fillRef idx="0">
+            <a:schemeClr val="accent1"/>
+          </a:fillRef>
+          <a:effectRef idx="0">
+            <a:schemeClr val="accent1"/>
+          </a:effectRef>
+          <a:fontRef idx="minor">
+            <a:schemeClr val="tx1"/>
+          </a:fontRef>
+        </p:style>
+      </p:cxnSp>
+      <p:sp useBgFill="1">
+        <p:nvSpPr>
+          <p:cNvPr id="1037" name="Rectangle 1036">
+            <a:extLst>
+              <a:ext uri="{FF2B5EF4-FFF2-40B4-BE49-F238E27FC236}">
+                <a16:creationId xmlns:a16="http://schemas.microsoft.com/office/drawing/2014/main" id="{B8F14E13-1923-411D-9A16-1C28898D5624}"/>
+              </a:ext>
+              <a:ext uri="{C183D7F6-B498-43B3-948B-1728B52AA6E4}">
+                <adec:decorative xmlns:adec="http://schemas.microsoft.com/office/drawing/2017/decorative" val="1"/>
+              </a:ext>
+            </a:extLst>
+          </p:cNvPr>
+          <p:cNvSpPr>
+            <a:spLocks noGrp="1" noRot="1" noChangeAspect="1" noMove="1" noResize="1" noEditPoints="1" noAdjustHandles="1" noChangeArrowheads="1" noChangeShapeType="1" noTextEdit="1"/>
+          </p:cNvSpPr>
+          <p:nvPr>
+            <p:extLst>
+              <p:ext uri="{386F3935-93C4-4BCD-93E2-E3B085C9AB24}">
+                <p16:designElem xmlns:p16="http://schemas.microsoft.com/office/powerpoint/2015/main" val="1"/>
+              </p:ext>
+            </p:extLst>
+          </p:nvPr>
+        </p:nvSpPr>
+        <p:spPr>
+          <a:xfrm>
+            <a:off x="-6782" y="0"/>
+            <a:ext cx="12198783" cy="6858000"/>
+          </a:xfrm>
+          <a:prstGeom prst="rect">
+            <a:avLst/>
+          </a:prstGeom>
+          <a:ln>
+            <a:noFill/>
+          </a:ln>
+        </p:spPr>
+        <p:style>
+          <a:lnRef idx="2">
+            <a:schemeClr val="accent1">
+              <a:shade val="50000"/>
+            </a:schemeClr>
+          </a:lnRef>
+          <a:fillRef idx="1">
+            <a:schemeClr val="accent1"/>
+          </a:fillRef>
+          <a:effectRef idx="0">
+            <a:schemeClr val="accent1"/>
+          </a:effectRef>
+          <a:fontRef idx="minor">
+            <a:schemeClr val="lt1"/>
+          </a:fontRef>
+        </p:style>
+        <p:txBody>
+          <a:bodyPr rtlCol="0" anchor="ctr"/>
+          <a:lstStyle/>
+          <a:p>
+            <a:pPr algn="ctr"/>
+            <a:endParaRPr lang="en-US"/>
+          </a:p>
+        </p:txBody>
+      </p:sp>
+      <p:sp>
+        <p:nvSpPr>
+          <p:cNvPr id="2" name="Nadpis 1">
+            <a:extLst>
+              <a:ext uri="{FF2B5EF4-FFF2-40B4-BE49-F238E27FC236}">
+                <a16:creationId xmlns:a16="http://schemas.microsoft.com/office/drawing/2014/main" id="{43B2C831-884F-53C5-D2B6-2037685FDD44}"/>
+              </a:ext>
+            </a:extLst>
+          </p:cNvPr>
+          <p:cNvSpPr>
+            <a:spLocks noGrp="1"/>
+          </p:cNvSpPr>
+          <p:nvPr>
+            <p:ph type="title"/>
+          </p:nvPr>
+        </p:nvSpPr>
+        <p:spPr>
+          <a:xfrm>
+            <a:off x="555870" y="4572001"/>
+            <a:ext cx="3695699" cy="1508356"/>
+          </a:xfrm>
+        </p:spPr>
+        <p:txBody>
+          <a:bodyPr vert="horz" lIns="91440" tIns="45720" rIns="91440" bIns="45720" rtlCol="0" anchor="ctr">
+            <a:normAutofit/>
+          </a:bodyPr>
+          <a:lstStyle/>
+          <a:p>
+            <a:r>
+              <a:rPr lang="en-US" sz="4000" dirty="0">
+                <a:latin typeface="Avenir Next LT Pro Light (Text)"/>
+              </a:rPr>
+              <a:t>VPN</a:t>
+            </a:r>
+          </a:p>
+        </p:txBody>
+      </p:sp>
+      <p:cxnSp>
+        <p:nvCxnSpPr>
+          <p:cNvPr id="1039" name="Straight Connector 1038">
+            <a:extLst>
+              <a:ext uri="{FF2B5EF4-FFF2-40B4-BE49-F238E27FC236}">
+                <a16:creationId xmlns:a16="http://schemas.microsoft.com/office/drawing/2014/main" id="{D927055D-9ECF-487E-91DD-FFA84AB92DB8}"/>
+              </a:ext>
+              <a:ext uri="{C183D7F6-B498-43B3-948B-1728B52AA6E4}">
+                <adec:decorative xmlns:adec="http://schemas.microsoft.com/office/drawing/2017/decorative" val="1"/>
+              </a:ext>
+            </a:extLst>
+          </p:cNvPr>
+          <p:cNvCxnSpPr>
+            <a:cxnSpLocks noGrp="1" noRot="1" noChangeAspect="1" noMove="1" noResize="1" noEditPoints="1" noAdjustHandles="1" noChangeArrowheads="1" noChangeShapeType="1"/>
+          </p:cNvCxnSpPr>
+          <p:nvPr>
+            <p:extLst>
+              <p:ext uri="{386F3935-93C4-4BCD-93E2-E3B085C9AB24}">
+                <p16:designElem xmlns:p16="http://schemas.microsoft.com/office/powerpoint/2015/main" val="1"/>
+              </p:ext>
+            </p:extLst>
+          </p:nvPr>
+        </p:nvCxnSpPr>
+        <p:spPr>
+          <a:xfrm flipH="1">
+            <a:off x="571333" y="4337068"/>
+            <a:ext cx="11054799" cy="0"/>
+          </a:xfrm>
+          <a:prstGeom prst="line">
+            <a:avLst/>
+          </a:prstGeom>
+          <a:ln>
+            <a:solidFill>
+              <a:schemeClr val="tx1"/>
+            </a:solidFill>
+          </a:ln>
+        </p:spPr>
+        <p:style>
+          <a:lnRef idx="1">
+            <a:schemeClr val="accent1"/>
+          </a:lnRef>
+          <a:fillRef idx="0">
+            <a:schemeClr val="accent1"/>
+          </a:fillRef>
+          <a:effectRef idx="0">
+            <a:schemeClr val="accent1"/>
+          </a:effectRef>
+          <a:fontRef idx="minor">
+            <a:schemeClr val="tx1"/>
+          </a:fontRef>
+        </p:style>
+      </p:cxnSp>
+      <p:sp>
+        <p:nvSpPr>
+          <p:cNvPr id="4" name="Zástupný text 3">
+            <a:extLst>
+              <a:ext uri="{FF2B5EF4-FFF2-40B4-BE49-F238E27FC236}">
+                <a16:creationId xmlns:a16="http://schemas.microsoft.com/office/drawing/2014/main" id="{2BCA5C40-7E7D-C615-BD28-F1933797A169}"/>
+              </a:ext>
+            </a:extLst>
+          </p:cNvPr>
+          <p:cNvSpPr>
+            <a:spLocks noGrp="1"/>
+          </p:cNvSpPr>
+          <p:nvPr>
+            <p:ph type="body" sz="half" idx="2"/>
+          </p:nvPr>
+        </p:nvSpPr>
+        <p:spPr>
+          <a:xfrm>
+            <a:off x="4728315" y="4572001"/>
+            <a:ext cx="6902996" cy="1508361"/>
+          </a:xfrm>
+        </p:spPr>
+        <p:txBody>
+          <a:bodyPr vert="horz" lIns="91440" tIns="45720" rIns="91440" bIns="45720" rtlCol="0" anchor="ctr">
+            <a:normAutofit/>
+          </a:bodyPr>
+          <a:lstStyle/>
+          <a:p>
+            <a:pPr indent="-228600"/>
+            <a:r>
+              <a:rPr lang="en-US" dirty="0">
+                <a:latin typeface="Bahnschrift Light SemiCondensed" panose="020B0502040204020203" pitchFamily="34" charset="0"/>
+              </a:rPr>
+              <a:t>VPN, po </a:t>
+            </a:r>
+            <a:r>
+              <a:rPr lang="en-US" dirty="0" err="1">
+                <a:latin typeface="Bahnschrift Light SemiCondensed" panose="020B0502040204020203" pitchFamily="34" charset="0"/>
+              </a:rPr>
+              <a:t>anglicky</a:t>
+            </a:r>
+            <a:r>
+              <a:rPr lang="en-US" dirty="0">
+                <a:latin typeface="Bahnschrift Light SemiCondensed" panose="020B0502040204020203" pitchFamily="34" charset="0"/>
+              </a:rPr>
+              <a:t> ‘Virtual Private Network’, </a:t>
+            </a:r>
+            <a:r>
+              <a:rPr lang="en-US" dirty="0" err="1">
+                <a:latin typeface="Bahnschrift Light SemiCondensed" panose="020B0502040204020203" pitchFamily="34" charset="0"/>
+              </a:rPr>
+              <a:t>celým</a:t>
+            </a:r>
+            <a:r>
+              <a:rPr lang="en-US" dirty="0">
+                <a:latin typeface="Bahnschrift Light SemiCondensed" panose="020B0502040204020203" pitchFamily="34" charset="0"/>
+              </a:rPr>
+              <a:t> </a:t>
+            </a:r>
+            <a:r>
+              <a:rPr lang="en-US" dirty="0" err="1">
+                <a:latin typeface="Bahnschrift Light SemiCondensed" panose="020B0502040204020203" pitchFamily="34" charset="0"/>
+              </a:rPr>
+              <a:t>názvom</a:t>
+            </a:r>
+            <a:r>
+              <a:rPr lang="en-US" dirty="0">
+                <a:latin typeface="Bahnschrift Light SemiCondensed" panose="020B0502040204020203" pitchFamily="34" charset="0"/>
+              </a:rPr>
+              <a:t> </a:t>
+            </a:r>
+            <a:r>
+              <a:rPr lang="en-US" dirty="0" err="1">
+                <a:latin typeface="Bahnschrift Light SemiCondensed" panose="020B0502040204020203" pitchFamily="34" charset="0"/>
+              </a:rPr>
+              <a:t>virtuálna</a:t>
+            </a:r>
+            <a:r>
+              <a:rPr lang="en-US" dirty="0">
+                <a:latin typeface="Bahnschrift Light SemiCondensed" panose="020B0502040204020203" pitchFamily="34" charset="0"/>
+              </a:rPr>
+              <a:t> </a:t>
+            </a:r>
+            <a:r>
+              <a:rPr lang="en-US" dirty="0" err="1">
+                <a:latin typeface="Bahnschrift Light SemiCondensed" panose="020B0502040204020203" pitchFamily="34" charset="0"/>
+              </a:rPr>
+              <a:t>súkromná</a:t>
+            </a:r>
+            <a:r>
+              <a:rPr lang="en-US" dirty="0">
+                <a:latin typeface="Bahnschrift Light SemiCondensed" panose="020B0502040204020203" pitchFamily="34" charset="0"/>
+              </a:rPr>
+              <a:t> </a:t>
+            </a:r>
+            <a:r>
+              <a:rPr lang="en-US" dirty="0" err="1">
+                <a:latin typeface="Bahnschrift Light SemiCondensed" panose="020B0502040204020203" pitchFamily="34" charset="0"/>
+              </a:rPr>
+              <a:t>sieť</a:t>
+            </a:r>
+            <a:r>
+              <a:rPr lang="en-US" dirty="0">
+                <a:latin typeface="Bahnschrift Light SemiCondensed" panose="020B0502040204020203" pitchFamily="34" charset="0"/>
+              </a:rPr>
+              <a:t>, je </a:t>
+            </a:r>
+            <a:r>
+              <a:rPr lang="en-US" dirty="0" err="1">
+                <a:latin typeface="Bahnschrift Light SemiCondensed" panose="020B0502040204020203" pitchFamily="34" charset="0"/>
+              </a:rPr>
+              <a:t>jeden</a:t>
+            </a:r>
+            <a:r>
+              <a:rPr lang="en-US" dirty="0">
+                <a:latin typeface="Bahnschrift Light SemiCondensed" panose="020B0502040204020203" pitchFamily="34" charset="0"/>
+              </a:rPr>
+              <a:t> z </a:t>
+            </a:r>
+            <a:r>
+              <a:rPr lang="en-US" dirty="0" err="1">
+                <a:latin typeface="Bahnschrift Light SemiCondensed" panose="020B0502040204020203" pitchFamily="34" charset="0"/>
+              </a:rPr>
+              <a:t>populárnych</a:t>
+            </a:r>
+            <a:r>
+              <a:rPr lang="en-US" dirty="0">
+                <a:latin typeface="Bahnschrift Light SemiCondensed" panose="020B0502040204020203" pitchFamily="34" charset="0"/>
+              </a:rPr>
+              <a:t> </a:t>
+            </a:r>
+            <a:r>
+              <a:rPr lang="en-US" dirty="0" err="1">
+                <a:latin typeface="Bahnschrift Light SemiCondensed" panose="020B0502040204020203" pitchFamily="34" charset="0"/>
+              </a:rPr>
+              <a:t>spôsobov</a:t>
+            </a:r>
+            <a:r>
+              <a:rPr lang="en-US" dirty="0">
+                <a:latin typeface="Bahnschrift Light SemiCondensed" panose="020B0502040204020203" pitchFamily="34" charset="0"/>
+              </a:rPr>
+              <a:t> </a:t>
+            </a:r>
+            <a:r>
+              <a:rPr lang="en-US" dirty="0" err="1">
+                <a:latin typeface="Bahnschrift Light SemiCondensed" panose="020B0502040204020203" pitchFamily="34" charset="0"/>
+              </a:rPr>
+              <a:t>sebaochrany</a:t>
+            </a:r>
+            <a:r>
+              <a:rPr lang="en-US" dirty="0">
+                <a:latin typeface="Bahnschrift Light SemiCondensed" panose="020B0502040204020203" pitchFamily="34" charset="0"/>
+              </a:rPr>
+              <a:t> </a:t>
+            </a:r>
+            <a:r>
+              <a:rPr lang="en-US" dirty="0" err="1">
+                <a:latin typeface="Bahnschrift Light SemiCondensed" panose="020B0502040204020203" pitchFamily="34" charset="0"/>
+              </a:rPr>
+              <a:t>na</a:t>
+            </a:r>
+            <a:r>
+              <a:rPr lang="en-US" dirty="0">
+                <a:latin typeface="Bahnschrift Light SemiCondensed" panose="020B0502040204020203" pitchFamily="34" charset="0"/>
+              </a:rPr>
+              <a:t> </a:t>
+            </a:r>
+            <a:r>
+              <a:rPr lang="en-US" dirty="0" err="1">
+                <a:latin typeface="Bahnschrift Light SemiCondensed" panose="020B0502040204020203" pitchFamily="34" charset="0"/>
+              </a:rPr>
+              <a:t>internete</a:t>
+            </a:r>
+            <a:r>
+              <a:rPr lang="en-US" dirty="0">
+                <a:latin typeface="Bahnschrift Light SemiCondensed" panose="020B0502040204020203" pitchFamily="34" charset="0"/>
+              </a:rPr>
+              <a:t>. </a:t>
+            </a:r>
+            <a:r>
+              <a:rPr lang="en-US" dirty="0" err="1">
+                <a:latin typeface="Bahnschrift Light SemiCondensed" panose="020B0502040204020203" pitchFamily="34" charset="0"/>
+              </a:rPr>
+              <a:t>Veľa</a:t>
+            </a:r>
+            <a:r>
+              <a:rPr lang="en-US" dirty="0">
+                <a:latin typeface="Bahnschrift Light SemiCondensed" panose="020B0502040204020203" pitchFamily="34" charset="0"/>
+              </a:rPr>
+              <a:t> </a:t>
+            </a:r>
+            <a:r>
+              <a:rPr lang="en-US" dirty="0" err="1">
+                <a:latin typeface="Bahnschrift Light SemiCondensed" panose="020B0502040204020203" pitchFamily="34" charset="0"/>
+              </a:rPr>
+              <a:t>ľudí</a:t>
+            </a:r>
+            <a:r>
+              <a:rPr lang="en-US" dirty="0">
+                <a:latin typeface="Bahnschrift Light SemiCondensed" panose="020B0502040204020203" pitchFamily="34" charset="0"/>
+              </a:rPr>
+              <a:t> </a:t>
+            </a:r>
+            <a:r>
+              <a:rPr lang="en-US" dirty="0" err="1">
+                <a:latin typeface="Bahnschrift Light SemiCondensed" panose="020B0502040204020203" pitchFamily="34" charset="0"/>
+              </a:rPr>
+              <a:t>vám</a:t>
+            </a:r>
+            <a:r>
+              <a:rPr lang="en-US" dirty="0">
+                <a:latin typeface="Bahnschrift Light SemiCondensed" panose="020B0502040204020203" pitchFamily="34" charset="0"/>
+              </a:rPr>
+              <a:t> </a:t>
+            </a:r>
+            <a:r>
+              <a:rPr lang="en-US" dirty="0" err="1">
+                <a:latin typeface="Bahnschrift Light SemiCondensed" panose="020B0502040204020203" pitchFamily="34" charset="0"/>
+              </a:rPr>
+              <a:t>povie</a:t>
+            </a:r>
+            <a:r>
+              <a:rPr lang="en-US" dirty="0">
+                <a:latin typeface="Bahnschrift Light SemiCondensed" panose="020B0502040204020203" pitchFamily="34" charset="0"/>
+              </a:rPr>
+              <a:t>, </a:t>
+            </a:r>
+            <a:r>
+              <a:rPr lang="en-US" dirty="0" err="1">
+                <a:latin typeface="Bahnschrift Light SemiCondensed" panose="020B0502040204020203" pitchFamily="34" charset="0"/>
+              </a:rPr>
+              <a:t>že</a:t>
+            </a:r>
+            <a:r>
+              <a:rPr lang="en-US" dirty="0">
+                <a:latin typeface="Bahnschrift Light SemiCondensed" panose="020B0502040204020203" pitchFamily="34" charset="0"/>
+              </a:rPr>
+              <a:t> to je </a:t>
+            </a:r>
+            <a:r>
+              <a:rPr lang="en-US" dirty="0" err="1">
+                <a:latin typeface="Bahnschrift Light SemiCondensed" panose="020B0502040204020203" pitchFamily="34" charset="0"/>
+              </a:rPr>
+              <a:t>jednoduchý</a:t>
+            </a:r>
+            <a:r>
+              <a:rPr lang="en-US" dirty="0">
+                <a:latin typeface="Bahnschrift Light SemiCondensed" panose="020B0502040204020203" pitchFamily="34" charset="0"/>
+              </a:rPr>
+              <a:t> </a:t>
+            </a:r>
+            <a:r>
+              <a:rPr lang="en-US" dirty="0" err="1">
+                <a:latin typeface="Bahnschrift Light SemiCondensed" panose="020B0502040204020203" pitchFamily="34" charset="0"/>
+              </a:rPr>
+              <a:t>spôsob</a:t>
+            </a:r>
+            <a:r>
+              <a:rPr lang="en-US" dirty="0">
+                <a:latin typeface="Bahnschrift Light SemiCondensed" panose="020B0502040204020203" pitchFamily="34" charset="0"/>
+              </a:rPr>
+              <a:t> </a:t>
+            </a:r>
+            <a:r>
+              <a:rPr lang="en-US" dirty="0" err="1">
+                <a:latin typeface="Bahnschrift Light SemiCondensed" panose="020B0502040204020203" pitchFamily="34" charset="0"/>
+              </a:rPr>
+              <a:t>ako</a:t>
+            </a:r>
+            <a:r>
+              <a:rPr lang="en-US" dirty="0">
+                <a:latin typeface="Bahnschrift Light SemiCondensed" panose="020B0502040204020203" pitchFamily="34" charset="0"/>
+              </a:rPr>
+              <a:t> </a:t>
+            </a:r>
+            <a:r>
+              <a:rPr lang="en-US" dirty="0" err="1">
+                <a:latin typeface="Bahnschrift Light SemiCondensed" panose="020B0502040204020203" pitchFamily="34" charset="0"/>
+              </a:rPr>
+              <a:t>sa</a:t>
+            </a:r>
+            <a:r>
+              <a:rPr lang="en-US" dirty="0">
+                <a:latin typeface="Bahnschrift Light SemiCondensed" panose="020B0502040204020203" pitchFamily="34" charset="0"/>
+              </a:rPr>
+              <a:t> </a:t>
+            </a:r>
+            <a:r>
+              <a:rPr lang="en-US" dirty="0" err="1">
+                <a:latin typeface="Bahnschrift Light SemiCondensed" panose="020B0502040204020203" pitchFamily="34" charset="0"/>
+              </a:rPr>
+              <a:t>zabezpečiť</a:t>
+            </a:r>
+            <a:r>
+              <a:rPr lang="en-US" dirty="0">
+                <a:latin typeface="Bahnschrift Light SemiCondensed" panose="020B0502040204020203" pitchFamily="34" charset="0"/>
+              </a:rPr>
+              <a:t> </a:t>
+            </a:r>
+            <a:r>
+              <a:rPr lang="en-US" dirty="0" err="1">
+                <a:latin typeface="Bahnschrift Light SemiCondensed" panose="020B0502040204020203" pitchFamily="34" charset="0"/>
+              </a:rPr>
+              <a:t>na</a:t>
+            </a:r>
+            <a:r>
+              <a:rPr lang="en-US" dirty="0">
+                <a:latin typeface="Bahnschrift Light SemiCondensed" panose="020B0502040204020203" pitchFamily="34" charset="0"/>
+              </a:rPr>
+              <a:t> </a:t>
+            </a:r>
+            <a:r>
+              <a:rPr lang="en-US" dirty="0" err="1">
+                <a:latin typeface="Bahnschrift Light SemiCondensed" panose="020B0502040204020203" pitchFamily="34" charset="0"/>
+              </a:rPr>
+              <a:t>internete</a:t>
+            </a:r>
+            <a:r>
+              <a:rPr lang="en-US" dirty="0">
+                <a:latin typeface="Bahnschrift Light SemiCondensed" panose="020B0502040204020203" pitchFamily="34" charset="0"/>
+              </a:rPr>
+              <a:t>, a </a:t>
+            </a:r>
+            <a:r>
+              <a:rPr lang="en-US" dirty="0" err="1">
+                <a:latin typeface="Bahnschrift Light SemiCondensed" panose="020B0502040204020203" pitchFamily="34" charset="0"/>
+              </a:rPr>
+              <a:t>že</a:t>
+            </a:r>
+            <a:r>
+              <a:rPr lang="en-US" dirty="0">
+                <a:latin typeface="Bahnschrift Light SemiCondensed" panose="020B0502040204020203" pitchFamily="34" charset="0"/>
+              </a:rPr>
+              <a:t> </a:t>
+            </a:r>
+            <a:r>
+              <a:rPr lang="en-US" dirty="0" err="1">
+                <a:latin typeface="Bahnschrift Light SemiCondensed" panose="020B0502040204020203" pitchFamily="34" charset="0"/>
+              </a:rPr>
+              <a:t>nieje</a:t>
+            </a:r>
+            <a:r>
+              <a:rPr lang="en-US" dirty="0">
+                <a:latin typeface="Bahnschrift Light SemiCondensed" panose="020B0502040204020203" pitchFamily="34" charset="0"/>
+              </a:rPr>
+              <a:t> </a:t>
+            </a:r>
+            <a:r>
+              <a:rPr lang="en-US" dirty="0" err="1">
+                <a:latin typeface="Bahnschrift Light SemiCondensed" panose="020B0502040204020203" pitchFamily="34" charset="0"/>
+              </a:rPr>
+              <a:t>dôvod</a:t>
+            </a:r>
+            <a:r>
+              <a:rPr lang="en-US" dirty="0">
+                <a:latin typeface="Bahnschrift Light SemiCondensed" panose="020B0502040204020203" pitchFamily="34" charset="0"/>
+              </a:rPr>
+              <a:t> </a:t>
+            </a:r>
+            <a:r>
+              <a:rPr lang="en-US" dirty="0" err="1">
+                <a:latin typeface="Bahnschrift Light SemiCondensed" panose="020B0502040204020203" pitchFamily="34" charset="0"/>
+              </a:rPr>
+              <a:t>ju</a:t>
+            </a:r>
+            <a:r>
+              <a:rPr lang="en-US" dirty="0">
+                <a:latin typeface="Bahnschrift Light SemiCondensed" panose="020B0502040204020203" pitchFamily="34" charset="0"/>
+              </a:rPr>
+              <a:t> </a:t>
+            </a:r>
+            <a:r>
+              <a:rPr lang="en-US" dirty="0" err="1">
+                <a:latin typeface="Bahnschrift Light SemiCondensed" panose="020B0502040204020203" pitchFamily="34" charset="0"/>
+              </a:rPr>
+              <a:t>nepoužívať</a:t>
+            </a:r>
+            <a:r>
+              <a:rPr lang="en-US" dirty="0">
+                <a:latin typeface="Bahnschrift Light SemiCondensed" panose="020B0502040204020203" pitchFamily="34" charset="0"/>
+              </a:rPr>
+              <a:t>, ale </a:t>
+            </a:r>
+            <a:r>
+              <a:rPr lang="en-US" dirty="0" err="1">
+                <a:latin typeface="Bahnschrift Light SemiCondensed" panose="020B0502040204020203" pitchFamily="34" charset="0"/>
+              </a:rPr>
+              <a:t>všetkých</a:t>
+            </a:r>
+            <a:r>
+              <a:rPr lang="en-US" dirty="0">
+                <a:latin typeface="Bahnschrift Light SemiCondensed" panose="020B0502040204020203" pitchFamily="34" charset="0"/>
+              </a:rPr>
+              <a:t> </a:t>
+            </a:r>
+            <a:r>
+              <a:rPr lang="en-US" dirty="0" err="1">
+                <a:latin typeface="Bahnschrift Light SemiCondensed" panose="020B0502040204020203" pitchFamily="34" charset="0"/>
+              </a:rPr>
+              <a:t>nás</a:t>
+            </a:r>
+            <a:r>
+              <a:rPr lang="en-US" dirty="0">
+                <a:latin typeface="Bahnschrift Light SemiCondensed" panose="020B0502040204020203" pitchFamily="34" charset="0"/>
+              </a:rPr>
+              <a:t> </a:t>
+            </a:r>
+            <a:r>
+              <a:rPr lang="en-US" dirty="0" err="1">
+                <a:latin typeface="Bahnschrift Light SemiCondensed" panose="020B0502040204020203" pitchFamily="34" charset="0"/>
+              </a:rPr>
+              <a:t>zaujíma</a:t>
+            </a:r>
+            <a:r>
+              <a:rPr lang="en-US" dirty="0">
+                <a:latin typeface="Bahnschrift Light SemiCondensed" panose="020B0502040204020203" pitchFamily="34" charset="0"/>
+              </a:rPr>
+              <a:t>, </a:t>
+            </a:r>
+            <a:r>
+              <a:rPr lang="en-US" dirty="0" err="1">
+                <a:latin typeface="Bahnschrift Light SemiCondensed" panose="020B0502040204020203" pitchFamily="34" charset="0"/>
+              </a:rPr>
+              <a:t>či</a:t>
+            </a:r>
+            <a:r>
+              <a:rPr lang="en-US" dirty="0">
+                <a:latin typeface="Bahnschrift Light SemiCondensed" panose="020B0502040204020203" pitchFamily="34" charset="0"/>
+              </a:rPr>
+              <a:t> </a:t>
+            </a:r>
+            <a:r>
+              <a:rPr lang="en-US" dirty="0" err="1">
+                <a:latin typeface="Bahnschrift Light SemiCondensed" panose="020B0502040204020203" pitchFamily="34" charset="0"/>
+              </a:rPr>
+              <a:t>majú</a:t>
+            </a:r>
+            <a:r>
+              <a:rPr lang="en-US" dirty="0">
+                <a:latin typeface="Bahnschrift Light SemiCondensed" panose="020B0502040204020203" pitchFamily="34" charset="0"/>
+              </a:rPr>
+              <a:t> </a:t>
+            </a:r>
+            <a:r>
+              <a:rPr lang="en-US" dirty="0" err="1">
+                <a:latin typeface="Bahnschrift Light SemiCondensed" panose="020B0502040204020203" pitchFamily="34" charset="0"/>
+              </a:rPr>
+              <a:t>pravdu</a:t>
+            </a:r>
+            <a:r>
+              <a:rPr lang="en-US" dirty="0">
+                <a:latin typeface="Bahnschrift Light SemiCondensed" panose="020B0502040204020203" pitchFamily="34" charset="0"/>
+              </a:rPr>
+              <a:t>?</a:t>
+            </a:r>
+          </a:p>
+        </p:txBody>
+      </p:sp>
+      <p:cxnSp>
+        <p:nvCxnSpPr>
+          <p:cNvPr id="1041" name="Straight Connector 1040">
+            <a:extLst>
+              <a:ext uri="{FF2B5EF4-FFF2-40B4-BE49-F238E27FC236}">
+                <a16:creationId xmlns:a16="http://schemas.microsoft.com/office/drawing/2014/main" id="{F0DC1883-8AF7-483D-9074-3C6D8AF57596}"/>
+              </a:ext>
+              <a:ext uri="{C183D7F6-B498-43B3-948B-1728B52AA6E4}">
+                <adec:decorative xmlns:adec="http://schemas.microsoft.com/office/drawing/2017/decorative" val="1"/>
+              </a:ext>
+            </a:extLst>
+          </p:cNvPr>
+          <p:cNvCxnSpPr>
+            <a:cxnSpLocks noGrp="1" noRot="1" noChangeAspect="1" noMove="1" noResize="1" noEditPoints="1" noAdjustHandles="1" noChangeArrowheads="1" noChangeShapeType="1"/>
+          </p:cNvCxnSpPr>
+          <p:nvPr>
+            <p:extLst>
+              <p:ext uri="{386F3935-93C4-4BCD-93E2-E3B085C9AB24}">
+                <p16:designElem xmlns:p16="http://schemas.microsoft.com/office/powerpoint/2015/main" val="1"/>
+              </p:ext>
+            </p:extLst>
+          </p:nvPr>
+        </p:nvCxnSpPr>
+        <p:spPr>
+          <a:xfrm flipH="1">
+            <a:off x="571500" y="6286500"/>
+            <a:ext cx="11054799" cy="0"/>
+          </a:xfrm>
+          <a:prstGeom prst="line">
+            <a:avLst/>
+          </a:prstGeom>
+          <a:ln>
+            <a:solidFill>
+              <a:schemeClr val="tx1"/>
+            </a:solidFill>
+          </a:ln>
+        </p:spPr>
+        <p:style>
+          <a:lnRef idx="1">
+            <a:schemeClr val="accent1"/>
+          </a:lnRef>
+          <a:fillRef idx="0">
+            <a:schemeClr val="accent1"/>
+          </a:fillRef>
+          <a:effectRef idx="0">
+            <a:schemeClr val="accent1"/>
+          </a:effectRef>
+          <a:fontRef idx="minor">
+            <a:schemeClr val="tx1"/>
+          </a:fontRef>
+        </p:style>
+      </p:cxnSp>
+      <p:cxnSp>
+        <p:nvCxnSpPr>
+          <p:cNvPr id="1043" name="Straight Connector 1042">
+            <a:extLst>
+              <a:ext uri="{FF2B5EF4-FFF2-40B4-BE49-F238E27FC236}">
+                <a16:creationId xmlns:a16="http://schemas.microsoft.com/office/drawing/2014/main" id="{1CF89D75-E5AC-4C45-9D87-228849A4C7A5}"/>
+              </a:ext>
+              <a:ext uri="{C183D7F6-B498-43B3-948B-1728B52AA6E4}">
+                <adec:decorative xmlns:adec="http://schemas.microsoft.com/office/drawing/2017/decorative" val="1"/>
+              </a:ext>
+            </a:extLst>
+          </p:cNvPr>
+          <p:cNvCxnSpPr>
+            <a:cxnSpLocks noGrp="1" noRot="1" noChangeAspect="1" noMove="1" noResize="1" noEditPoints="1" noAdjustHandles="1" noChangeArrowheads="1" noChangeShapeType="1"/>
+          </p:cNvCxnSpPr>
+          <p:nvPr>
+            <p:extLst>
+              <p:ext uri="{386F3935-93C4-4BCD-93E2-E3B085C9AB24}">
+                <p16:designElem xmlns:p16="http://schemas.microsoft.com/office/powerpoint/2015/main" val="1"/>
+              </p:ext>
+            </p:extLst>
+          </p:nvPr>
+        </p:nvCxnSpPr>
+        <p:spPr>
+          <a:xfrm>
+            <a:off x="4419600" y="4337068"/>
+            <a:ext cx="0" cy="1949432"/>
+          </a:xfrm>
+          <a:prstGeom prst="line">
+            <a:avLst/>
+          </a:prstGeom>
+          <a:ln>
+            <a:solidFill>
+              <a:schemeClr val="tx1"/>
+            </a:solidFill>
+          </a:ln>
+        </p:spPr>
+        <p:style>
+          <a:lnRef idx="1">
+            <a:schemeClr val="accent1"/>
+          </a:lnRef>
+          <a:fillRef idx="0">
+            <a:schemeClr val="accent1"/>
+          </a:fillRef>
+          <a:effectRef idx="0">
+            <a:schemeClr val="accent1"/>
+          </a:effectRef>
+          <a:fontRef idx="minor">
+            <a:schemeClr val="tx1"/>
+          </a:fontRef>
+        </p:style>
+      </p:cxnSp>
+      <p:pic>
+        <p:nvPicPr>
+          <p:cNvPr id="1028" name="Picture 4" descr="Čo je VPN? | Alza.sk">
+            <a:extLst>
+              <a:ext uri="{FF2B5EF4-FFF2-40B4-BE49-F238E27FC236}">
+                <a16:creationId xmlns:a16="http://schemas.microsoft.com/office/drawing/2014/main" id="{A381C086-3581-69C3-6B0C-E61E91ED359D}"/>
+              </a:ext>
+            </a:extLst>
+          </p:cNvPr>
+          <p:cNvPicPr>
+            <a:picLocks noChangeAspect="1" noChangeArrowheads="1"/>
+          </p:cNvPicPr>
+          <p:nvPr/>
+        </p:nvPicPr>
+        <p:blipFill>
+          <a:blip r:embed="rId2">
+            <a:extLst>
+              <a:ext uri="{28A0092B-C50C-407E-A947-70E740481C1C}">
+                <a14:useLocalDpi xmlns:a14="http://schemas.microsoft.com/office/drawing/2010/main" val="0"/>
+              </a:ext>
+            </a:extLst>
+          </a:blip>
+          <a:srcRect/>
+          <a:stretch>
+            <a:fillRect/>
+          </a:stretch>
+        </p:blipFill>
+        <p:spPr bwMode="auto">
+          <a:xfrm>
+            <a:off x="2771715" y="366578"/>
+            <a:ext cx="6671350" cy="3702599"/>
+          </a:xfrm>
+          <a:prstGeom prst="rect">
+            <a:avLst/>
+          </a:prstGeom>
+          <a:noFill/>
+          <a:extLst>
+            <a:ext uri="{909E8E84-426E-40DD-AFC4-6F175D3DCCD1}">
+              <a14:hiddenFill xmlns:a14="http://schemas.microsoft.com/office/drawing/2010/main">
+                <a:solidFill>
+                  <a:srgbClr val="FFFFFF"/>
+                </a:solidFill>
+              </a14:hiddenFill>
+            </a:ext>
+          </a:extLst>
+        </p:spPr>
+      </p:pic>
+    </p:spTree>
+    <p:extLst>
+      <p:ext uri="{BB962C8B-B14F-4D97-AF65-F5344CB8AC3E}">
+        <p14:creationId xmlns:p14="http://schemas.microsoft.com/office/powerpoint/2010/main" val="1842368832"/>
+      </p:ext>
+    </p:extLst>
+  </p:cSld>
+  <p:clrMapOvr>
+    <a:masterClrMapping/>
+  </p:clrMapOvr>
+  <p:transition spd="slow">
+    <p:push dir="u"/>
+  </p:transition>
+</p:sld>
+</file>
+
+<file path=ppt/slides/slide11.xml><?xml version="1.0" encoding="utf-8"?>
+<p:sld xmlns:a="http://schemas.openxmlformats.org/drawingml/2006/main" xmlns:r="http://schemas.openxmlformats.org/officeDocument/2006/relationships" xmlns:p="http://schemas.openxmlformats.org/presentationml/2006/main">
+  <p:cSld>
+    <p:bg>
+      <p:bgPr>
+        <a:solidFill>
+          <a:schemeClr val="bg2"/>
+        </a:solidFill>
+        <a:effectLst/>
+      </p:bgPr>
+    </p:bg>
+    <p:spTree>
+      <p:nvGrpSpPr>
+        <p:cNvPr id="1" name=""/>
+        <p:cNvGrpSpPr/>
+        <p:nvPr/>
+      </p:nvGrpSpPr>
+      <p:grpSpPr>
+        <a:xfrm>
+          <a:off x="0" y="0"/>
+          <a:ext cx="0" cy="0"/>
+          <a:chOff x="0" y="0"/>
+          <a:chExt cx="0" cy="0"/>
+        </a:xfrm>
+      </p:grpSpPr>
+      <p:cxnSp>
+        <p:nvCxnSpPr>
+          <p:cNvPr id="1031" name="Straight Connector 1030">
+            <a:extLst>
+              <a:ext uri="{FF2B5EF4-FFF2-40B4-BE49-F238E27FC236}">
+                <a16:creationId xmlns:a16="http://schemas.microsoft.com/office/drawing/2014/main" id="{A6814345-41DE-42C5-8657-66C1417DF81A}"/>
+              </a:ext>
+              <a:ext uri="{C183D7F6-B498-43B3-948B-1728B52AA6E4}">
+                <adec:decorative xmlns:adec="http://schemas.microsoft.com/office/drawing/2017/decorative" val="1"/>
+              </a:ext>
+            </a:extLst>
+          </p:cNvPr>
+          <p:cNvCxnSpPr>
+            <a:cxnSpLocks noGrp="1" noRot="1" noChangeAspect="1" noMove="1" noResize="1" noEditPoints="1" noAdjustHandles="1" noChangeArrowheads="1" noChangeShapeType="1"/>
+          </p:cNvCxnSpPr>
+          <p:nvPr>
+            <p:extLst>
+              <p:ext uri="{386F3935-93C4-4BCD-93E2-E3B085C9AB24}">
+                <p16:designElem xmlns:p16="http://schemas.microsoft.com/office/powerpoint/2015/main" val="1"/>
+              </p:ext>
+            </p:extLst>
+          </p:nvPr>
+        </p:nvCxnSpPr>
+        <p:spPr>
+          <a:xfrm flipH="1">
+            <a:off x="566094" y="6286347"/>
+            <a:ext cx="11059811" cy="0"/>
+          </a:xfrm>
+          <a:prstGeom prst="line">
+            <a:avLst/>
+          </a:prstGeom>
+          <a:ln>
+            <a:solidFill>
+              <a:schemeClr val="tx1"/>
+            </a:solidFill>
+          </a:ln>
+        </p:spPr>
+        <p:style>
+          <a:lnRef idx="1">
+            <a:schemeClr val="accent1"/>
+          </a:lnRef>
+          <a:fillRef idx="0">
+            <a:schemeClr val="accent1"/>
+          </a:fillRef>
+          <a:effectRef idx="0">
+            <a:schemeClr val="accent1"/>
+          </a:effectRef>
+          <a:fontRef idx="minor">
+            <a:schemeClr val="tx1"/>
+          </a:fontRef>
+        </p:style>
+      </p:cxnSp>
+      <p:cxnSp>
+        <p:nvCxnSpPr>
+          <p:cNvPr id="1033" name="Straight Connector 1032">
+            <a:extLst>
+              <a:ext uri="{FF2B5EF4-FFF2-40B4-BE49-F238E27FC236}">
+                <a16:creationId xmlns:a16="http://schemas.microsoft.com/office/drawing/2014/main" id="{7E68E419-3727-4F5E-8840-AF149B33B0B7}"/>
+              </a:ext>
+              <a:ext uri="{C183D7F6-B498-43B3-948B-1728B52AA6E4}">
+                <adec:decorative xmlns:adec="http://schemas.microsoft.com/office/drawing/2017/decorative" val="1"/>
+              </a:ext>
+            </a:extLst>
+          </p:cNvPr>
+          <p:cNvCxnSpPr>
+            <a:cxnSpLocks noGrp="1" noRot="1" noChangeAspect="1" noMove="1" noResize="1" noEditPoints="1" noAdjustHandles="1" noChangeArrowheads="1" noChangeShapeType="1"/>
+          </p:cNvCxnSpPr>
+          <p:nvPr>
+            <p:extLst>
+              <p:ext uri="{386F3935-93C4-4BCD-93E2-E3B085C9AB24}">
+                <p16:designElem xmlns:p16="http://schemas.microsoft.com/office/powerpoint/2015/main" val="1"/>
+              </p:ext>
+            </p:extLst>
+          </p:nvPr>
+        </p:nvCxnSpPr>
+        <p:spPr>
+          <a:xfrm flipH="1">
+            <a:off x="577485" y="1883336"/>
+            <a:ext cx="11059811" cy="0"/>
+          </a:xfrm>
+          <a:prstGeom prst="line">
+            <a:avLst/>
+          </a:prstGeom>
+          <a:ln>
+            <a:solidFill>
+              <a:schemeClr val="tx1"/>
+            </a:solidFill>
+          </a:ln>
+        </p:spPr>
+        <p:style>
+          <a:lnRef idx="1">
+            <a:schemeClr val="accent1"/>
+          </a:lnRef>
+          <a:fillRef idx="0">
+            <a:schemeClr val="accent1"/>
+          </a:fillRef>
+          <a:effectRef idx="0">
+            <a:schemeClr val="accent1"/>
+          </a:effectRef>
+          <a:fontRef idx="minor">
+            <a:schemeClr val="tx1"/>
+          </a:fontRef>
+        </p:style>
+      </p:cxnSp>
+      <p:cxnSp>
+        <p:nvCxnSpPr>
+          <p:cNvPr id="1035" name="Straight Connector 1034">
+            <a:extLst>
+              <a:ext uri="{FF2B5EF4-FFF2-40B4-BE49-F238E27FC236}">
+                <a16:creationId xmlns:a16="http://schemas.microsoft.com/office/drawing/2014/main" id="{0519B6EC-D7AE-452F-8D0C-D11BD3377F3E}"/>
+              </a:ext>
+              <a:ext uri="{C183D7F6-B498-43B3-948B-1728B52AA6E4}">
+                <adec:decorative xmlns:adec="http://schemas.microsoft.com/office/drawing/2017/decorative" val="1"/>
+              </a:ext>
+            </a:extLst>
+          </p:cNvPr>
+          <p:cNvCxnSpPr>
+            <a:cxnSpLocks noGrp="1" noRot="1" noChangeAspect="1" noMove="1" noResize="1" noEditPoints="1" noAdjustHandles="1" noChangeArrowheads="1" noChangeShapeType="1"/>
+          </p:cNvCxnSpPr>
+          <p:nvPr>
+            <p:extLst>
+              <p:ext uri="{386F3935-93C4-4BCD-93E2-E3B085C9AB24}">
+                <p16:designElem xmlns:p16="http://schemas.microsoft.com/office/powerpoint/2015/main" val="1"/>
+              </p:ext>
+            </p:extLst>
+          </p:nvPr>
+        </p:nvCxnSpPr>
+        <p:spPr>
+          <a:xfrm flipH="1">
+            <a:off x="577485" y="571500"/>
+            <a:ext cx="11059811" cy="0"/>
+          </a:xfrm>
+          <a:prstGeom prst="line">
+            <a:avLst/>
+          </a:prstGeom>
+          <a:ln>
+            <a:solidFill>
+              <a:schemeClr val="tx1"/>
+            </a:solidFill>
+          </a:ln>
+        </p:spPr>
+        <p:style>
+          <a:lnRef idx="1">
+            <a:schemeClr val="accent1"/>
+          </a:lnRef>
+          <a:fillRef idx="0">
+            <a:schemeClr val="accent1"/>
+          </a:fillRef>
+          <a:effectRef idx="0">
+            <a:schemeClr val="accent1"/>
+          </a:effectRef>
+          <a:fontRef idx="minor">
+            <a:schemeClr val="tx1"/>
+          </a:fontRef>
+        </p:style>
+      </p:cxnSp>
+      <p:sp useBgFill="1">
+        <p:nvSpPr>
+          <p:cNvPr id="1037" name="Rectangle 1036">
+            <a:extLst>
+              <a:ext uri="{FF2B5EF4-FFF2-40B4-BE49-F238E27FC236}">
+                <a16:creationId xmlns:a16="http://schemas.microsoft.com/office/drawing/2014/main" id="{B8F14E13-1923-411D-9A16-1C28898D5624}"/>
+              </a:ext>
+              <a:ext uri="{C183D7F6-B498-43B3-948B-1728B52AA6E4}">
+                <adec:decorative xmlns:adec="http://schemas.microsoft.com/office/drawing/2017/decorative" val="1"/>
+              </a:ext>
+            </a:extLst>
+          </p:cNvPr>
+          <p:cNvSpPr>
+            <a:spLocks noGrp="1" noRot="1" noChangeAspect="1" noMove="1" noResize="1" noEditPoints="1" noAdjustHandles="1" noChangeArrowheads="1" noChangeShapeType="1" noTextEdit="1"/>
+          </p:cNvSpPr>
+          <p:nvPr>
+            <p:extLst>
+              <p:ext uri="{386F3935-93C4-4BCD-93E2-E3B085C9AB24}">
+                <p16:designElem xmlns:p16="http://schemas.microsoft.com/office/powerpoint/2015/main" val="1"/>
+              </p:ext>
+            </p:extLst>
+          </p:nvPr>
+        </p:nvSpPr>
+        <p:spPr>
+          <a:xfrm>
+            <a:off x="-6782" y="0"/>
+            <a:ext cx="12198783" cy="6858000"/>
+          </a:xfrm>
+          <a:prstGeom prst="rect">
+            <a:avLst/>
+          </a:prstGeom>
+          <a:ln>
+            <a:noFill/>
+          </a:ln>
+        </p:spPr>
+        <p:style>
+          <a:lnRef idx="2">
+            <a:schemeClr val="accent1">
+              <a:shade val="50000"/>
+            </a:schemeClr>
+          </a:lnRef>
+          <a:fillRef idx="1">
+            <a:schemeClr val="accent1"/>
+          </a:fillRef>
+          <a:effectRef idx="0">
+            <a:schemeClr val="accent1"/>
+          </a:effectRef>
+          <a:fontRef idx="minor">
+            <a:schemeClr val="lt1"/>
+          </a:fontRef>
+        </p:style>
+        <p:txBody>
+          <a:bodyPr rtlCol="0" anchor="ctr"/>
+          <a:lstStyle/>
+          <a:p>
+            <a:pPr algn="ctr"/>
+            <a:endParaRPr lang="en-US"/>
+          </a:p>
+        </p:txBody>
+      </p:sp>
+      <p:sp>
+        <p:nvSpPr>
+          <p:cNvPr id="2" name="Nadpis 1">
+            <a:extLst>
+              <a:ext uri="{FF2B5EF4-FFF2-40B4-BE49-F238E27FC236}">
+                <a16:creationId xmlns:a16="http://schemas.microsoft.com/office/drawing/2014/main" id="{43B2C831-884F-53C5-D2B6-2037685FDD44}"/>
+              </a:ext>
+            </a:extLst>
+          </p:cNvPr>
+          <p:cNvSpPr>
+            <a:spLocks noGrp="1"/>
+          </p:cNvSpPr>
+          <p:nvPr>
+            <p:ph type="title"/>
+          </p:nvPr>
+        </p:nvSpPr>
+        <p:spPr>
+          <a:xfrm>
+            <a:off x="555870" y="4572001"/>
+            <a:ext cx="3695699" cy="1508356"/>
+          </a:xfrm>
+        </p:spPr>
+        <p:txBody>
+          <a:bodyPr vert="horz" lIns="91440" tIns="45720" rIns="91440" bIns="45720" rtlCol="0" anchor="ctr">
+            <a:normAutofit/>
+          </a:bodyPr>
+          <a:lstStyle/>
+          <a:p>
+            <a:r>
+              <a:rPr lang="en-US" sz="4000" dirty="0">
+                <a:latin typeface="Avenir Next LT Pro Light (Text)"/>
+              </a:rPr>
+              <a:t>VPN</a:t>
+            </a:r>
+          </a:p>
+        </p:txBody>
+      </p:sp>
+      <p:cxnSp>
+        <p:nvCxnSpPr>
+          <p:cNvPr id="1039" name="Straight Connector 1038">
+            <a:extLst>
+              <a:ext uri="{FF2B5EF4-FFF2-40B4-BE49-F238E27FC236}">
+                <a16:creationId xmlns:a16="http://schemas.microsoft.com/office/drawing/2014/main" id="{D927055D-9ECF-487E-91DD-FFA84AB92DB8}"/>
+              </a:ext>
+              <a:ext uri="{C183D7F6-B498-43B3-948B-1728B52AA6E4}">
+                <adec:decorative xmlns:adec="http://schemas.microsoft.com/office/drawing/2017/decorative" val="1"/>
+              </a:ext>
+            </a:extLst>
+          </p:cNvPr>
+          <p:cNvCxnSpPr>
+            <a:cxnSpLocks noGrp="1" noRot="1" noChangeAspect="1" noMove="1" noResize="1" noEditPoints="1" noAdjustHandles="1" noChangeArrowheads="1" noChangeShapeType="1"/>
+          </p:cNvCxnSpPr>
+          <p:nvPr>
+            <p:extLst>
+              <p:ext uri="{386F3935-93C4-4BCD-93E2-E3B085C9AB24}">
+                <p16:designElem xmlns:p16="http://schemas.microsoft.com/office/powerpoint/2015/main" val="1"/>
+              </p:ext>
+            </p:extLst>
+          </p:nvPr>
+        </p:nvCxnSpPr>
+        <p:spPr>
+          <a:xfrm flipH="1">
+            <a:off x="571333" y="4337068"/>
+            <a:ext cx="11054799" cy="0"/>
+          </a:xfrm>
+          <a:prstGeom prst="line">
+            <a:avLst/>
+          </a:prstGeom>
+          <a:ln>
+            <a:solidFill>
+              <a:schemeClr val="tx1"/>
+            </a:solidFill>
+          </a:ln>
+        </p:spPr>
+        <p:style>
+          <a:lnRef idx="1">
+            <a:schemeClr val="accent1"/>
+          </a:lnRef>
+          <a:fillRef idx="0">
+            <a:schemeClr val="accent1"/>
+          </a:fillRef>
+          <a:effectRef idx="0">
+            <a:schemeClr val="accent1"/>
+          </a:effectRef>
+          <a:fontRef idx="minor">
+            <a:schemeClr val="tx1"/>
+          </a:fontRef>
+        </p:style>
+      </p:cxnSp>
+      <p:sp>
+        <p:nvSpPr>
+          <p:cNvPr id="4" name="Zástupný text 3">
+            <a:extLst>
+              <a:ext uri="{FF2B5EF4-FFF2-40B4-BE49-F238E27FC236}">
+                <a16:creationId xmlns:a16="http://schemas.microsoft.com/office/drawing/2014/main" id="{2BCA5C40-7E7D-C615-BD28-F1933797A169}"/>
+              </a:ext>
+            </a:extLst>
+          </p:cNvPr>
+          <p:cNvSpPr>
+            <a:spLocks noGrp="1"/>
+          </p:cNvSpPr>
+          <p:nvPr>
+            <p:ph type="body" sz="half" idx="2"/>
+          </p:nvPr>
+        </p:nvSpPr>
+        <p:spPr>
+          <a:xfrm>
+            <a:off x="4728315" y="4572001"/>
+            <a:ext cx="6902996" cy="1508361"/>
+          </a:xfrm>
+        </p:spPr>
+        <p:txBody>
+          <a:bodyPr vert="horz" lIns="91440" tIns="45720" rIns="91440" bIns="45720" rtlCol="0" anchor="ctr">
+            <a:normAutofit lnSpcReduction="10000"/>
+          </a:bodyPr>
+          <a:lstStyle/>
+          <a:p>
+            <a:pPr indent="-228600"/>
+            <a:r>
+              <a:rPr lang="en-US" dirty="0">
+                <a:latin typeface="Bahnschrift Light SemiCondensed" panose="020B0502040204020203" pitchFamily="34" charset="0"/>
+              </a:rPr>
+              <a:t>VPN </a:t>
+            </a:r>
+            <a:r>
+              <a:rPr lang="en-US" dirty="0" err="1">
+                <a:latin typeface="Bahnschrift Light SemiCondensed" panose="020B0502040204020203" pitchFamily="34" charset="0"/>
+              </a:rPr>
+              <a:t>fungujú</a:t>
+            </a:r>
+            <a:r>
+              <a:rPr lang="en-US" dirty="0">
+                <a:latin typeface="Bahnschrift Light SemiCondensed" panose="020B0502040204020203" pitchFamily="34" charset="0"/>
+              </a:rPr>
+              <a:t> </a:t>
+            </a:r>
+            <a:r>
+              <a:rPr lang="en-US" dirty="0" err="1">
+                <a:latin typeface="Bahnschrift Light SemiCondensed" panose="020B0502040204020203" pitchFamily="34" charset="0"/>
+              </a:rPr>
+              <a:t>zložito</a:t>
+            </a:r>
+            <a:r>
+              <a:rPr lang="en-US" dirty="0">
+                <a:latin typeface="Bahnschrift Light SemiCondensed" panose="020B0502040204020203" pitchFamily="34" charset="0"/>
+              </a:rPr>
+              <a:t> a </a:t>
+            </a:r>
+            <a:r>
+              <a:rPr lang="en-US" dirty="0" err="1">
+                <a:latin typeface="Bahnschrift Light SemiCondensed" panose="020B0502040204020203" pitchFamily="34" charset="0"/>
+              </a:rPr>
+              <a:t>aj</a:t>
+            </a:r>
+            <a:r>
+              <a:rPr lang="en-US" dirty="0">
+                <a:latin typeface="Bahnschrift Light SemiCondensed" panose="020B0502040204020203" pitchFamily="34" charset="0"/>
+              </a:rPr>
+              <a:t> </a:t>
+            </a:r>
+            <a:r>
+              <a:rPr lang="en-US" dirty="0" err="1">
+                <a:latin typeface="Bahnschrift Light SemiCondensed" panose="020B0502040204020203" pitchFamily="34" charset="0"/>
+              </a:rPr>
+              <a:t>jednoducho</a:t>
+            </a:r>
+            <a:r>
+              <a:rPr lang="en-US" dirty="0">
+                <a:latin typeface="Bahnschrift Light SemiCondensed" panose="020B0502040204020203" pitchFamily="34" charset="0"/>
+              </a:rPr>
+              <a:t>. </a:t>
+            </a:r>
+            <a:r>
+              <a:rPr lang="en-US" dirty="0" err="1">
+                <a:latin typeface="Bahnschrift Light SemiCondensed" panose="020B0502040204020203" pitchFamily="34" charset="0"/>
+              </a:rPr>
+              <a:t>Jednoducho</a:t>
+            </a:r>
+            <a:r>
+              <a:rPr lang="en-US" dirty="0">
+                <a:latin typeface="Bahnschrift Light SemiCondensed" panose="020B0502040204020203" pitchFamily="34" charset="0"/>
+              </a:rPr>
+              <a:t>, </a:t>
+            </a:r>
+            <a:r>
+              <a:rPr lang="en-US" dirty="0" err="1">
+                <a:latin typeface="Bahnschrift Light SemiCondensed" panose="020B0502040204020203" pitchFamily="34" charset="0"/>
+              </a:rPr>
+              <a:t>pretože</a:t>
+            </a:r>
+            <a:r>
+              <a:rPr lang="en-US" dirty="0">
+                <a:latin typeface="Bahnschrift Light SemiCondensed" panose="020B0502040204020203" pitchFamily="34" charset="0"/>
+              </a:rPr>
+              <a:t> VPN je site </a:t>
+            </a:r>
+            <a:r>
+              <a:rPr lang="en-US" dirty="0" err="1">
+                <a:latin typeface="Bahnschrift Light SemiCondensed" panose="020B0502040204020203" pitchFamily="34" charset="0"/>
+              </a:rPr>
+              <a:t>zariadení</a:t>
+            </a:r>
+            <a:r>
+              <a:rPr lang="en-US" dirty="0">
+                <a:latin typeface="Bahnschrift Light SemiCondensed" panose="020B0502040204020203" pitchFamily="34" charset="0"/>
+              </a:rPr>
+              <a:t> </a:t>
+            </a:r>
+            <a:r>
+              <a:rPr lang="en-US" dirty="0" err="1">
+                <a:latin typeface="Bahnschrift Light SemiCondensed" panose="020B0502040204020203" pitchFamily="34" charset="0"/>
+              </a:rPr>
+              <a:t>pripojené</a:t>
+            </a:r>
+            <a:r>
+              <a:rPr lang="en-US" dirty="0">
+                <a:latin typeface="Bahnschrift Light SemiCondensed" panose="020B0502040204020203" pitchFamily="34" charset="0"/>
+              </a:rPr>
+              <a:t> </a:t>
+            </a:r>
+            <a:r>
+              <a:rPr lang="en-US" dirty="0" err="1">
+                <a:latin typeface="Bahnschrift Light SemiCondensed" panose="020B0502040204020203" pitchFamily="34" charset="0"/>
+              </a:rPr>
+              <a:t>cez</a:t>
+            </a:r>
+            <a:r>
+              <a:rPr lang="en-US" dirty="0">
+                <a:latin typeface="Bahnschrift Light SemiCondensed" panose="020B0502040204020203" pitchFamily="34" charset="0"/>
+              </a:rPr>
+              <a:t> internet </a:t>
+            </a:r>
+            <a:r>
+              <a:rPr lang="en-US" dirty="0" err="1">
+                <a:latin typeface="Bahnschrift Light SemiCondensed" panose="020B0502040204020203" pitchFamily="34" charset="0"/>
+              </a:rPr>
+              <a:t>na</a:t>
+            </a:r>
+            <a:r>
+              <a:rPr lang="en-US" dirty="0">
+                <a:latin typeface="Bahnschrift Light SemiCondensed" panose="020B0502040204020203" pitchFamily="34" charset="0"/>
+              </a:rPr>
+              <a:t> </a:t>
+            </a:r>
+            <a:r>
+              <a:rPr lang="en-US" dirty="0" err="1">
+                <a:latin typeface="Bahnschrift Light SemiCondensed" panose="020B0502040204020203" pitchFamily="34" charset="0"/>
+              </a:rPr>
+              <a:t>jeden</a:t>
+            </a:r>
+            <a:r>
+              <a:rPr lang="en-US" dirty="0">
+                <a:latin typeface="Bahnschrift Light SemiCondensed" panose="020B0502040204020203" pitchFamily="34" charset="0"/>
+              </a:rPr>
+              <a:t> server. S </a:t>
+            </a:r>
+            <a:r>
+              <a:rPr lang="en-US" dirty="0" err="1">
+                <a:latin typeface="Bahnschrift Light SemiCondensed" panose="020B0502040204020203" pitchFamily="34" charset="0"/>
+              </a:rPr>
+              <a:t>týmto</a:t>
+            </a:r>
+            <a:r>
+              <a:rPr lang="en-US" dirty="0">
+                <a:latin typeface="Bahnschrift Light SemiCondensed" panose="020B0502040204020203" pitchFamily="34" charset="0"/>
+              </a:rPr>
+              <a:t> </a:t>
+            </a:r>
+            <a:r>
+              <a:rPr lang="en-US" dirty="0" err="1">
+                <a:latin typeface="Bahnschrift Light SemiCondensed" panose="020B0502040204020203" pitchFamily="34" charset="0"/>
+              </a:rPr>
+              <a:t>serverom</a:t>
+            </a:r>
+            <a:r>
+              <a:rPr lang="en-US" dirty="0">
+                <a:latin typeface="Bahnschrift Light SemiCondensed" panose="020B0502040204020203" pitchFamily="34" charset="0"/>
+              </a:rPr>
+              <a:t> </a:t>
+            </a:r>
+            <a:r>
+              <a:rPr lang="en-US" dirty="0" err="1">
+                <a:latin typeface="Bahnschrift Light SemiCondensed" panose="020B0502040204020203" pitchFamily="34" charset="0"/>
+              </a:rPr>
+              <a:t>komunikujú</a:t>
+            </a:r>
+            <a:r>
+              <a:rPr lang="en-US" dirty="0">
+                <a:latin typeface="Bahnschrift Light SemiCondensed" panose="020B0502040204020203" pitchFamily="34" charset="0"/>
+              </a:rPr>
+              <a:t> </a:t>
+            </a:r>
+            <a:r>
+              <a:rPr lang="en-US" dirty="0" err="1">
+                <a:latin typeface="Bahnschrift Light SemiCondensed" panose="020B0502040204020203" pitchFamily="34" charset="0"/>
+              </a:rPr>
+              <a:t>pomocou</a:t>
+            </a:r>
+            <a:r>
+              <a:rPr lang="en-US" dirty="0">
+                <a:latin typeface="Bahnschrift Light SemiCondensed" panose="020B0502040204020203" pitchFamily="34" charset="0"/>
+              </a:rPr>
+              <a:t> </a:t>
+            </a:r>
+            <a:r>
+              <a:rPr lang="en-US" dirty="0" err="1">
+                <a:latin typeface="Bahnschrift Light SemiCondensed" panose="020B0502040204020203" pitchFamily="34" charset="0"/>
+              </a:rPr>
+              <a:t>enkrypcie</a:t>
+            </a:r>
+            <a:r>
+              <a:rPr lang="en-US" dirty="0">
+                <a:latin typeface="Bahnschrift Light SemiCondensed" panose="020B0502040204020203" pitchFamily="34" charset="0"/>
+              </a:rPr>
+              <a:t>, </a:t>
+            </a:r>
+            <a:r>
+              <a:rPr lang="en-US" dirty="0" err="1">
+                <a:latin typeface="Bahnschrift Light SemiCondensed" panose="020B0502040204020203" pitchFamily="34" charset="0"/>
+              </a:rPr>
+              <a:t>na</a:t>
+            </a:r>
+            <a:r>
+              <a:rPr lang="en-US" dirty="0">
+                <a:latin typeface="Bahnschrift Light SemiCondensed" panose="020B0502040204020203" pitchFamily="34" charset="0"/>
+              </a:rPr>
+              <a:t> </a:t>
+            </a:r>
+            <a:r>
+              <a:rPr lang="en-US" dirty="0" err="1">
+                <a:latin typeface="Bahnschrift Light SemiCondensed" panose="020B0502040204020203" pitchFamily="34" charset="0"/>
+              </a:rPr>
+              <a:t>ktorej</a:t>
+            </a:r>
+            <a:r>
+              <a:rPr lang="en-US" dirty="0">
+                <a:latin typeface="Bahnschrift Light SemiCondensed" panose="020B0502040204020203" pitchFamily="34" charset="0"/>
+              </a:rPr>
+              <a:t> </a:t>
+            </a:r>
+            <a:r>
+              <a:rPr lang="en-US" dirty="0" err="1">
+                <a:latin typeface="Bahnschrift Light SemiCondensed" panose="020B0502040204020203" pitchFamily="34" charset="0"/>
+              </a:rPr>
+              <a:t>sa</a:t>
+            </a:r>
+            <a:r>
+              <a:rPr lang="en-US" dirty="0">
+                <a:latin typeface="Bahnschrift Light SemiCondensed" panose="020B0502040204020203" pitchFamily="34" charset="0"/>
+              </a:rPr>
+              <a:t> </a:t>
+            </a:r>
+            <a:r>
+              <a:rPr lang="en-US" dirty="0" err="1">
+                <a:latin typeface="Bahnschrift Light SemiCondensed" panose="020B0502040204020203" pitchFamily="34" charset="0"/>
+              </a:rPr>
+              <a:t>dohodli</a:t>
+            </a:r>
+            <a:r>
+              <a:rPr lang="en-US" dirty="0">
+                <a:latin typeface="Bahnschrift Light SemiCondensed" panose="020B0502040204020203" pitchFamily="34" charset="0"/>
+              </a:rPr>
+              <a:t>, </a:t>
+            </a:r>
+            <a:r>
+              <a:rPr lang="en-US" dirty="0" err="1">
+                <a:latin typeface="Bahnschrift Light SemiCondensed" panose="020B0502040204020203" pitchFamily="34" charset="0"/>
+              </a:rPr>
+              <a:t>keď</a:t>
+            </a:r>
+            <a:r>
+              <a:rPr lang="en-US" dirty="0">
+                <a:latin typeface="Bahnschrift Light SemiCondensed" panose="020B0502040204020203" pitchFamily="34" charset="0"/>
+              </a:rPr>
+              <a:t> </a:t>
+            </a:r>
+            <a:r>
+              <a:rPr lang="en-US" dirty="0" err="1">
+                <a:latin typeface="Bahnschrift Light SemiCondensed" panose="020B0502040204020203" pitchFamily="34" charset="0"/>
+              </a:rPr>
+              <a:t>sa</a:t>
+            </a:r>
+            <a:r>
+              <a:rPr lang="en-US" dirty="0">
+                <a:latin typeface="Bahnschrift Light SemiCondensed" panose="020B0502040204020203" pitchFamily="34" charset="0"/>
+              </a:rPr>
+              <a:t> </a:t>
+            </a:r>
+            <a:r>
+              <a:rPr lang="en-US" dirty="0" err="1">
+                <a:latin typeface="Bahnschrift Light SemiCondensed" panose="020B0502040204020203" pitchFamily="34" charset="0"/>
+              </a:rPr>
+              <a:t>pripojili</a:t>
+            </a:r>
+            <a:r>
+              <a:rPr lang="en-US" dirty="0">
+                <a:latin typeface="Bahnschrift Light SemiCondensed" panose="020B0502040204020203" pitchFamily="34" charset="0"/>
+              </a:rPr>
+              <a:t>. </a:t>
+            </a:r>
+            <a:r>
+              <a:rPr lang="en-US" dirty="0" err="1">
+                <a:latin typeface="Bahnschrift Light SemiCondensed" panose="020B0502040204020203" pitchFamily="34" charset="0"/>
+              </a:rPr>
+              <a:t>Zložito</a:t>
+            </a:r>
+            <a:r>
+              <a:rPr lang="en-US" dirty="0">
+                <a:latin typeface="Bahnschrift Light SemiCondensed" panose="020B0502040204020203" pitchFamily="34" charset="0"/>
+              </a:rPr>
+              <a:t>, </a:t>
+            </a:r>
+            <a:r>
+              <a:rPr lang="en-US" dirty="0" err="1">
+                <a:latin typeface="Bahnschrift Light SemiCondensed" panose="020B0502040204020203" pitchFamily="34" charset="0"/>
+              </a:rPr>
+              <a:t>pretože</a:t>
+            </a:r>
+            <a:r>
+              <a:rPr lang="en-US" dirty="0">
+                <a:latin typeface="Bahnschrift Light SemiCondensed" panose="020B0502040204020203" pitchFamily="34" charset="0"/>
+              </a:rPr>
+              <a:t> </a:t>
+            </a:r>
+            <a:r>
+              <a:rPr lang="en-US" dirty="0" err="1">
+                <a:latin typeface="Bahnschrift Light SemiCondensed" panose="020B0502040204020203" pitchFamily="34" charset="0"/>
+              </a:rPr>
+              <a:t>nadobudnúť</a:t>
+            </a:r>
+            <a:r>
+              <a:rPr lang="en-US" dirty="0">
+                <a:latin typeface="Bahnschrift Light SemiCondensed" panose="020B0502040204020203" pitchFamily="34" charset="0"/>
+              </a:rPr>
+              <a:t> </a:t>
+            </a:r>
+            <a:r>
+              <a:rPr lang="en-US" dirty="0" err="1">
+                <a:latin typeface="Bahnschrift Light SemiCondensed" panose="020B0502040204020203" pitchFamily="34" charset="0"/>
+              </a:rPr>
+              <a:t>túto</a:t>
+            </a:r>
+            <a:r>
+              <a:rPr lang="en-US" dirty="0">
+                <a:latin typeface="Bahnschrift Light SemiCondensed" panose="020B0502040204020203" pitchFamily="34" charset="0"/>
+              </a:rPr>
+              <a:t> </a:t>
+            </a:r>
+            <a:r>
+              <a:rPr lang="en-US" dirty="0" err="1">
+                <a:latin typeface="Bahnschrift Light SemiCondensed" panose="020B0502040204020203" pitchFamily="34" charset="0"/>
+              </a:rPr>
+              <a:t>enkrypciu</a:t>
+            </a:r>
+            <a:r>
+              <a:rPr lang="en-US" dirty="0">
+                <a:latin typeface="Bahnschrift Light SemiCondensed" panose="020B0502040204020203" pitchFamily="34" charset="0"/>
+              </a:rPr>
+              <a:t> bez </a:t>
+            </a:r>
+            <a:r>
+              <a:rPr lang="en-US" dirty="0" err="1">
+                <a:latin typeface="Bahnschrift Light SemiCondensed" panose="020B0502040204020203" pitchFamily="34" charset="0"/>
+              </a:rPr>
+              <a:t>potenciálnych</a:t>
+            </a:r>
+            <a:r>
+              <a:rPr lang="en-US" dirty="0">
+                <a:latin typeface="Bahnschrift Light SemiCondensed" panose="020B0502040204020203" pitchFamily="34" charset="0"/>
+              </a:rPr>
+              <a:t> </a:t>
+            </a:r>
+            <a:r>
+              <a:rPr lang="en-US" dirty="0" err="1">
+                <a:latin typeface="Bahnschrift Light SemiCondensed" panose="020B0502040204020203" pitchFamily="34" charset="0"/>
+              </a:rPr>
+              <a:t>odposlúchavačov</a:t>
+            </a:r>
+            <a:r>
+              <a:rPr lang="en-US" dirty="0">
+                <a:latin typeface="Bahnschrift Light SemiCondensed" panose="020B0502040204020203" pitchFamily="34" charset="0"/>
+              </a:rPr>
+              <a:t> </a:t>
+            </a:r>
+            <a:r>
+              <a:rPr lang="en-US" dirty="0" err="1">
+                <a:latin typeface="Bahnschrift Light SemiCondensed" panose="020B0502040204020203" pitchFamily="34" charset="0"/>
+              </a:rPr>
+              <a:t>môže</a:t>
+            </a:r>
+            <a:r>
+              <a:rPr lang="en-US" dirty="0">
+                <a:latin typeface="Bahnschrift Light SemiCondensed" panose="020B0502040204020203" pitchFamily="34" charset="0"/>
+              </a:rPr>
+              <a:t> </a:t>
+            </a:r>
+            <a:r>
+              <a:rPr lang="en-US" dirty="0" err="1">
+                <a:latin typeface="Bahnschrift Light SemiCondensed" panose="020B0502040204020203" pitchFamily="34" charset="0"/>
+              </a:rPr>
+              <a:t>byť</a:t>
+            </a:r>
+            <a:r>
+              <a:rPr lang="en-US" dirty="0">
+                <a:latin typeface="Bahnschrift Light SemiCondensed" panose="020B0502040204020203" pitchFamily="34" charset="0"/>
+              </a:rPr>
+              <a:t> </a:t>
+            </a:r>
+            <a:r>
+              <a:rPr lang="en-US" dirty="0" err="1">
+                <a:latin typeface="Bahnschrift Light SemiCondensed" panose="020B0502040204020203" pitchFamily="34" charset="0"/>
+              </a:rPr>
+              <a:t>ťažké</a:t>
+            </a:r>
+            <a:r>
+              <a:rPr lang="en-US" dirty="0">
+                <a:latin typeface="Bahnschrift Light SemiCondensed" panose="020B0502040204020203" pitchFamily="34" charset="0"/>
+              </a:rPr>
+              <a:t>. </a:t>
+            </a:r>
+            <a:r>
+              <a:rPr lang="en-US" dirty="0" err="1">
+                <a:latin typeface="Bahnschrift Light SemiCondensed" panose="020B0502040204020203" pitchFamily="34" charset="0"/>
+              </a:rPr>
+              <a:t>Taktiež</a:t>
+            </a:r>
+            <a:r>
+              <a:rPr lang="en-US" dirty="0">
+                <a:latin typeface="Bahnschrift Light SemiCondensed" panose="020B0502040204020203" pitchFamily="34" charset="0"/>
+              </a:rPr>
+              <a:t>, VPN </a:t>
+            </a:r>
+            <a:r>
+              <a:rPr lang="en-US" dirty="0" err="1">
+                <a:latin typeface="Bahnschrift Light SemiCondensed" panose="020B0502040204020203" pitchFamily="34" charset="0"/>
+              </a:rPr>
+              <a:t>môže</a:t>
+            </a:r>
+            <a:r>
+              <a:rPr lang="en-US" dirty="0">
+                <a:latin typeface="Bahnschrift Light SemiCondensed" panose="020B0502040204020203" pitchFamily="34" charset="0"/>
+              </a:rPr>
+              <a:t> </a:t>
+            </a:r>
+            <a:r>
+              <a:rPr lang="en-US" dirty="0" err="1">
+                <a:latin typeface="Bahnschrift Light SemiCondensed" panose="020B0502040204020203" pitchFamily="34" charset="0"/>
+              </a:rPr>
+              <a:t>byť</a:t>
+            </a:r>
+            <a:r>
+              <a:rPr lang="en-US" dirty="0">
+                <a:latin typeface="Bahnschrift Light SemiCondensed" panose="020B0502040204020203" pitchFamily="34" charset="0"/>
+              </a:rPr>
+              <a:t>, </a:t>
+            </a:r>
+            <a:r>
+              <a:rPr lang="en-US" dirty="0" err="1">
+                <a:latin typeface="Bahnschrift Light SemiCondensed" panose="020B0502040204020203" pitchFamily="34" charset="0"/>
+              </a:rPr>
+              <a:t>okrem</a:t>
+            </a:r>
+            <a:r>
+              <a:rPr lang="en-US" dirty="0">
+                <a:latin typeface="Bahnschrift Light SemiCondensed" panose="020B0502040204020203" pitchFamily="34" charset="0"/>
+              </a:rPr>
+              <a:t> </a:t>
+            </a:r>
+            <a:r>
+              <a:rPr lang="en-US" dirty="0" err="1">
+                <a:latin typeface="Bahnschrift Light SemiCondensed" panose="020B0502040204020203" pitchFamily="34" charset="0"/>
+              </a:rPr>
+              <a:t>iných</a:t>
+            </a:r>
+            <a:r>
+              <a:rPr lang="en-US" dirty="0">
+                <a:latin typeface="Bahnschrift Light SemiCondensed" panose="020B0502040204020203" pitchFamily="34" charset="0"/>
+              </a:rPr>
+              <a:t> </a:t>
+            </a:r>
+            <a:r>
+              <a:rPr lang="en-US" dirty="0" err="1">
+                <a:latin typeface="Bahnschrift Light SemiCondensed" panose="020B0502040204020203" pitchFamily="34" charset="0"/>
+              </a:rPr>
+              <a:t>faktorov</a:t>
+            </a:r>
+            <a:r>
+              <a:rPr lang="en-US" dirty="0">
+                <a:latin typeface="Bahnschrift Light SemiCondensed" panose="020B0502040204020203" pitchFamily="34" charset="0"/>
+              </a:rPr>
+              <a:t>, </a:t>
+            </a:r>
+            <a:r>
+              <a:rPr lang="en-US" dirty="0" err="1">
+                <a:latin typeface="Bahnschrift Light SemiCondensed" panose="020B0502040204020203" pitchFamily="34" charset="0"/>
+              </a:rPr>
+              <a:t>len</a:t>
+            </a:r>
+            <a:r>
+              <a:rPr lang="en-US" dirty="0">
+                <a:latin typeface="Bahnschrift Light SemiCondensed" panose="020B0502040204020203" pitchFamily="34" charset="0"/>
+              </a:rPr>
+              <a:t> </a:t>
+            </a:r>
+            <a:r>
+              <a:rPr lang="en-US" dirty="0" err="1">
+                <a:latin typeface="Bahnschrift Light SemiCondensed" panose="020B0502040204020203" pitchFamily="34" charset="0"/>
+              </a:rPr>
+              <a:t>tak</a:t>
+            </a:r>
+            <a:r>
+              <a:rPr lang="en-US" dirty="0">
+                <a:latin typeface="Bahnschrift Light SemiCondensed" panose="020B0502040204020203" pitchFamily="34" charset="0"/>
+              </a:rPr>
+              <a:t> </a:t>
+            </a:r>
+            <a:r>
+              <a:rPr lang="en-US" dirty="0" err="1">
+                <a:latin typeface="Bahnschrift Light SemiCondensed" panose="020B0502040204020203" pitchFamily="34" charset="0"/>
+              </a:rPr>
+              <a:t>dobrá</a:t>
+            </a:r>
+            <a:r>
+              <a:rPr lang="en-US" dirty="0">
+                <a:latin typeface="Bahnschrift Light SemiCondensed" panose="020B0502040204020203" pitchFamily="34" charset="0"/>
+              </a:rPr>
+              <a:t>, </a:t>
+            </a:r>
+            <a:r>
+              <a:rPr lang="en-US" dirty="0" err="1">
+                <a:latin typeface="Bahnschrift Light SemiCondensed" panose="020B0502040204020203" pitchFamily="34" charset="0"/>
+              </a:rPr>
+              <a:t>ako</a:t>
+            </a:r>
+            <a:r>
+              <a:rPr lang="en-US" dirty="0">
+                <a:latin typeface="Bahnschrift Light SemiCondensed" panose="020B0502040204020203" pitchFamily="34" charset="0"/>
+              </a:rPr>
+              <a:t> je </a:t>
+            </a:r>
+            <a:r>
+              <a:rPr lang="en-US" dirty="0" err="1">
+                <a:latin typeface="Bahnschrift Light SemiCondensed" panose="020B0502040204020203" pitchFamily="34" charset="0"/>
+              </a:rPr>
+              <a:t>inkrypcia</a:t>
+            </a:r>
+            <a:r>
+              <a:rPr lang="en-US" dirty="0">
+                <a:latin typeface="Bahnschrift Light SemiCondensed" panose="020B0502040204020203" pitchFamily="34" charset="0"/>
+              </a:rPr>
+              <a:t>, </a:t>
+            </a:r>
+            <a:r>
+              <a:rPr lang="en-US" dirty="0" err="1">
+                <a:latin typeface="Bahnschrift Light SemiCondensed" panose="020B0502040204020203" pitchFamily="34" charset="0"/>
+              </a:rPr>
+              <a:t>ktorú</a:t>
+            </a:r>
+            <a:r>
+              <a:rPr lang="en-US" dirty="0">
+                <a:latin typeface="Bahnschrift Light SemiCondensed" panose="020B0502040204020203" pitchFamily="34" charset="0"/>
+              </a:rPr>
+              <a:t> </a:t>
+            </a:r>
+            <a:r>
+              <a:rPr lang="en-US" dirty="0" err="1">
+                <a:latin typeface="Bahnschrift Light SemiCondensed" panose="020B0502040204020203" pitchFamily="34" charset="0"/>
+              </a:rPr>
+              <a:t>používa</a:t>
+            </a:r>
+            <a:r>
+              <a:rPr lang="en-US" dirty="0">
+                <a:latin typeface="Bahnschrift Light SemiCondensed" panose="020B0502040204020203" pitchFamily="34" charset="0"/>
+              </a:rPr>
+              <a:t>.</a:t>
+            </a:r>
+            <a:endParaRPr lang="sk-SK" dirty="0">
+              <a:latin typeface="Bahnschrift Light SemiCondensed" panose="020B0502040204020203" pitchFamily="34" charset="0"/>
+            </a:endParaRPr>
+          </a:p>
+        </p:txBody>
+      </p:sp>
+      <p:cxnSp>
+        <p:nvCxnSpPr>
+          <p:cNvPr id="1041" name="Straight Connector 1040">
+            <a:extLst>
+              <a:ext uri="{FF2B5EF4-FFF2-40B4-BE49-F238E27FC236}">
+                <a16:creationId xmlns:a16="http://schemas.microsoft.com/office/drawing/2014/main" id="{F0DC1883-8AF7-483D-9074-3C6D8AF57596}"/>
+              </a:ext>
+              <a:ext uri="{C183D7F6-B498-43B3-948B-1728B52AA6E4}">
+                <adec:decorative xmlns:adec="http://schemas.microsoft.com/office/drawing/2017/decorative" val="1"/>
+              </a:ext>
+            </a:extLst>
+          </p:cNvPr>
+          <p:cNvCxnSpPr>
+            <a:cxnSpLocks noGrp="1" noRot="1" noChangeAspect="1" noMove="1" noResize="1" noEditPoints="1" noAdjustHandles="1" noChangeArrowheads="1" noChangeShapeType="1"/>
+          </p:cNvCxnSpPr>
+          <p:nvPr>
+            <p:extLst>
+              <p:ext uri="{386F3935-93C4-4BCD-93E2-E3B085C9AB24}">
+                <p16:designElem xmlns:p16="http://schemas.microsoft.com/office/powerpoint/2015/main" val="1"/>
+              </p:ext>
+            </p:extLst>
+          </p:nvPr>
+        </p:nvCxnSpPr>
+        <p:spPr>
+          <a:xfrm flipH="1">
+            <a:off x="571500" y="6286500"/>
+            <a:ext cx="11054799" cy="0"/>
+          </a:xfrm>
+          <a:prstGeom prst="line">
+            <a:avLst/>
+          </a:prstGeom>
+          <a:ln>
+            <a:solidFill>
+              <a:schemeClr val="tx1"/>
+            </a:solidFill>
+          </a:ln>
+        </p:spPr>
+        <p:style>
+          <a:lnRef idx="1">
+            <a:schemeClr val="accent1"/>
+          </a:lnRef>
+          <a:fillRef idx="0">
+            <a:schemeClr val="accent1"/>
+          </a:fillRef>
+          <a:effectRef idx="0">
+            <a:schemeClr val="accent1"/>
+          </a:effectRef>
+          <a:fontRef idx="minor">
+            <a:schemeClr val="tx1"/>
+          </a:fontRef>
+        </p:style>
+      </p:cxnSp>
+      <p:cxnSp>
+        <p:nvCxnSpPr>
+          <p:cNvPr id="1043" name="Straight Connector 1042">
+            <a:extLst>
+              <a:ext uri="{FF2B5EF4-FFF2-40B4-BE49-F238E27FC236}">
+                <a16:creationId xmlns:a16="http://schemas.microsoft.com/office/drawing/2014/main" id="{1CF89D75-E5AC-4C45-9D87-228849A4C7A5}"/>
+              </a:ext>
+              <a:ext uri="{C183D7F6-B498-43B3-948B-1728B52AA6E4}">
+                <adec:decorative xmlns:adec="http://schemas.microsoft.com/office/drawing/2017/decorative" val="1"/>
+              </a:ext>
+            </a:extLst>
+          </p:cNvPr>
+          <p:cNvCxnSpPr>
+            <a:cxnSpLocks noGrp="1" noRot="1" noChangeAspect="1" noMove="1" noResize="1" noEditPoints="1" noAdjustHandles="1" noChangeArrowheads="1" noChangeShapeType="1"/>
+          </p:cNvCxnSpPr>
+          <p:nvPr>
+            <p:extLst>
+              <p:ext uri="{386F3935-93C4-4BCD-93E2-E3B085C9AB24}">
+                <p16:designElem xmlns:p16="http://schemas.microsoft.com/office/powerpoint/2015/main" val="1"/>
+              </p:ext>
+            </p:extLst>
+          </p:nvPr>
+        </p:nvCxnSpPr>
+        <p:spPr>
+          <a:xfrm>
+            <a:off x="4419600" y="4337068"/>
+            <a:ext cx="0" cy="1949432"/>
+          </a:xfrm>
+          <a:prstGeom prst="line">
+            <a:avLst/>
+          </a:prstGeom>
+          <a:ln>
+            <a:solidFill>
+              <a:schemeClr val="tx1"/>
+            </a:solidFill>
+          </a:ln>
+        </p:spPr>
+        <p:style>
+          <a:lnRef idx="1">
+            <a:schemeClr val="accent1"/>
+          </a:lnRef>
+          <a:fillRef idx="0">
+            <a:schemeClr val="accent1"/>
+          </a:fillRef>
+          <a:effectRef idx="0">
+            <a:schemeClr val="accent1"/>
+          </a:effectRef>
+          <a:fontRef idx="minor">
+            <a:schemeClr val="tx1"/>
+          </a:fontRef>
+        </p:style>
+      </p:cxnSp>
+      <p:pic>
+        <p:nvPicPr>
+          <p:cNvPr id="1028" name="Picture 4" descr="Čo je VPN? | Alza.sk">
+            <a:extLst>
+              <a:ext uri="{FF2B5EF4-FFF2-40B4-BE49-F238E27FC236}">
+                <a16:creationId xmlns:a16="http://schemas.microsoft.com/office/drawing/2014/main" id="{A381C086-3581-69C3-6B0C-E61E91ED359D}"/>
+              </a:ext>
+            </a:extLst>
+          </p:cNvPr>
+          <p:cNvPicPr>
+            <a:picLocks noChangeAspect="1" noChangeArrowheads="1"/>
+          </p:cNvPicPr>
+          <p:nvPr/>
+        </p:nvPicPr>
+        <p:blipFill>
+          <a:blip r:embed="rId2">
+            <a:extLst>
+              <a:ext uri="{28A0092B-C50C-407E-A947-70E740481C1C}">
+                <a14:useLocalDpi xmlns:a14="http://schemas.microsoft.com/office/drawing/2010/main" val="0"/>
+              </a:ext>
+            </a:extLst>
+          </a:blip>
+          <a:srcRect/>
+          <a:stretch>
+            <a:fillRect/>
+          </a:stretch>
+        </p:blipFill>
+        <p:spPr bwMode="auto">
+          <a:xfrm>
+            <a:off x="2771715" y="366578"/>
+            <a:ext cx="6671350" cy="3702599"/>
+          </a:xfrm>
+          <a:prstGeom prst="rect">
+            <a:avLst/>
+          </a:prstGeom>
+          <a:noFill/>
+          <a:extLst>
+            <a:ext uri="{909E8E84-426E-40DD-AFC4-6F175D3DCCD1}">
+              <a14:hiddenFill xmlns:a14="http://schemas.microsoft.com/office/drawing/2010/main">
+                <a:solidFill>
+                  <a:srgbClr val="FFFFFF"/>
+                </a:solidFill>
+              </a14:hiddenFill>
+            </a:ext>
+          </a:extLst>
+        </p:spPr>
+      </p:pic>
+    </p:spTree>
+    <p:extLst>
+      <p:ext uri="{BB962C8B-B14F-4D97-AF65-F5344CB8AC3E}">
+        <p14:creationId xmlns:p14="http://schemas.microsoft.com/office/powerpoint/2010/main" val="3845093584"/>
+      </p:ext>
+    </p:extLst>
+  </p:cSld>
+  <p:clrMapOvr>
+    <a:masterClrMapping/>
+  </p:clrMapOvr>
+  <p:transition spd="slow">
+    <p:wipe/>
+  </p:transition>
+</p:sld>
+</file>
+
+<file path=ppt/slides/slide12.xml><?xml version="1.0" encoding="utf-8"?>
+<p:sld xmlns:a="http://schemas.openxmlformats.org/drawingml/2006/main" xmlns:r="http://schemas.openxmlformats.org/officeDocument/2006/relationships" xmlns:p="http://schemas.openxmlformats.org/presentationml/2006/main">
+  <p:cSld>
+    <p:bg>
+      <p:bgPr>
+        <a:solidFill>
+          <a:schemeClr val="bg2"/>
+        </a:solidFill>
+        <a:effectLst/>
+      </p:bgPr>
+    </p:bg>
+    <p:spTree>
+      <p:nvGrpSpPr>
+        <p:cNvPr id="1" name=""/>
+        <p:cNvGrpSpPr/>
+        <p:nvPr/>
+      </p:nvGrpSpPr>
+      <p:grpSpPr>
+        <a:xfrm>
+          <a:off x="0" y="0"/>
+          <a:ext cx="0" cy="0"/>
+          <a:chOff x="0" y="0"/>
+          <a:chExt cx="0" cy="0"/>
+        </a:xfrm>
+      </p:grpSpPr>
+      <p:cxnSp>
+        <p:nvCxnSpPr>
+          <p:cNvPr id="1031" name="Straight Connector 1030">
+            <a:extLst>
+              <a:ext uri="{FF2B5EF4-FFF2-40B4-BE49-F238E27FC236}">
+                <a16:creationId xmlns:a16="http://schemas.microsoft.com/office/drawing/2014/main" id="{A6814345-41DE-42C5-8657-66C1417DF81A}"/>
+              </a:ext>
+              <a:ext uri="{C183D7F6-B498-43B3-948B-1728B52AA6E4}">
+                <adec:decorative xmlns:adec="http://schemas.microsoft.com/office/drawing/2017/decorative" val="1"/>
+              </a:ext>
+            </a:extLst>
+          </p:cNvPr>
+          <p:cNvCxnSpPr>
+            <a:cxnSpLocks noGrp="1" noRot="1" noChangeAspect="1" noMove="1" noResize="1" noEditPoints="1" noAdjustHandles="1" noChangeArrowheads="1" noChangeShapeType="1"/>
+          </p:cNvCxnSpPr>
+          <p:nvPr>
+            <p:extLst>
+              <p:ext uri="{386F3935-93C4-4BCD-93E2-E3B085C9AB24}">
+                <p16:designElem xmlns:p16="http://schemas.microsoft.com/office/powerpoint/2015/main" val="1"/>
+              </p:ext>
+            </p:extLst>
+          </p:nvPr>
+        </p:nvCxnSpPr>
+        <p:spPr>
+          <a:xfrm flipH="1">
+            <a:off x="566094" y="6286347"/>
+            <a:ext cx="11059811" cy="0"/>
+          </a:xfrm>
+          <a:prstGeom prst="line">
+            <a:avLst/>
+          </a:prstGeom>
+          <a:ln>
+            <a:solidFill>
+              <a:schemeClr val="tx1"/>
+            </a:solidFill>
+          </a:ln>
+        </p:spPr>
+        <p:style>
+          <a:lnRef idx="1">
+            <a:schemeClr val="accent1"/>
+          </a:lnRef>
+          <a:fillRef idx="0">
+            <a:schemeClr val="accent1"/>
+          </a:fillRef>
+          <a:effectRef idx="0">
+            <a:schemeClr val="accent1"/>
+          </a:effectRef>
+          <a:fontRef idx="minor">
+            <a:schemeClr val="tx1"/>
+          </a:fontRef>
+        </p:style>
+      </p:cxnSp>
+      <p:cxnSp>
+        <p:nvCxnSpPr>
+          <p:cNvPr id="1033" name="Straight Connector 1032">
+            <a:extLst>
+              <a:ext uri="{FF2B5EF4-FFF2-40B4-BE49-F238E27FC236}">
+                <a16:creationId xmlns:a16="http://schemas.microsoft.com/office/drawing/2014/main" id="{7E68E419-3727-4F5E-8840-AF149B33B0B7}"/>
+              </a:ext>
+              <a:ext uri="{C183D7F6-B498-43B3-948B-1728B52AA6E4}">
+                <adec:decorative xmlns:adec="http://schemas.microsoft.com/office/drawing/2017/decorative" val="1"/>
+              </a:ext>
+            </a:extLst>
+          </p:cNvPr>
+          <p:cNvCxnSpPr>
+            <a:cxnSpLocks noGrp="1" noRot="1" noChangeAspect="1" noMove="1" noResize="1" noEditPoints="1" noAdjustHandles="1" noChangeArrowheads="1" noChangeShapeType="1"/>
+          </p:cNvCxnSpPr>
+          <p:nvPr>
+            <p:extLst>
+              <p:ext uri="{386F3935-93C4-4BCD-93E2-E3B085C9AB24}">
+                <p16:designElem xmlns:p16="http://schemas.microsoft.com/office/powerpoint/2015/main" val="1"/>
+              </p:ext>
+            </p:extLst>
+          </p:nvPr>
+        </p:nvCxnSpPr>
+        <p:spPr>
+          <a:xfrm flipH="1">
+            <a:off x="577485" y="1883336"/>
+            <a:ext cx="11059811" cy="0"/>
+          </a:xfrm>
+          <a:prstGeom prst="line">
+            <a:avLst/>
+          </a:prstGeom>
+          <a:ln>
+            <a:solidFill>
+              <a:schemeClr val="tx1"/>
+            </a:solidFill>
+          </a:ln>
+        </p:spPr>
+        <p:style>
+          <a:lnRef idx="1">
+            <a:schemeClr val="accent1"/>
+          </a:lnRef>
+          <a:fillRef idx="0">
+            <a:schemeClr val="accent1"/>
+          </a:fillRef>
+          <a:effectRef idx="0">
+            <a:schemeClr val="accent1"/>
+          </a:effectRef>
+          <a:fontRef idx="minor">
+            <a:schemeClr val="tx1"/>
+          </a:fontRef>
+        </p:style>
+      </p:cxnSp>
+      <p:cxnSp>
+        <p:nvCxnSpPr>
+          <p:cNvPr id="1035" name="Straight Connector 1034">
+            <a:extLst>
+              <a:ext uri="{FF2B5EF4-FFF2-40B4-BE49-F238E27FC236}">
+                <a16:creationId xmlns:a16="http://schemas.microsoft.com/office/drawing/2014/main" id="{0519B6EC-D7AE-452F-8D0C-D11BD3377F3E}"/>
+              </a:ext>
+              <a:ext uri="{C183D7F6-B498-43B3-948B-1728B52AA6E4}">
+                <adec:decorative xmlns:adec="http://schemas.microsoft.com/office/drawing/2017/decorative" val="1"/>
+              </a:ext>
+            </a:extLst>
+          </p:cNvPr>
+          <p:cNvCxnSpPr>
+            <a:cxnSpLocks noGrp="1" noRot="1" noChangeAspect="1" noMove="1" noResize="1" noEditPoints="1" noAdjustHandles="1" noChangeArrowheads="1" noChangeShapeType="1"/>
+          </p:cNvCxnSpPr>
+          <p:nvPr>
+            <p:extLst>
+              <p:ext uri="{386F3935-93C4-4BCD-93E2-E3B085C9AB24}">
+                <p16:designElem xmlns:p16="http://schemas.microsoft.com/office/powerpoint/2015/main" val="1"/>
+              </p:ext>
+            </p:extLst>
+          </p:nvPr>
+        </p:nvCxnSpPr>
+        <p:spPr>
+          <a:xfrm flipH="1">
+            <a:off x="577485" y="571500"/>
+            <a:ext cx="11059811" cy="0"/>
+          </a:xfrm>
+          <a:prstGeom prst="line">
+            <a:avLst/>
+          </a:prstGeom>
+          <a:ln>
+            <a:solidFill>
+              <a:schemeClr val="tx1"/>
+            </a:solidFill>
+          </a:ln>
+        </p:spPr>
+        <p:style>
+          <a:lnRef idx="1">
+            <a:schemeClr val="accent1"/>
+          </a:lnRef>
+          <a:fillRef idx="0">
+            <a:schemeClr val="accent1"/>
+          </a:fillRef>
+          <a:effectRef idx="0">
+            <a:schemeClr val="accent1"/>
+          </a:effectRef>
+          <a:fontRef idx="minor">
+            <a:schemeClr val="tx1"/>
+          </a:fontRef>
+        </p:style>
+      </p:cxnSp>
+      <p:sp useBgFill="1">
+        <p:nvSpPr>
+          <p:cNvPr id="1037" name="Rectangle 1036">
+            <a:extLst>
+              <a:ext uri="{FF2B5EF4-FFF2-40B4-BE49-F238E27FC236}">
+                <a16:creationId xmlns:a16="http://schemas.microsoft.com/office/drawing/2014/main" id="{B8F14E13-1923-411D-9A16-1C28898D5624}"/>
+              </a:ext>
+              <a:ext uri="{C183D7F6-B498-43B3-948B-1728B52AA6E4}">
+                <adec:decorative xmlns:adec="http://schemas.microsoft.com/office/drawing/2017/decorative" val="1"/>
+              </a:ext>
+            </a:extLst>
+          </p:cNvPr>
+          <p:cNvSpPr>
+            <a:spLocks noGrp="1" noRot="1" noChangeAspect="1" noMove="1" noResize="1" noEditPoints="1" noAdjustHandles="1" noChangeArrowheads="1" noChangeShapeType="1" noTextEdit="1"/>
+          </p:cNvSpPr>
+          <p:nvPr>
+            <p:extLst>
+              <p:ext uri="{386F3935-93C4-4BCD-93E2-E3B085C9AB24}">
+                <p16:designElem xmlns:p16="http://schemas.microsoft.com/office/powerpoint/2015/main" val="1"/>
+              </p:ext>
+            </p:extLst>
+          </p:nvPr>
+        </p:nvSpPr>
+        <p:spPr>
+          <a:xfrm>
+            <a:off x="-6782" y="0"/>
+            <a:ext cx="12198783" cy="6858000"/>
+          </a:xfrm>
+          <a:prstGeom prst="rect">
+            <a:avLst/>
+          </a:prstGeom>
+          <a:ln>
+            <a:noFill/>
+          </a:ln>
+        </p:spPr>
+        <p:style>
+          <a:lnRef idx="2">
+            <a:schemeClr val="accent1">
+              <a:shade val="50000"/>
+            </a:schemeClr>
+          </a:lnRef>
+          <a:fillRef idx="1">
+            <a:schemeClr val="accent1"/>
+          </a:fillRef>
+          <a:effectRef idx="0">
+            <a:schemeClr val="accent1"/>
+          </a:effectRef>
+          <a:fontRef idx="minor">
+            <a:schemeClr val="lt1"/>
+          </a:fontRef>
+        </p:style>
+        <p:txBody>
+          <a:bodyPr rtlCol="0" anchor="ctr"/>
+          <a:lstStyle/>
+          <a:p>
+            <a:pPr algn="ctr"/>
+            <a:endParaRPr lang="en-US"/>
+          </a:p>
+        </p:txBody>
+      </p:sp>
+      <p:sp>
+        <p:nvSpPr>
+          <p:cNvPr id="2" name="Nadpis 1">
+            <a:extLst>
+              <a:ext uri="{FF2B5EF4-FFF2-40B4-BE49-F238E27FC236}">
+                <a16:creationId xmlns:a16="http://schemas.microsoft.com/office/drawing/2014/main" id="{43B2C831-884F-53C5-D2B6-2037685FDD44}"/>
+              </a:ext>
+            </a:extLst>
+          </p:cNvPr>
+          <p:cNvSpPr>
+            <a:spLocks noGrp="1"/>
+          </p:cNvSpPr>
+          <p:nvPr>
+            <p:ph type="title"/>
+          </p:nvPr>
+        </p:nvSpPr>
+        <p:spPr>
+          <a:xfrm>
+            <a:off x="555870" y="4572001"/>
+            <a:ext cx="3695699" cy="1508356"/>
+          </a:xfrm>
+        </p:spPr>
+        <p:txBody>
+          <a:bodyPr vert="horz" lIns="91440" tIns="45720" rIns="91440" bIns="45720" rtlCol="0" anchor="ctr">
+            <a:normAutofit/>
+          </a:bodyPr>
+          <a:lstStyle/>
+          <a:p>
+            <a:r>
+              <a:rPr lang="en-US" sz="4000" dirty="0">
+                <a:latin typeface="Avenir Next LT Pro Light (Text)"/>
+              </a:rPr>
+              <a:t>VPN</a:t>
+            </a:r>
+          </a:p>
+        </p:txBody>
+      </p:sp>
+      <p:cxnSp>
+        <p:nvCxnSpPr>
+          <p:cNvPr id="1039" name="Straight Connector 1038">
+            <a:extLst>
+              <a:ext uri="{FF2B5EF4-FFF2-40B4-BE49-F238E27FC236}">
+                <a16:creationId xmlns:a16="http://schemas.microsoft.com/office/drawing/2014/main" id="{D927055D-9ECF-487E-91DD-FFA84AB92DB8}"/>
+              </a:ext>
+              <a:ext uri="{C183D7F6-B498-43B3-948B-1728B52AA6E4}">
+                <adec:decorative xmlns:adec="http://schemas.microsoft.com/office/drawing/2017/decorative" val="1"/>
+              </a:ext>
+            </a:extLst>
+          </p:cNvPr>
+          <p:cNvCxnSpPr>
+            <a:cxnSpLocks noGrp="1" noRot="1" noChangeAspect="1" noMove="1" noResize="1" noEditPoints="1" noAdjustHandles="1" noChangeArrowheads="1" noChangeShapeType="1"/>
+          </p:cNvCxnSpPr>
+          <p:nvPr>
+            <p:extLst>
+              <p:ext uri="{386F3935-93C4-4BCD-93E2-E3B085C9AB24}">
+                <p16:designElem xmlns:p16="http://schemas.microsoft.com/office/powerpoint/2015/main" val="1"/>
+              </p:ext>
+            </p:extLst>
+          </p:nvPr>
+        </p:nvCxnSpPr>
+        <p:spPr>
+          <a:xfrm flipH="1">
+            <a:off x="571333" y="4337068"/>
+            <a:ext cx="11054799" cy="0"/>
+          </a:xfrm>
+          <a:prstGeom prst="line">
+            <a:avLst/>
+          </a:prstGeom>
+          <a:ln>
+            <a:solidFill>
+              <a:schemeClr val="tx1"/>
+            </a:solidFill>
+          </a:ln>
+        </p:spPr>
+        <p:style>
+          <a:lnRef idx="1">
+            <a:schemeClr val="accent1"/>
+          </a:lnRef>
+          <a:fillRef idx="0">
+            <a:schemeClr val="accent1"/>
+          </a:fillRef>
+          <a:effectRef idx="0">
+            <a:schemeClr val="accent1"/>
+          </a:effectRef>
+          <a:fontRef idx="minor">
+            <a:schemeClr val="tx1"/>
+          </a:fontRef>
+        </p:style>
+      </p:cxnSp>
+      <p:sp>
+        <p:nvSpPr>
+          <p:cNvPr id="4" name="Zástupný text 3">
+            <a:extLst>
+              <a:ext uri="{FF2B5EF4-FFF2-40B4-BE49-F238E27FC236}">
+                <a16:creationId xmlns:a16="http://schemas.microsoft.com/office/drawing/2014/main" id="{2BCA5C40-7E7D-C615-BD28-F1933797A169}"/>
+              </a:ext>
+            </a:extLst>
+          </p:cNvPr>
+          <p:cNvSpPr>
+            <a:spLocks noGrp="1"/>
+          </p:cNvSpPr>
+          <p:nvPr>
+            <p:ph type="body" sz="half" idx="2"/>
+          </p:nvPr>
+        </p:nvSpPr>
+        <p:spPr>
+          <a:xfrm>
+            <a:off x="4728315" y="4572001"/>
+            <a:ext cx="6902996" cy="1508361"/>
+          </a:xfrm>
+        </p:spPr>
+        <p:txBody>
+          <a:bodyPr vert="horz" lIns="91440" tIns="45720" rIns="91440" bIns="45720" rtlCol="0" anchor="ctr">
+            <a:normAutofit/>
+          </a:bodyPr>
+          <a:lstStyle/>
+          <a:p>
+            <a:pPr indent="-228600"/>
+            <a:r>
+              <a:rPr lang="en-US" dirty="0" err="1">
+                <a:latin typeface="Bahnschrift Light SemiCondensed" panose="020B0502040204020203" pitchFamily="34" charset="0"/>
+              </a:rPr>
+              <a:t>Iný</a:t>
+            </a:r>
+            <a:r>
+              <a:rPr lang="en-US" dirty="0">
+                <a:latin typeface="Bahnschrift Light SemiCondensed" panose="020B0502040204020203" pitchFamily="34" charset="0"/>
+              </a:rPr>
+              <a:t> </a:t>
+            </a:r>
+            <a:r>
+              <a:rPr lang="en-US" dirty="0" err="1">
+                <a:latin typeface="Bahnschrift Light SemiCondensed" panose="020B0502040204020203" pitchFamily="34" charset="0"/>
+              </a:rPr>
+              <a:t>spôsob</a:t>
+            </a:r>
+            <a:r>
+              <a:rPr lang="en-US" dirty="0">
+                <a:latin typeface="Bahnschrift Light SemiCondensed" panose="020B0502040204020203" pitchFamily="34" charset="0"/>
+              </a:rPr>
+              <a:t> </a:t>
+            </a:r>
+            <a:r>
+              <a:rPr lang="en-US" dirty="0" err="1">
+                <a:latin typeface="Bahnschrift Light SemiCondensed" panose="020B0502040204020203" pitchFamily="34" charset="0"/>
+              </a:rPr>
+              <a:t>ako</a:t>
+            </a:r>
+            <a:r>
+              <a:rPr lang="en-US" dirty="0">
+                <a:latin typeface="Bahnschrift Light SemiCondensed" panose="020B0502040204020203" pitchFamily="34" charset="0"/>
+              </a:rPr>
+              <a:t> </a:t>
+            </a:r>
+            <a:r>
+              <a:rPr lang="en-US" dirty="0" err="1">
+                <a:latin typeface="Bahnschrift Light SemiCondensed" panose="020B0502040204020203" pitchFamily="34" charset="0"/>
+              </a:rPr>
+              <a:t>sa</a:t>
+            </a:r>
+            <a:r>
+              <a:rPr lang="en-US" dirty="0">
+                <a:latin typeface="Bahnschrift Light SemiCondensed" panose="020B0502040204020203" pitchFamily="34" charset="0"/>
+              </a:rPr>
+              <a:t> </a:t>
+            </a:r>
+            <a:r>
+              <a:rPr lang="en-US" dirty="0" err="1">
+                <a:latin typeface="Bahnschrift Light SemiCondensed" panose="020B0502040204020203" pitchFamily="34" charset="0"/>
+              </a:rPr>
+              <a:t>na</a:t>
+            </a:r>
+            <a:r>
+              <a:rPr lang="en-US" dirty="0">
+                <a:latin typeface="Bahnschrift Light SemiCondensed" panose="020B0502040204020203" pitchFamily="34" charset="0"/>
+              </a:rPr>
+              <a:t> </a:t>
+            </a:r>
+            <a:r>
+              <a:rPr lang="en-US" dirty="0" err="1">
+                <a:latin typeface="Bahnschrift Light SemiCondensed" panose="020B0502040204020203" pitchFamily="34" charset="0"/>
+              </a:rPr>
+              <a:t>VPNky</a:t>
+            </a:r>
+            <a:r>
+              <a:rPr lang="en-US" dirty="0">
+                <a:latin typeface="Bahnschrift Light SemiCondensed" panose="020B0502040204020203" pitchFamily="34" charset="0"/>
+              </a:rPr>
+              <a:t> </a:t>
+            </a:r>
+            <a:r>
+              <a:rPr lang="en-US" dirty="0" err="1">
+                <a:latin typeface="Bahnschrift Light SemiCondensed" panose="020B0502040204020203" pitchFamily="34" charset="0"/>
+              </a:rPr>
+              <a:t>môže</a:t>
+            </a:r>
+            <a:r>
+              <a:rPr lang="en-US" dirty="0">
+                <a:latin typeface="Bahnschrift Light SemiCondensed" panose="020B0502040204020203" pitchFamily="34" charset="0"/>
+              </a:rPr>
+              <a:t> </a:t>
+            </a:r>
+            <a:r>
+              <a:rPr lang="en-US" dirty="0" err="1">
+                <a:latin typeface="Bahnschrift Light SemiCondensed" panose="020B0502040204020203" pitchFamily="34" charset="0"/>
+              </a:rPr>
+              <a:t>niekto</a:t>
+            </a:r>
+            <a:r>
+              <a:rPr lang="en-US" dirty="0">
+                <a:latin typeface="Bahnschrift Light SemiCondensed" panose="020B0502040204020203" pitchFamily="34" charset="0"/>
+              </a:rPr>
+              <a:t> </a:t>
+            </a:r>
+            <a:r>
+              <a:rPr lang="en-US" dirty="0" err="1">
+                <a:latin typeface="Bahnschrift Light SemiCondensed" panose="020B0502040204020203" pitchFamily="34" charset="0"/>
+              </a:rPr>
+              <a:t>pozrieť</a:t>
+            </a:r>
+            <a:r>
+              <a:rPr lang="en-US" dirty="0">
+                <a:latin typeface="Bahnschrift Light SemiCondensed" panose="020B0502040204020203" pitchFamily="34" charset="0"/>
+              </a:rPr>
+              <a:t>, je </a:t>
+            </a:r>
+            <a:r>
+              <a:rPr lang="en-US" dirty="0" err="1">
+                <a:latin typeface="Bahnschrift Light SemiCondensed" panose="020B0502040204020203" pitchFamily="34" charset="0"/>
+              </a:rPr>
+              <a:t>že</a:t>
+            </a:r>
+            <a:r>
+              <a:rPr lang="en-US" dirty="0">
+                <a:latin typeface="Bahnschrift Light SemiCondensed" panose="020B0502040204020203" pitchFamily="34" charset="0"/>
+              </a:rPr>
+              <a:t> ich </a:t>
+            </a:r>
+            <a:r>
+              <a:rPr lang="en-US" dirty="0" err="1">
+                <a:latin typeface="Bahnschrift Light SemiCondensed" panose="020B0502040204020203" pitchFamily="34" charset="0"/>
+              </a:rPr>
+              <a:t>uvidí</a:t>
+            </a:r>
+            <a:r>
+              <a:rPr lang="en-US" dirty="0">
+                <a:latin typeface="Bahnschrift Light SemiCondensed" panose="020B0502040204020203" pitchFamily="34" charset="0"/>
+              </a:rPr>
+              <a:t> </a:t>
+            </a:r>
+            <a:r>
+              <a:rPr lang="en-US" dirty="0" err="1">
+                <a:latin typeface="Bahnschrift Light SemiCondensed" panose="020B0502040204020203" pitchFamily="34" charset="0"/>
+              </a:rPr>
+              <a:t>ako</a:t>
+            </a:r>
+            <a:r>
+              <a:rPr lang="en-US" dirty="0">
+                <a:latin typeface="Bahnschrift Light SemiCondensed" panose="020B0502040204020203" pitchFamily="34" charset="0"/>
+              </a:rPr>
+              <a:t> </a:t>
+            </a:r>
+            <a:r>
+              <a:rPr lang="en-US" dirty="0" err="1">
+                <a:latin typeface="Bahnschrift Light SemiCondensed" panose="020B0502040204020203" pitchFamily="34" charset="0"/>
+              </a:rPr>
+              <a:t>slabinu</a:t>
+            </a:r>
+            <a:r>
+              <a:rPr lang="en-US" dirty="0">
+                <a:latin typeface="Bahnschrift Light SemiCondensed" panose="020B0502040204020203" pitchFamily="34" charset="0"/>
+              </a:rPr>
+              <a:t>, </a:t>
+            </a:r>
+            <a:r>
+              <a:rPr lang="en-US" dirty="0" err="1">
+                <a:latin typeface="Bahnschrift Light SemiCondensed" panose="020B0502040204020203" pitchFamily="34" charset="0"/>
+              </a:rPr>
+              <a:t>cez</a:t>
+            </a:r>
+            <a:r>
+              <a:rPr lang="en-US" dirty="0">
+                <a:latin typeface="Bahnschrift Light SemiCondensed" panose="020B0502040204020203" pitchFamily="34" charset="0"/>
+              </a:rPr>
+              <a:t> </a:t>
+            </a:r>
+            <a:r>
+              <a:rPr lang="en-US" dirty="0" err="1">
+                <a:latin typeface="Bahnschrift Light SemiCondensed" panose="020B0502040204020203" pitchFamily="34" charset="0"/>
+              </a:rPr>
+              <a:t>ktorú</a:t>
+            </a:r>
+            <a:r>
+              <a:rPr lang="en-US" dirty="0">
+                <a:latin typeface="Bahnschrift Light SemiCondensed" panose="020B0502040204020203" pitchFamily="34" charset="0"/>
+              </a:rPr>
+              <a:t> </a:t>
+            </a:r>
+            <a:r>
+              <a:rPr lang="en-US" dirty="0" err="1">
+                <a:latin typeface="Bahnschrift Light SemiCondensed" panose="020B0502040204020203" pitchFamily="34" charset="0"/>
+              </a:rPr>
+              <a:t>sa</a:t>
+            </a:r>
+            <a:r>
+              <a:rPr lang="en-US" dirty="0">
+                <a:latin typeface="Bahnschrift Light SemiCondensed" panose="020B0502040204020203" pitchFamily="34" charset="0"/>
+              </a:rPr>
+              <a:t> </a:t>
+            </a:r>
+            <a:r>
+              <a:rPr lang="en-US" dirty="0" err="1">
+                <a:latin typeface="Bahnschrift Light SemiCondensed" panose="020B0502040204020203" pitchFamily="34" charset="0"/>
+              </a:rPr>
+              <a:t>môže</a:t>
+            </a:r>
+            <a:r>
+              <a:rPr lang="en-US" dirty="0">
+                <a:latin typeface="Bahnschrift Light SemiCondensed" panose="020B0502040204020203" pitchFamily="34" charset="0"/>
+              </a:rPr>
+              <a:t> </a:t>
+            </a:r>
+            <a:r>
+              <a:rPr lang="en-US" dirty="0" err="1">
+                <a:latin typeface="Bahnschrift Light SemiCondensed" panose="020B0502040204020203" pitchFamily="34" charset="0"/>
+              </a:rPr>
+              <a:t>niekto</a:t>
+            </a:r>
+            <a:r>
+              <a:rPr lang="en-US" dirty="0">
+                <a:latin typeface="Bahnschrift Light SemiCondensed" panose="020B0502040204020203" pitchFamily="34" charset="0"/>
+              </a:rPr>
+              <a:t> </a:t>
+            </a:r>
+            <a:r>
+              <a:rPr lang="en-US" dirty="0" err="1">
+                <a:latin typeface="Bahnschrift Light SemiCondensed" panose="020B0502040204020203" pitchFamily="34" charset="0"/>
+              </a:rPr>
+              <a:t>zlomyseľný</a:t>
+            </a:r>
+            <a:r>
+              <a:rPr lang="en-US" dirty="0">
+                <a:latin typeface="Bahnschrift Light SemiCondensed" panose="020B0502040204020203" pitchFamily="34" charset="0"/>
+              </a:rPr>
+              <a:t> </a:t>
+            </a:r>
+            <a:r>
+              <a:rPr lang="en-US" dirty="0" err="1">
+                <a:latin typeface="Bahnschrift Light SemiCondensed" panose="020B0502040204020203" pitchFamily="34" charset="0"/>
+              </a:rPr>
+              <a:t>dostať</a:t>
+            </a:r>
+            <a:r>
+              <a:rPr lang="en-US" dirty="0">
+                <a:latin typeface="Bahnschrift Light SemiCondensed" panose="020B0502040204020203" pitchFamily="34" charset="0"/>
+              </a:rPr>
+              <a:t> k </a:t>
+            </a:r>
+            <a:r>
+              <a:rPr lang="en-US" dirty="0" err="1">
+                <a:latin typeface="Bahnschrift Light SemiCondensed" panose="020B0502040204020203" pitchFamily="34" charset="0"/>
+              </a:rPr>
+              <a:t>našim</a:t>
+            </a:r>
+            <a:r>
+              <a:rPr lang="en-US" dirty="0">
+                <a:latin typeface="Bahnschrift Light SemiCondensed" panose="020B0502040204020203" pitchFamily="34" charset="0"/>
+              </a:rPr>
+              <a:t> </a:t>
+            </a:r>
+            <a:r>
+              <a:rPr lang="en-US" dirty="0" err="1">
+                <a:latin typeface="Bahnschrift Light SemiCondensed" panose="020B0502040204020203" pitchFamily="34" charset="0"/>
+              </a:rPr>
+              <a:t>dátam</a:t>
+            </a:r>
+            <a:r>
+              <a:rPr lang="en-US" dirty="0">
+                <a:latin typeface="Bahnschrift Light SemiCondensed" panose="020B0502040204020203" pitchFamily="34" charset="0"/>
+              </a:rPr>
+              <a:t>, </a:t>
+            </a:r>
+            <a:r>
+              <a:rPr lang="en-US" dirty="0" err="1">
+                <a:latin typeface="Bahnschrift Light SemiCondensed" panose="020B0502040204020203" pitchFamily="34" charset="0"/>
+              </a:rPr>
+              <a:t>keďže</a:t>
+            </a:r>
+            <a:r>
+              <a:rPr lang="en-US" dirty="0">
+                <a:latin typeface="Bahnschrift Light SemiCondensed" panose="020B0502040204020203" pitchFamily="34" charset="0"/>
+              </a:rPr>
+              <a:t> server, </a:t>
+            </a:r>
+            <a:r>
+              <a:rPr lang="en-US" dirty="0" err="1">
+                <a:latin typeface="Bahnschrift Light SemiCondensed" panose="020B0502040204020203" pitchFamily="34" charset="0"/>
+              </a:rPr>
+              <a:t>cez</a:t>
+            </a:r>
+            <a:r>
+              <a:rPr lang="en-US" dirty="0">
+                <a:latin typeface="Bahnschrift Light SemiCondensed" panose="020B0502040204020203" pitchFamily="34" charset="0"/>
+              </a:rPr>
+              <a:t> </a:t>
+            </a:r>
+            <a:r>
+              <a:rPr lang="en-US" dirty="0" err="1">
+                <a:latin typeface="Bahnschrift Light SemiCondensed" panose="020B0502040204020203" pitchFamily="34" charset="0"/>
+              </a:rPr>
+              <a:t>ktorý</a:t>
+            </a:r>
+            <a:r>
+              <a:rPr lang="en-US" dirty="0">
+                <a:latin typeface="Bahnschrift Light SemiCondensed" panose="020B0502040204020203" pitchFamily="34" charset="0"/>
+              </a:rPr>
+              <a:t> </a:t>
+            </a:r>
+            <a:r>
+              <a:rPr lang="en-US" dirty="0" err="1">
+                <a:latin typeface="Bahnschrift Light SemiCondensed" panose="020B0502040204020203" pitchFamily="34" charset="0"/>
+              </a:rPr>
+              <a:t>sieť</a:t>
+            </a:r>
+            <a:r>
+              <a:rPr lang="en-US" dirty="0">
+                <a:latin typeface="Bahnschrift Light SemiCondensed" panose="020B0502040204020203" pitchFamily="34" charset="0"/>
+              </a:rPr>
+              <a:t> </a:t>
+            </a:r>
+            <a:r>
+              <a:rPr lang="en-US" dirty="0" err="1">
+                <a:latin typeface="Bahnschrift Light SemiCondensed" panose="020B0502040204020203" pitchFamily="34" charset="0"/>
+              </a:rPr>
+              <a:t>pôsobý</a:t>
+            </a:r>
+            <a:r>
+              <a:rPr lang="en-US" dirty="0">
+                <a:latin typeface="Bahnschrift Light SemiCondensed" panose="020B0502040204020203" pitchFamily="34" charset="0"/>
+              </a:rPr>
+              <a:t> </a:t>
+            </a:r>
+            <a:r>
+              <a:rPr lang="en-US" dirty="0" err="1">
+                <a:latin typeface="Bahnschrift Light SemiCondensed" panose="020B0502040204020203" pitchFamily="34" charset="0"/>
+              </a:rPr>
+              <a:t>môže</a:t>
+            </a:r>
+            <a:r>
+              <a:rPr lang="en-US" dirty="0">
+                <a:latin typeface="Bahnschrift Light SemiCondensed" panose="020B0502040204020203" pitchFamily="34" charset="0"/>
+              </a:rPr>
+              <a:t> </a:t>
+            </a:r>
+            <a:r>
+              <a:rPr lang="en-US" dirty="0" err="1">
+                <a:latin typeface="Bahnschrift Light SemiCondensed" panose="020B0502040204020203" pitchFamily="34" charset="0"/>
+              </a:rPr>
+              <a:t>ponechávať</a:t>
+            </a:r>
+            <a:r>
+              <a:rPr lang="en-US" dirty="0">
+                <a:latin typeface="Bahnschrift Light SemiCondensed" panose="020B0502040204020203" pitchFamily="34" charset="0"/>
+              </a:rPr>
+              <a:t> </a:t>
+            </a:r>
+            <a:r>
+              <a:rPr lang="en-US" dirty="0" err="1">
+                <a:latin typeface="Bahnschrift Light SemiCondensed" panose="020B0502040204020203" pitchFamily="34" charset="0"/>
+              </a:rPr>
+              <a:t>záznami</a:t>
+            </a:r>
+            <a:r>
+              <a:rPr lang="en-US" dirty="0">
+                <a:latin typeface="Bahnschrift Light SemiCondensed" panose="020B0502040204020203" pitchFamily="34" charset="0"/>
+              </a:rPr>
+              <a:t> o </a:t>
+            </a:r>
+            <a:r>
+              <a:rPr lang="en-US" dirty="0" err="1">
+                <a:latin typeface="Bahnschrift Light SemiCondensed" panose="020B0502040204020203" pitchFamily="34" charset="0"/>
+              </a:rPr>
+              <a:t>aktivite</a:t>
+            </a:r>
+            <a:r>
+              <a:rPr lang="en-US" dirty="0">
+                <a:latin typeface="Bahnschrift Light SemiCondensed" panose="020B0502040204020203" pitchFamily="34" charset="0"/>
+              </a:rPr>
+              <a:t> VPN </a:t>
+            </a:r>
+            <a:r>
+              <a:rPr lang="en-US" dirty="0" err="1">
+                <a:latin typeface="Bahnschrift Light SemiCondensed" panose="020B0502040204020203" pitchFamily="34" charset="0"/>
+              </a:rPr>
+              <a:t>používateľov</a:t>
+            </a:r>
+            <a:r>
+              <a:rPr lang="en-US" dirty="0">
+                <a:latin typeface="Bahnschrift Light SemiCondensed" panose="020B0502040204020203" pitchFamily="34" charset="0"/>
+              </a:rPr>
+              <a:t>. V </a:t>
+            </a:r>
+            <a:r>
+              <a:rPr lang="en-US" dirty="0" err="1">
+                <a:latin typeface="Bahnschrift Light SemiCondensed" panose="020B0502040204020203" pitchFamily="34" charset="0"/>
+              </a:rPr>
+              <a:t>takomto</a:t>
+            </a:r>
+            <a:r>
+              <a:rPr lang="en-US" dirty="0">
+                <a:latin typeface="Bahnschrift Light SemiCondensed" panose="020B0502040204020203" pitchFamily="34" charset="0"/>
+              </a:rPr>
+              <a:t> </a:t>
+            </a:r>
+            <a:r>
+              <a:rPr lang="en-US" dirty="0" err="1">
+                <a:latin typeface="Bahnschrift Light SemiCondensed" panose="020B0502040204020203" pitchFamily="34" charset="0"/>
+              </a:rPr>
+              <a:t>prípade</a:t>
+            </a:r>
+            <a:r>
+              <a:rPr lang="en-US" dirty="0">
+                <a:latin typeface="Bahnschrift Light SemiCondensed" panose="020B0502040204020203" pitchFamily="34" charset="0"/>
+              </a:rPr>
+              <a:t> </a:t>
+            </a:r>
+            <a:r>
+              <a:rPr lang="en-US" dirty="0" err="1">
+                <a:latin typeface="Bahnschrift Light SemiCondensed" panose="020B0502040204020203" pitchFamily="34" charset="0"/>
+              </a:rPr>
+              <a:t>záleží</a:t>
+            </a:r>
+            <a:r>
+              <a:rPr lang="en-US" dirty="0">
+                <a:latin typeface="Bahnschrift Light SemiCondensed" panose="020B0502040204020203" pitchFamily="34" charset="0"/>
+              </a:rPr>
+              <a:t> </a:t>
+            </a:r>
+            <a:r>
+              <a:rPr lang="en-US" dirty="0" err="1">
+                <a:latin typeface="Bahnschrift Light SemiCondensed" panose="020B0502040204020203" pitchFamily="34" charset="0"/>
+              </a:rPr>
+              <a:t>na</a:t>
+            </a:r>
+            <a:r>
+              <a:rPr lang="en-US" dirty="0">
+                <a:latin typeface="Bahnschrift Light SemiCondensed" panose="020B0502040204020203" pitchFamily="34" charset="0"/>
+              </a:rPr>
+              <a:t> tom, </a:t>
+            </a:r>
+            <a:r>
+              <a:rPr lang="en-US" dirty="0" err="1">
+                <a:latin typeface="Bahnschrift Light SemiCondensed" panose="020B0502040204020203" pitchFamily="34" charset="0"/>
+              </a:rPr>
+              <a:t>či</a:t>
+            </a:r>
+            <a:r>
+              <a:rPr lang="en-US" dirty="0">
+                <a:latin typeface="Bahnschrift Light SemiCondensed" panose="020B0502040204020203" pitchFamily="34" charset="0"/>
+              </a:rPr>
+              <a:t> </a:t>
+            </a:r>
+            <a:r>
+              <a:rPr lang="en-US" dirty="0" err="1">
+                <a:latin typeface="Bahnschrift Light SemiCondensed" panose="020B0502040204020203" pitchFamily="34" charset="0"/>
+              </a:rPr>
+              <a:t>chceme</a:t>
+            </a:r>
+            <a:r>
+              <a:rPr lang="en-US" dirty="0">
+                <a:latin typeface="Bahnschrift Light SemiCondensed" panose="020B0502040204020203" pitchFamily="34" charset="0"/>
+              </a:rPr>
+              <a:t> </a:t>
+            </a:r>
+            <a:r>
+              <a:rPr lang="en-US" dirty="0" err="1">
+                <a:latin typeface="Bahnschrift Light SemiCondensed" panose="020B0502040204020203" pitchFamily="34" charset="0"/>
+              </a:rPr>
+              <a:t>veriť</a:t>
+            </a:r>
+            <a:r>
+              <a:rPr lang="en-US" dirty="0">
+                <a:latin typeface="Bahnschrift Light SemiCondensed" panose="020B0502040204020203" pitchFamily="34" charset="0"/>
+              </a:rPr>
+              <a:t> v </a:t>
+            </a:r>
+            <a:r>
+              <a:rPr lang="en-US" dirty="0" err="1">
+                <a:latin typeface="Bahnschrift Light SemiCondensed" panose="020B0502040204020203" pitchFamily="34" charset="0"/>
+              </a:rPr>
+              <a:t>spoločnosť</a:t>
+            </a:r>
+            <a:r>
+              <a:rPr lang="en-US" dirty="0">
+                <a:latin typeface="Bahnschrift Light SemiCondensed" panose="020B0502040204020203" pitchFamily="34" charset="0"/>
+              </a:rPr>
+              <a:t>, </a:t>
+            </a:r>
+            <a:r>
+              <a:rPr lang="en-US" dirty="0" err="1">
+                <a:latin typeface="Bahnschrift Light SemiCondensed" panose="020B0502040204020203" pitchFamily="34" charset="0"/>
+              </a:rPr>
+              <a:t>ktorá</a:t>
+            </a:r>
+            <a:r>
+              <a:rPr lang="en-US" dirty="0">
+                <a:latin typeface="Bahnschrift Light SemiCondensed" panose="020B0502040204020203" pitchFamily="34" charset="0"/>
+              </a:rPr>
+              <a:t> VPN </a:t>
+            </a:r>
+            <a:r>
+              <a:rPr lang="en-US" dirty="0" err="1">
+                <a:latin typeface="Bahnschrift Light SemiCondensed" panose="020B0502040204020203" pitchFamily="34" charset="0"/>
+              </a:rPr>
+              <a:t>poskytuje</a:t>
+            </a:r>
+            <a:r>
+              <a:rPr lang="en-US" dirty="0">
+                <a:latin typeface="Bahnschrift Light SemiCondensed" panose="020B0502040204020203" pitchFamily="34" charset="0"/>
+              </a:rPr>
+              <a:t>.</a:t>
+            </a:r>
+            <a:endParaRPr lang="sk-SK" dirty="0">
+              <a:latin typeface="Bahnschrift Light SemiCondensed" panose="020B0502040204020203" pitchFamily="34" charset="0"/>
+            </a:endParaRPr>
+          </a:p>
+        </p:txBody>
+      </p:sp>
+      <p:cxnSp>
+        <p:nvCxnSpPr>
+          <p:cNvPr id="1041" name="Straight Connector 1040">
+            <a:extLst>
+              <a:ext uri="{FF2B5EF4-FFF2-40B4-BE49-F238E27FC236}">
+                <a16:creationId xmlns:a16="http://schemas.microsoft.com/office/drawing/2014/main" id="{F0DC1883-8AF7-483D-9074-3C6D8AF57596}"/>
+              </a:ext>
+              <a:ext uri="{C183D7F6-B498-43B3-948B-1728B52AA6E4}">
+                <adec:decorative xmlns:adec="http://schemas.microsoft.com/office/drawing/2017/decorative" val="1"/>
+              </a:ext>
+            </a:extLst>
+          </p:cNvPr>
+          <p:cNvCxnSpPr>
+            <a:cxnSpLocks noGrp="1" noRot="1" noChangeAspect="1" noMove="1" noResize="1" noEditPoints="1" noAdjustHandles="1" noChangeArrowheads="1" noChangeShapeType="1"/>
+          </p:cNvCxnSpPr>
+          <p:nvPr>
+            <p:extLst>
+              <p:ext uri="{386F3935-93C4-4BCD-93E2-E3B085C9AB24}">
+                <p16:designElem xmlns:p16="http://schemas.microsoft.com/office/powerpoint/2015/main" val="1"/>
+              </p:ext>
+            </p:extLst>
+          </p:nvPr>
+        </p:nvCxnSpPr>
+        <p:spPr>
+          <a:xfrm flipH="1">
+            <a:off x="571500" y="6286500"/>
+            <a:ext cx="11054799" cy="0"/>
+          </a:xfrm>
+          <a:prstGeom prst="line">
+            <a:avLst/>
+          </a:prstGeom>
+          <a:ln>
+            <a:solidFill>
+              <a:schemeClr val="tx1"/>
+            </a:solidFill>
+          </a:ln>
+        </p:spPr>
+        <p:style>
+          <a:lnRef idx="1">
+            <a:schemeClr val="accent1"/>
+          </a:lnRef>
+          <a:fillRef idx="0">
+            <a:schemeClr val="accent1"/>
+          </a:fillRef>
+          <a:effectRef idx="0">
+            <a:schemeClr val="accent1"/>
+          </a:effectRef>
+          <a:fontRef idx="minor">
+            <a:schemeClr val="tx1"/>
+          </a:fontRef>
+        </p:style>
+      </p:cxnSp>
+      <p:cxnSp>
+        <p:nvCxnSpPr>
+          <p:cNvPr id="1043" name="Straight Connector 1042">
+            <a:extLst>
+              <a:ext uri="{FF2B5EF4-FFF2-40B4-BE49-F238E27FC236}">
+                <a16:creationId xmlns:a16="http://schemas.microsoft.com/office/drawing/2014/main" id="{1CF89D75-E5AC-4C45-9D87-228849A4C7A5}"/>
+              </a:ext>
+              <a:ext uri="{C183D7F6-B498-43B3-948B-1728B52AA6E4}">
+                <adec:decorative xmlns:adec="http://schemas.microsoft.com/office/drawing/2017/decorative" val="1"/>
+              </a:ext>
+            </a:extLst>
+          </p:cNvPr>
+          <p:cNvCxnSpPr>
+            <a:cxnSpLocks noGrp="1" noRot="1" noChangeAspect="1" noMove="1" noResize="1" noEditPoints="1" noAdjustHandles="1" noChangeArrowheads="1" noChangeShapeType="1"/>
+          </p:cNvCxnSpPr>
+          <p:nvPr>
+            <p:extLst>
+              <p:ext uri="{386F3935-93C4-4BCD-93E2-E3B085C9AB24}">
+                <p16:designElem xmlns:p16="http://schemas.microsoft.com/office/powerpoint/2015/main" val="1"/>
+              </p:ext>
+            </p:extLst>
+          </p:nvPr>
+        </p:nvCxnSpPr>
+        <p:spPr>
+          <a:xfrm>
+            <a:off x="4419600" y="4337068"/>
+            <a:ext cx="0" cy="1949432"/>
+          </a:xfrm>
+          <a:prstGeom prst="line">
+            <a:avLst/>
+          </a:prstGeom>
+          <a:ln>
+            <a:solidFill>
+              <a:schemeClr val="tx1"/>
+            </a:solidFill>
+          </a:ln>
+        </p:spPr>
+        <p:style>
+          <a:lnRef idx="1">
+            <a:schemeClr val="accent1"/>
+          </a:lnRef>
+          <a:fillRef idx="0">
+            <a:schemeClr val="accent1"/>
+          </a:fillRef>
+          <a:effectRef idx="0">
+            <a:schemeClr val="accent1"/>
+          </a:effectRef>
+          <a:fontRef idx="minor">
+            <a:schemeClr val="tx1"/>
+          </a:fontRef>
+        </p:style>
+      </p:cxnSp>
+      <p:pic>
+        <p:nvPicPr>
+          <p:cNvPr id="1028" name="Picture 4" descr="Čo je VPN? | Alza.sk">
+            <a:extLst>
+              <a:ext uri="{FF2B5EF4-FFF2-40B4-BE49-F238E27FC236}">
+                <a16:creationId xmlns:a16="http://schemas.microsoft.com/office/drawing/2014/main" id="{A381C086-3581-69C3-6B0C-E61E91ED359D}"/>
+              </a:ext>
+            </a:extLst>
+          </p:cNvPr>
+          <p:cNvPicPr>
+            <a:picLocks noChangeAspect="1" noChangeArrowheads="1"/>
+          </p:cNvPicPr>
+          <p:nvPr/>
+        </p:nvPicPr>
+        <p:blipFill>
+          <a:blip r:embed="rId2">
+            <a:extLst>
+              <a:ext uri="{28A0092B-C50C-407E-A947-70E740481C1C}">
+                <a14:useLocalDpi xmlns:a14="http://schemas.microsoft.com/office/drawing/2010/main" val="0"/>
+              </a:ext>
+            </a:extLst>
+          </a:blip>
+          <a:srcRect/>
+          <a:stretch>
+            <a:fillRect/>
+          </a:stretch>
+        </p:blipFill>
+        <p:spPr bwMode="auto">
+          <a:xfrm>
+            <a:off x="2771715" y="366578"/>
+            <a:ext cx="6671350" cy="3702599"/>
+          </a:xfrm>
+          <a:prstGeom prst="rect">
+            <a:avLst/>
+          </a:prstGeom>
+          <a:noFill/>
+          <a:extLst>
+            <a:ext uri="{909E8E84-426E-40DD-AFC4-6F175D3DCCD1}">
+              <a14:hiddenFill xmlns:a14="http://schemas.microsoft.com/office/drawing/2010/main">
+                <a:solidFill>
+                  <a:srgbClr val="FFFFFF"/>
+                </a:solidFill>
+              </a14:hiddenFill>
+            </a:ext>
+          </a:extLst>
+        </p:spPr>
+      </p:pic>
+    </p:spTree>
+    <p:extLst>
+      <p:ext uri="{BB962C8B-B14F-4D97-AF65-F5344CB8AC3E}">
+        <p14:creationId xmlns:p14="http://schemas.microsoft.com/office/powerpoint/2010/main" val="601094218"/>
+      </p:ext>
+    </p:extLst>
+  </p:cSld>
+  <p:clrMapOvr>
+    <a:masterClrMapping/>
+  </p:clrMapOvr>
+  <p:transition spd="slow">
+    <p:wipe/>
+  </p:transition>
+</p:sld>
+</file>
+
+<file path=ppt/slides/slide13.xml><?xml version="1.0" encoding="utf-8"?>
+<p:sld xmlns:a="http://schemas.openxmlformats.org/drawingml/2006/main" xmlns:r="http://schemas.openxmlformats.org/officeDocument/2006/relationships" xmlns:p="http://schemas.openxmlformats.org/presentationml/2006/main">
+  <p:cSld>
+    <p:spTree>
+      <p:nvGrpSpPr>
+        <p:cNvPr id="1" name=""/>
+        <p:cNvGrpSpPr/>
+        <p:nvPr/>
+      </p:nvGrpSpPr>
+      <p:grpSpPr>
+        <a:xfrm>
+          <a:off x="0" y="0"/>
+          <a:ext cx="0" cy="0"/>
+          <a:chOff x="0" y="0"/>
+          <a:chExt cx="0" cy="0"/>
+        </a:xfrm>
+      </p:grpSpPr>
+      <p:sp>
+        <p:nvSpPr>
+          <p:cNvPr id="2" name="Nadpis 1">
+            <a:extLst>
+              <a:ext uri="{FF2B5EF4-FFF2-40B4-BE49-F238E27FC236}">
+                <a16:creationId xmlns:a16="http://schemas.microsoft.com/office/drawing/2014/main" id="{54DA3766-8676-3A85-A676-A2CD22130DF0}"/>
+              </a:ext>
+            </a:extLst>
+          </p:cNvPr>
+          <p:cNvSpPr>
+            <a:spLocks noGrp="1"/>
+          </p:cNvSpPr>
+          <p:nvPr>
+            <p:ph type="title"/>
+          </p:nvPr>
+        </p:nvSpPr>
+        <p:spPr/>
+        <p:txBody>
+          <a:bodyPr/>
+          <a:lstStyle/>
+          <a:p>
+            <a:pPr algn="ctr"/>
+            <a:r>
+              <a:rPr lang="en-US" dirty="0" err="1">
+                <a:latin typeface="Avenir Next LT Pro Light (Text)"/>
+              </a:rPr>
+              <a:t>Ďakujem</a:t>
+            </a:r>
+            <a:r>
+              <a:rPr lang="en-US" dirty="0">
+                <a:latin typeface="Avenir Next LT Pro Light (Text)"/>
+              </a:rPr>
+              <a:t> za </a:t>
+            </a:r>
+            <a:r>
+              <a:rPr lang="en-US" dirty="0" err="1">
+                <a:latin typeface="Avenir Next LT Pro Light (Text)"/>
+              </a:rPr>
+              <a:t>pozornosť</a:t>
+            </a:r>
+            <a:endParaRPr lang="sk-SK" dirty="0">
+              <a:latin typeface="Avenir Next LT Pro Light (Text)"/>
+            </a:endParaRPr>
+          </a:p>
+        </p:txBody>
+      </p:sp>
+      <p:sp>
+        <p:nvSpPr>
+          <p:cNvPr id="3" name="BlokTextu 2">
+            <a:extLst>
+              <a:ext uri="{FF2B5EF4-FFF2-40B4-BE49-F238E27FC236}">
+                <a16:creationId xmlns:a16="http://schemas.microsoft.com/office/drawing/2014/main" id="{2E342D22-D4E1-06B6-F2B2-94B0285ABDA5}"/>
+              </a:ext>
+            </a:extLst>
+          </p:cNvPr>
+          <p:cNvSpPr txBox="1"/>
+          <p:nvPr/>
+        </p:nvSpPr>
+        <p:spPr>
+          <a:xfrm>
+            <a:off x="571500" y="1950720"/>
+            <a:ext cx="11049000" cy="3970318"/>
+          </a:xfrm>
+          <a:prstGeom prst="rect">
+            <a:avLst/>
+          </a:prstGeom>
+          <a:noFill/>
+        </p:spPr>
+        <p:txBody>
+          <a:bodyPr wrap="square" rtlCol="0">
+            <a:spAutoFit/>
+          </a:bodyPr>
+          <a:lstStyle/>
+          <a:p>
+            <a:pPr algn="ctr"/>
+            <a:r>
+              <a:rPr lang="en-US" b="1" dirty="0"/>
+              <a:t>ZDROJE:</a:t>
+            </a:r>
+          </a:p>
+          <a:p>
+            <a:pPr algn="ctr"/>
+            <a:r>
+              <a:rPr lang="en-US" u="sng" dirty="0"/>
+              <a:t>Firewall info</a:t>
+            </a:r>
+          </a:p>
+          <a:p>
+            <a:pPr algn="ctr"/>
+            <a:r>
+              <a:rPr lang="sk-SK" dirty="0">
+                <a:hlinkClick r:id="rId2"/>
+              </a:rPr>
+              <a:t>https://www.cisco.com/c/en/us/products/security/firewalls/what-is-a-firewall.html</a:t>
+            </a:r>
+            <a:br>
+              <a:rPr lang="en-US" dirty="0"/>
+            </a:br>
+            <a:r>
+              <a:rPr lang="en-US" dirty="0">
+                <a:hlinkClick r:id="rId3"/>
+              </a:rPr>
+              <a:t>https://www.fortinet.com/resources/cyberglossary/firewall</a:t>
+            </a:r>
+            <a:endParaRPr lang="en-US" dirty="0"/>
+          </a:p>
+          <a:p>
+            <a:pPr algn="ctr"/>
+            <a:r>
+              <a:rPr lang="sk-SK" dirty="0">
+                <a:hlinkClick r:id="rId4"/>
+              </a:rPr>
+              <a:t>https://www.checkpoint.com/cyber-hub/network-security/what-is-firewall/</a:t>
+            </a:r>
+            <a:endParaRPr lang="en-US" dirty="0"/>
+          </a:p>
+          <a:p>
+            <a:pPr algn="ctr"/>
+            <a:r>
+              <a:rPr lang="sk-SK" dirty="0">
+                <a:hlinkClick r:id="rId5"/>
+              </a:rPr>
+              <a:t>https://usa.kaspersky.com/resource-center/definitions/firewall</a:t>
+            </a:r>
+            <a:endParaRPr lang="en-US" dirty="0"/>
+          </a:p>
+          <a:p>
+            <a:pPr algn="ctr"/>
+            <a:r>
+              <a:rPr lang="en-US" u="sng" dirty="0"/>
+              <a:t>VPN info</a:t>
+            </a:r>
+          </a:p>
+          <a:p>
+            <a:pPr algn="ctr"/>
+            <a:r>
+              <a:rPr lang="sk-SK" u="sng" dirty="0">
+                <a:hlinkClick r:id="rId6"/>
+              </a:rPr>
+              <a:t>https://www.mozilla.org/sk/products/vpn/more/what-is-a-vpn/</a:t>
+            </a:r>
+            <a:endParaRPr lang="en-US" u="sng" dirty="0"/>
+          </a:p>
+          <a:p>
+            <a:pPr algn="ctr"/>
+            <a:r>
+              <a:rPr lang="sk-SK" u="sng" dirty="0">
+                <a:hlinkClick r:id="rId7"/>
+              </a:rPr>
+              <a:t>https://www.alza.sk/slovnik/co-je-vpn#definicia</a:t>
+            </a:r>
+            <a:endParaRPr lang="en-US" u="sng" dirty="0"/>
+          </a:p>
+          <a:p>
+            <a:pPr algn="ctr"/>
+            <a:r>
+              <a:rPr lang="sk-SK" u="sng" dirty="0">
+                <a:hlinkClick r:id="rId8"/>
+              </a:rPr>
+              <a:t>https://azure.microsoft.com/en-us/resources/cloud-computing-dictionary/what-is-vpn</a:t>
+            </a:r>
+            <a:endParaRPr lang="en-US" u="sng" dirty="0"/>
+          </a:p>
+          <a:p>
+            <a:pPr algn="ctr"/>
+            <a:r>
+              <a:rPr lang="en-US" u="sng" dirty="0" err="1"/>
+              <a:t>Všeobecné</a:t>
+            </a:r>
+            <a:r>
+              <a:rPr lang="en-US" u="sng" dirty="0"/>
+              <a:t> info (</a:t>
+            </a:r>
+            <a:r>
+              <a:rPr lang="en-US" u="sng" dirty="0" err="1"/>
+              <a:t>na</a:t>
+            </a:r>
+            <a:r>
+              <a:rPr lang="en-US" u="sng" dirty="0"/>
+              <a:t> </a:t>
+            </a:r>
+            <a:r>
+              <a:rPr lang="en-US" u="sng" dirty="0" err="1"/>
+              <a:t>úvod</a:t>
+            </a:r>
+            <a:r>
+              <a:rPr lang="en-US" u="sng" dirty="0"/>
+              <a:t>)</a:t>
+            </a:r>
+          </a:p>
+          <a:p>
+            <a:pPr algn="ctr"/>
+            <a:r>
+              <a:rPr lang="sk-SK" u="sng" dirty="0">
+                <a:hlinkClick r:id="rId9"/>
+              </a:rPr>
+              <a:t>https://www.techwalla.com/articles/why-is-internet-security-important</a:t>
+            </a:r>
+            <a:endParaRPr lang="en-US" u="sng" dirty="0"/>
+          </a:p>
+          <a:p>
+            <a:pPr algn="ctr"/>
+            <a:r>
+              <a:rPr lang="en-US" u="sng" dirty="0" err="1"/>
+              <a:t>Obrázky</a:t>
+            </a:r>
+            <a:endParaRPr lang="en-US" u="sng" dirty="0"/>
+          </a:p>
+          <a:p>
+            <a:pPr algn="ctr"/>
+            <a:r>
+              <a:rPr lang="sk-SK" u="sng" dirty="0">
+                <a:hlinkClick r:id="rId10"/>
+              </a:rPr>
+              <a:t>https://www.alza.sk/slovnik/co-je-vpn</a:t>
+            </a:r>
+            <a:r>
+              <a:rPr lang="en-US" dirty="0"/>
+              <a:t> --&gt; </a:t>
+            </a:r>
+            <a:r>
+              <a:rPr lang="en-US" dirty="0" err="1"/>
+              <a:t>obr</a:t>
+            </a:r>
+            <a:r>
+              <a:rPr lang="en-US" dirty="0"/>
+              <a:t> </a:t>
+            </a:r>
+            <a:r>
+              <a:rPr lang="en-US" dirty="0" err="1"/>
+              <a:t>na</a:t>
+            </a:r>
+            <a:r>
+              <a:rPr lang="en-US" dirty="0"/>
+              <a:t> </a:t>
+            </a:r>
+            <a:r>
+              <a:rPr lang="en-US" dirty="0" err="1"/>
+              <a:t>strane</a:t>
+            </a:r>
+            <a:r>
+              <a:rPr lang="en-US" dirty="0"/>
+              <a:t> 10-12 </a:t>
+            </a:r>
+            <a:endParaRPr lang="sk-SK" dirty="0"/>
+          </a:p>
+        </p:txBody>
+      </p:sp>
+    </p:spTree>
+    <p:extLst>
+      <p:ext uri="{BB962C8B-B14F-4D97-AF65-F5344CB8AC3E}">
+        <p14:creationId xmlns:p14="http://schemas.microsoft.com/office/powerpoint/2010/main" val="2460234775"/>
+      </p:ext>
+    </p:extLst>
+  </p:cSld>
+  <p:clrMapOvr>
+    <a:masterClrMapping/>
+  </p:clrMapOvr>
+  <mc:AlternateContent xmlns:mc="http://schemas.openxmlformats.org/markup-compatibility/2006">
+    <mc:Choice xmlns:p159="http://schemas.microsoft.com/office/powerpoint/2015/09/main" Requires="p159">
+      <p:transition xmlns:p14="http://schemas.microsoft.com/office/powerpoint/2010/main" spd="slow" p14:dur="2000">
+        <p159:morph option="byObject"/>
+      </p:transition>
+    </mc:Choice>
+    <mc:Fallback>
+      <p:transition spd="slow">
+        <p:fade/>
+      </p:transition>
+    </mc:Fallback>
+  </mc:AlternateContent>
+  <p:timing>
+    <p:tnLst>
+      <p:par>
+        <p:cTn id="1" dur="indefinite" restart="never" nodeType="tmRoot">
+          <p:childTnLst>
+            <p:seq concurrent="1" nextAc="seek">
+              <p:cTn id="2" dur="indefinite" nodeType="mainSeq">
+                <p:childTnLst>
+                  <p:par>
+                    <p:cTn id="3" fill="hold">
+                      <p:stCondLst>
+                        <p:cond delay="indefinite"/>
+                      </p:stCondLst>
+                      <p:childTnLst>
+                        <p:par>
+                          <p:cTn id="4" fill="hold">
+                            <p:stCondLst>
+                              <p:cond delay="0"/>
+                            </p:stCondLst>
+                            <p:childTnLst>
+                              <p:par>
+                                <p:cTn id="5" presetID="22" presetClass="entr" presetSubtype="1" fill="hold" grpId="0" nodeType="clickEffect">
+                                  <p:stCondLst>
+                                    <p:cond delay="0"/>
+                                  </p:stCondLst>
+                                  <p:childTnLst>
+                                    <p:set>
+                                      <p:cBhvr>
+                                        <p:cTn id="6" dur="1" fill="hold">
+                                          <p:stCondLst>
+                                            <p:cond delay="0"/>
+                                          </p:stCondLst>
+                                        </p:cTn>
+                                        <p:tgtEl>
+                                          <p:spTgt spid="3"/>
+                                        </p:tgtEl>
+                                        <p:attrNameLst>
+                                          <p:attrName>style.visibility</p:attrName>
+                                        </p:attrNameLst>
+                                      </p:cBhvr>
+                                      <p:to>
+                                        <p:strVal val="visible"/>
+                                      </p:to>
+                                    </p:set>
+                                    <p:animEffect transition="in" filter="wipe(up)">
+                                      <p:cBhvr>
+                                        <p:cTn id="7" dur="1000"/>
+                                        <p:tgtEl>
+                                          <p:spTgt spid="3"/>
+                                        </p:tgtEl>
+                                      </p:cBhvr>
+                                    </p:animEffect>
+                                  </p:childTnLst>
+                                </p:cTn>
+                              </p:par>
+                            </p:childTnLst>
+                          </p:cTn>
+                        </p:par>
+                      </p:childTnLst>
+                    </p:cTn>
+                  </p:par>
+                </p:childTnLst>
+              </p:cTn>
+              <p:prevCondLst>
+                <p:cond evt="onPrev" delay="0">
+                  <p:tgtEl>
+                    <p:sldTgt/>
+                  </p:tgtEl>
+                </p:cond>
+              </p:prevCondLst>
+              <p:nextCondLst>
+                <p:cond evt="onNext" delay="0">
+                  <p:tgtEl>
+                    <p:sldTgt/>
+                  </p:tgtEl>
+                </p:cond>
+              </p:nextCondLst>
+            </p:seq>
+          </p:childTnLst>
+        </p:cTn>
+      </p:par>
+    </p:tnLst>
+    <p:bldLst>
+      <p:bldP spid="3" grpId="0"/>
+    </p:bldLst>
+  </p:timing>
+</p:sld>
+</file>
+
 <file path=ppt/slides/slide2.xml><?xml version="1.0" encoding="utf-8"?>
 <p:sld xmlns:a="http://schemas.openxmlformats.org/drawingml/2006/main" xmlns:r="http://schemas.openxmlformats.org/officeDocument/2006/relationships" xmlns:p="http://schemas.openxmlformats.org/presentationml/2006/main">
   <p:cSld>
@@ -7380,7 +10841,7 @@
           </a:lstStyle>
           <a:p>
             <a:r>
-              <a:rPr lang="en-US" sz="3200">
+              <a:rPr lang="en-US" sz="3200" dirty="0" err="1">
                 <a:solidFill>
                   <a:schemeClr val="bg1"/>
                 </a:solidFill>
@@ -8355,6 +11816,131 @@
       </p:transition>
     </mc:Fallback>
   </mc:AlternateContent>
+  <p:timing>
+    <p:tnLst>
+      <p:par>
+        <p:cTn id="1" dur="indefinite" restart="never" nodeType="tmRoot">
+          <p:childTnLst>
+            <p:seq concurrent="1" nextAc="seek">
+              <p:cTn id="2" dur="indefinite" nodeType="mainSeq">
+                <p:childTnLst>
+                  <p:par>
+                    <p:cTn id="3" fill="hold">
+                      <p:stCondLst>
+                        <p:cond delay="indefinite"/>
+                        <p:cond evt="onBegin" delay="0">
+                          <p:tn val="2"/>
+                        </p:cond>
+                      </p:stCondLst>
+                      <p:childTnLst>
+                        <p:par>
+                          <p:cTn id="4" fill="hold">
+                            <p:stCondLst>
+                              <p:cond delay="0"/>
+                            </p:stCondLst>
+                            <p:childTnLst>
+                              <p:par>
+                                <p:cTn id="5" presetID="10" presetClass="entr" presetSubtype="0" fill="hold" grpId="0" nodeType="withEffect">
+                                  <p:stCondLst>
+                                    <p:cond delay="0"/>
+                                  </p:stCondLst>
+                                  <p:childTnLst>
+                                    <p:set>
+                                      <p:cBhvr>
+                                        <p:cTn id="6" dur="1" fill="hold">
+                                          <p:stCondLst>
+                                            <p:cond delay="0"/>
+                                          </p:stCondLst>
+                                        </p:cTn>
+                                        <p:tgtEl>
+                                          <p:spTgt spid="2"/>
+                                        </p:tgtEl>
+                                        <p:attrNameLst>
+                                          <p:attrName>style.visibility</p:attrName>
+                                        </p:attrNameLst>
+                                      </p:cBhvr>
+                                      <p:to>
+                                        <p:strVal val="visible"/>
+                                      </p:to>
+                                    </p:set>
+                                    <p:animEffect transition="in" filter="fade">
+                                      <p:cBhvr>
+                                        <p:cTn id="7" dur="500"/>
+                                        <p:tgtEl>
+                                          <p:spTgt spid="2"/>
+                                        </p:tgtEl>
+                                      </p:cBhvr>
+                                    </p:animEffect>
+                                  </p:childTnLst>
+                                </p:cTn>
+                              </p:par>
+                              <p:par>
+                                <p:cTn id="8" presetID="10" presetClass="entr" presetSubtype="0" fill="hold" grpId="0" nodeType="withEffect">
+                                  <p:stCondLst>
+                                    <p:cond delay="0"/>
+                                  </p:stCondLst>
+                                  <p:childTnLst>
+                                    <p:set>
+                                      <p:cBhvr>
+                                        <p:cTn id="9" dur="1" fill="hold">
+                                          <p:stCondLst>
+                                            <p:cond delay="0"/>
+                                          </p:stCondLst>
+                                        </p:cTn>
+                                        <p:tgtEl>
+                                          <p:spTgt spid="7"/>
+                                        </p:tgtEl>
+                                        <p:attrNameLst>
+                                          <p:attrName>style.visibility</p:attrName>
+                                        </p:attrNameLst>
+                                      </p:cBhvr>
+                                      <p:to>
+                                        <p:strVal val="visible"/>
+                                      </p:to>
+                                    </p:set>
+                                    <p:animEffect transition="in" filter="fade">
+                                      <p:cBhvr>
+                                        <p:cTn id="10" dur="500"/>
+                                        <p:tgtEl>
+                                          <p:spTgt spid="7"/>
+                                        </p:tgtEl>
+                                      </p:cBhvr>
+                                    </p:animEffect>
+                                  </p:childTnLst>
+                                </p:cTn>
+                              </p:par>
+                            </p:childTnLst>
+                          </p:cTn>
+                        </p:par>
+                      </p:childTnLst>
+                    </p:cTn>
+                  </p:par>
+                </p:childTnLst>
+              </p:cTn>
+              <p:prevCondLst>
+                <p:cond evt="onPrev" delay="0">
+                  <p:tgtEl>
+                    <p:sldTgt/>
+                  </p:tgtEl>
+                </p:cond>
+              </p:prevCondLst>
+              <p:nextCondLst>
+                <p:cond evt="onNext" delay="0">
+                  <p:tgtEl>
+                    <p:sldTgt/>
+                  </p:tgtEl>
+                </p:cond>
+              </p:nextCondLst>
+            </p:seq>
+          </p:childTnLst>
+        </p:cTn>
+      </p:par>
+    </p:tnLst>
+    <p:bldLst>
+      <p:bldP spid="2" grpId="0"/>
+      <p:bldP spid="7" grpId="0"/>
+    </p:bldLst>
+  </p:timing>
 </p:sld>
 </file>
 
@@ -12373,6 +15959,7 @@
                 <a:solidFill>
                   <a:srgbClr val="FFFFFF"/>
                 </a:solidFill>
+                <a:latin typeface="Bahnschrift Light SemiCondensed" panose="020B0502040204020203" pitchFamily="34" charset="0"/>
               </a:rPr>
               <a:t>Firewall je </a:t>
             </a:r>
@@ -12381,6 +15968,7 @@
                 <a:solidFill>
                   <a:srgbClr val="FFFFFF"/>
                 </a:solidFill>
+                <a:latin typeface="Bahnschrift Light SemiCondensed" panose="020B0502040204020203" pitchFamily="34" charset="0"/>
               </a:rPr>
               <a:t>bezpečnostné</a:t>
             </a:r>
@@ -12389,14 +15977,16 @@
                 <a:solidFill>
                   <a:srgbClr val="FFFFFF"/>
                 </a:solidFill>
-              </a:rPr>
-              <a:t> </a:t>
-            </a:r>
-            <a:r>
-              <a:rPr lang="en-US" sz="2900" dirty="0" err="1">
-                <a:solidFill>
-                  <a:srgbClr val="FFFFFF"/>
-                </a:solidFill>
+                <a:latin typeface="Bahnschrift Light SemiCondensed" panose="020B0502040204020203" pitchFamily="34" charset="0"/>
+              </a:rPr>
+              <a:t> </a:t>
+            </a:r>
+            <a:r>
+              <a:rPr lang="en-US" sz="2900" dirty="0" err="1">
+                <a:solidFill>
+                  <a:srgbClr val="FFFFFF"/>
+                </a:solidFill>
+                <a:latin typeface="Bahnschrift Light SemiCondensed" panose="020B0502040204020203" pitchFamily="34" charset="0"/>
               </a:rPr>
               <a:t>zariadenie</a:t>
             </a:r>
@@ -12405,14 +15995,16 @@
                 <a:solidFill>
                   <a:srgbClr val="FFFFFF"/>
                 </a:solidFill>
-              </a:rPr>
-              <a:t> </a:t>
-            </a:r>
-            <a:r>
-              <a:rPr lang="en-US" sz="2900" dirty="0" err="1">
-                <a:solidFill>
-                  <a:srgbClr val="FFFFFF"/>
-                </a:solidFill>
+                <a:latin typeface="Bahnschrift Light SemiCondensed" panose="020B0502040204020203" pitchFamily="34" charset="0"/>
+              </a:rPr>
+              <a:t> </a:t>
+            </a:r>
+            <a:r>
+              <a:rPr lang="en-US" sz="2900" dirty="0" err="1">
+                <a:solidFill>
+                  <a:srgbClr val="FFFFFF"/>
+                </a:solidFill>
+                <a:latin typeface="Bahnschrift Light SemiCondensed" panose="020B0502040204020203" pitchFamily="34" charset="0"/>
               </a:rPr>
               <a:t>či</a:t>
             </a:r>
@@ -12421,6 +16013,7 @@
                 <a:solidFill>
                   <a:srgbClr val="FFFFFF"/>
                 </a:solidFill>
+                <a:latin typeface="Bahnschrift Light SemiCondensed" panose="020B0502040204020203" pitchFamily="34" charset="0"/>
               </a:rPr>
               <a:t> software, </a:t>
             </a:r>
@@ -12429,6 +16022,7 @@
                 <a:solidFill>
                   <a:srgbClr val="FFFFFF"/>
                 </a:solidFill>
+                <a:latin typeface="Bahnschrift Light SemiCondensed" panose="020B0502040204020203" pitchFamily="34" charset="0"/>
               </a:rPr>
               <a:t>ktorý</a:t>
             </a:r>
@@ -12437,14 +16031,16 @@
                 <a:solidFill>
                   <a:srgbClr val="FFFFFF"/>
                 </a:solidFill>
-              </a:rPr>
-              <a:t> </a:t>
-            </a:r>
-            <a:r>
-              <a:rPr lang="en-US" sz="2900" dirty="0" err="1">
-                <a:solidFill>
-                  <a:srgbClr val="FFFFFF"/>
-                </a:solidFill>
+                <a:latin typeface="Bahnschrift Light SemiCondensed" panose="020B0502040204020203" pitchFamily="34" charset="0"/>
+              </a:rPr>
+              <a:t> </a:t>
+            </a:r>
+            <a:r>
+              <a:rPr lang="en-US" sz="2900" dirty="0" err="1">
+                <a:solidFill>
+                  <a:srgbClr val="FFFFFF"/>
+                </a:solidFill>
+                <a:latin typeface="Bahnschrift Light SemiCondensed" panose="020B0502040204020203" pitchFamily="34" charset="0"/>
               </a:rPr>
               <a:t>zabezpečuje</a:t>
             </a:r>
@@ -12453,14 +16049,16 @@
                 <a:solidFill>
                   <a:srgbClr val="FFFFFF"/>
                 </a:solidFill>
-              </a:rPr>
-              <a:t> </a:t>
-            </a:r>
-            <a:r>
-              <a:rPr lang="en-US" sz="2900" dirty="0" err="1">
-                <a:solidFill>
-                  <a:srgbClr val="FFFFFF"/>
-                </a:solidFill>
+                <a:latin typeface="Bahnschrift Light SemiCondensed" panose="020B0502040204020203" pitchFamily="34" charset="0"/>
+              </a:rPr>
+              <a:t> </a:t>
+            </a:r>
+            <a:r>
+              <a:rPr lang="en-US" sz="2900" dirty="0" err="1">
+                <a:solidFill>
+                  <a:srgbClr val="FFFFFF"/>
+                </a:solidFill>
+                <a:latin typeface="Bahnschrift Light SemiCondensed" panose="020B0502040204020203" pitchFamily="34" charset="0"/>
               </a:rPr>
               <a:t>vysielanie</a:t>
             </a:r>
@@ -12469,6 +16067,7 @@
                 <a:solidFill>
                   <a:srgbClr val="FFFFFF"/>
                 </a:solidFill>
+                <a:latin typeface="Bahnschrift Light SemiCondensed" panose="020B0502040204020203" pitchFamily="34" charset="0"/>
               </a:rPr>
               <a:t> a </a:t>
             </a:r>
@@ -12477,6 +16076,7 @@
                 <a:solidFill>
                   <a:srgbClr val="FFFFFF"/>
                 </a:solidFill>
+                <a:latin typeface="Bahnschrift Light SemiCondensed" panose="020B0502040204020203" pitchFamily="34" charset="0"/>
               </a:rPr>
               <a:t>prijímanie</a:t>
             </a:r>
@@ -12485,14 +16085,16 @@
                 <a:solidFill>
                   <a:srgbClr val="FFFFFF"/>
                 </a:solidFill>
-              </a:rPr>
-              <a:t> </a:t>
-            </a:r>
-            <a:r>
-              <a:rPr lang="en-US" sz="2900" dirty="0" err="1">
-                <a:solidFill>
-                  <a:srgbClr val="FFFFFF"/>
-                </a:solidFill>
+                <a:latin typeface="Bahnschrift Light SemiCondensed" panose="020B0502040204020203" pitchFamily="34" charset="0"/>
+              </a:rPr>
+              <a:t> </a:t>
+            </a:r>
+            <a:r>
+              <a:rPr lang="en-US" sz="2900" dirty="0" err="1">
+                <a:solidFill>
+                  <a:srgbClr val="FFFFFF"/>
+                </a:solidFill>
+                <a:latin typeface="Bahnschrift Light SemiCondensed" panose="020B0502040204020203" pitchFamily="34" charset="0"/>
               </a:rPr>
               <a:t>dát</a:t>
             </a:r>
@@ -12501,14 +16103,16 @@
                 <a:solidFill>
                   <a:srgbClr val="FFFFFF"/>
                 </a:solidFill>
-              </a:rPr>
-              <a:t> </a:t>
-            </a:r>
-            <a:r>
-              <a:rPr lang="en-US" sz="2900" dirty="0" err="1">
-                <a:solidFill>
-                  <a:srgbClr val="FFFFFF"/>
-                </a:solidFill>
+                <a:latin typeface="Bahnschrift Light SemiCondensed" panose="020B0502040204020203" pitchFamily="34" charset="0"/>
+              </a:rPr>
+              <a:t> </a:t>
+            </a:r>
+            <a:r>
+              <a:rPr lang="en-US" sz="2900" dirty="0" err="1">
+                <a:solidFill>
+                  <a:srgbClr val="FFFFFF"/>
+                </a:solidFill>
+                <a:latin typeface="Bahnschrift Light SemiCondensed" panose="020B0502040204020203" pitchFamily="34" charset="0"/>
               </a:rPr>
               <a:t>na</a:t>
             </a:r>
@@ -12517,14 +16121,16 @@
                 <a:solidFill>
                   <a:srgbClr val="FFFFFF"/>
                 </a:solidFill>
-              </a:rPr>
-              <a:t> </a:t>
-            </a:r>
-            <a:r>
-              <a:rPr lang="en-US" sz="2900" dirty="0" err="1">
-                <a:solidFill>
-                  <a:srgbClr val="FFFFFF"/>
-                </a:solidFill>
+                <a:latin typeface="Bahnschrift Light SemiCondensed" panose="020B0502040204020203" pitchFamily="34" charset="0"/>
+              </a:rPr>
+              <a:t> </a:t>
+            </a:r>
+            <a:r>
+              <a:rPr lang="en-US" sz="2900" dirty="0" err="1">
+                <a:solidFill>
+                  <a:srgbClr val="FFFFFF"/>
+                </a:solidFill>
+                <a:latin typeface="Bahnschrift Light SemiCondensed" panose="020B0502040204020203" pitchFamily="34" charset="0"/>
               </a:rPr>
               <a:t>internete</a:t>
             </a:r>
@@ -12533,6 +16139,7 @@
                 <a:solidFill>
                   <a:srgbClr val="FFFFFF"/>
                 </a:solidFill>
+                <a:latin typeface="Bahnschrift Light SemiCondensed" panose="020B0502040204020203" pitchFamily="34" charset="0"/>
               </a:rPr>
               <a:t>.</a:t>
             </a:r>
@@ -12541,6 +16148,7 @@
                 <a:solidFill>
                   <a:srgbClr val="FFFFFF"/>
                 </a:solidFill>
+                <a:latin typeface="Bahnschrift Light SemiCondensed" panose="020B0502040204020203" pitchFamily="34" charset="0"/>
               </a:rPr>
             </a:br>
             <a:r>
@@ -12548,6 +16156,7 @@
                 <a:solidFill>
                   <a:srgbClr val="FFFFFF"/>
                 </a:solidFill>
+                <a:latin typeface="Bahnschrift Light SemiCondensed" panose="020B0502040204020203" pitchFamily="34" charset="0"/>
               </a:rPr>
               <a:t>Sú</a:t>
             </a:r>
@@ -12556,6 +16165,7 @@
                 <a:solidFill>
                   <a:srgbClr val="FFFFFF"/>
                 </a:solidFill>
+                <a:latin typeface="Bahnschrift Light SemiCondensed" panose="020B0502040204020203" pitchFamily="34" charset="0"/>
               </a:rPr>
               <a:t> to </a:t>
             </a:r>
@@ -12564,6 +16174,7 @@
                 <a:solidFill>
                   <a:srgbClr val="FFFFFF"/>
                 </a:solidFill>
+                <a:latin typeface="Bahnschrift Light SemiCondensed" panose="020B0502040204020203" pitchFamily="34" charset="0"/>
               </a:rPr>
               <a:t>najstarším</a:t>
             </a:r>
@@ -12572,14 +16183,16 @@
                 <a:solidFill>
                   <a:srgbClr val="FFFFFF"/>
                 </a:solidFill>
-              </a:rPr>
-              <a:t> </a:t>
-            </a:r>
-            <a:r>
-              <a:rPr lang="en-US" sz="2900" dirty="0" err="1">
-                <a:solidFill>
-                  <a:srgbClr val="FFFFFF"/>
-                </a:solidFill>
+                <a:latin typeface="Bahnschrift Light SemiCondensed" panose="020B0502040204020203" pitchFamily="34" charset="0"/>
+              </a:rPr>
+              <a:t> </a:t>
+            </a:r>
+            <a:r>
+              <a:rPr lang="en-US" sz="2900" dirty="0" err="1">
+                <a:solidFill>
+                  <a:srgbClr val="FFFFFF"/>
+                </a:solidFill>
+                <a:latin typeface="Bahnschrift Light SemiCondensed" panose="020B0502040204020203" pitchFamily="34" charset="0"/>
               </a:rPr>
               <a:t>spôsobom</a:t>
             </a:r>
@@ -12588,14 +16201,16 @@
                 <a:solidFill>
                   <a:srgbClr val="FFFFFF"/>
                 </a:solidFill>
-              </a:rPr>
-              <a:t> </a:t>
-            </a:r>
-            <a:r>
-              <a:rPr lang="en-US" sz="2900" dirty="0" err="1">
-                <a:solidFill>
-                  <a:srgbClr val="FFFFFF"/>
-                </a:solidFill>
+                <a:latin typeface="Bahnschrift Light SemiCondensed" panose="020B0502040204020203" pitchFamily="34" charset="0"/>
+              </a:rPr>
+              <a:t> </a:t>
+            </a:r>
+            <a:r>
+              <a:rPr lang="en-US" sz="2900" dirty="0" err="1">
+                <a:solidFill>
+                  <a:srgbClr val="FFFFFF"/>
+                </a:solidFill>
+                <a:latin typeface="Bahnschrift Light SemiCondensed" panose="020B0502040204020203" pitchFamily="34" charset="0"/>
               </a:rPr>
               <a:t>ochrany</a:t>
             </a:r>
@@ -12604,14 +16219,16 @@
                 <a:solidFill>
                   <a:srgbClr val="FFFFFF"/>
                 </a:solidFill>
-              </a:rPr>
-              <a:t> </a:t>
-            </a:r>
-            <a:r>
-              <a:rPr lang="en-US" sz="2900" dirty="0" err="1">
-                <a:solidFill>
-                  <a:srgbClr val="FFFFFF"/>
-                </a:solidFill>
+                <a:latin typeface="Bahnschrift Light SemiCondensed" panose="020B0502040204020203" pitchFamily="34" charset="0"/>
+              </a:rPr>
+              <a:t> </a:t>
+            </a:r>
+            <a:r>
+              <a:rPr lang="en-US" sz="2900" dirty="0" err="1">
+                <a:solidFill>
+                  <a:srgbClr val="FFFFFF"/>
+                </a:solidFill>
+                <a:latin typeface="Bahnschrift Light SemiCondensed" panose="020B0502040204020203" pitchFamily="34" charset="0"/>
               </a:rPr>
               <a:t>na</a:t>
             </a:r>
@@ -12620,14 +16237,16 @@
                 <a:solidFill>
                   <a:srgbClr val="FFFFFF"/>
                 </a:solidFill>
-              </a:rPr>
-              <a:t> </a:t>
-            </a:r>
-            <a:r>
-              <a:rPr lang="en-US" sz="2900" dirty="0" err="1">
-                <a:solidFill>
-                  <a:srgbClr val="FFFFFF"/>
-                </a:solidFill>
+                <a:latin typeface="Bahnschrift Light SemiCondensed" panose="020B0502040204020203" pitchFamily="34" charset="0"/>
+              </a:rPr>
+              <a:t> </a:t>
+            </a:r>
+            <a:r>
+              <a:rPr lang="en-US" sz="2900" dirty="0" err="1">
+                <a:solidFill>
+                  <a:srgbClr val="FFFFFF"/>
+                </a:solidFill>
+                <a:latin typeface="Bahnschrift Light SemiCondensed" panose="020B0502040204020203" pitchFamily="34" charset="0"/>
               </a:rPr>
               <a:t>počítačových</a:t>
             </a:r>
@@ -12636,14 +16255,16 @@
                 <a:solidFill>
                   <a:srgbClr val="FFFFFF"/>
                 </a:solidFill>
-              </a:rPr>
-              <a:t> </a:t>
-            </a:r>
-            <a:r>
-              <a:rPr lang="en-US" sz="2900" dirty="0" err="1">
-                <a:solidFill>
-                  <a:srgbClr val="FFFFFF"/>
-                </a:solidFill>
+                <a:latin typeface="Bahnschrift Light SemiCondensed" panose="020B0502040204020203" pitchFamily="34" charset="0"/>
+              </a:rPr>
+              <a:t> </a:t>
+            </a:r>
+            <a:r>
+              <a:rPr lang="en-US" sz="2900" dirty="0" err="1">
+                <a:solidFill>
+                  <a:srgbClr val="FFFFFF"/>
+                </a:solidFill>
+                <a:latin typeface="Bahnschrift Light SemiCondensed" panose="020B0502040204020203" pitchFamily="34" charset="0"/>
               </a:rPr>
               <a:t>sieťach</a:t>
             </a:r>
@@ -12652,6 +16273,7 @@
                 <a:solidFill>
                   <a:srgbClr val="FFFFFF"/>
                 </a:solidFill>
+                <a:latin typeface="Bahnschrift Light SemiCondensed" panose="020B0502040204020203" pitchFamily="34" charset="0"/>
               </a:rPr>
               <a:t>, </a:t>
             </a:r>
@@ -12660,6 +16282,7 @@
                 <a:solidFill>
                   <a:srgbClr val="FFFFFF"/>
                 </a:solidFill>
+                <a:latin typeface="Bahnschrift Light SemiCondensed" panose="020B0502040204020203" pitchFamily="34" charset="0"/>
               </a:rPr>
               <a:t>kedže</a:t>
             </a:r>
@@ -12668,14 +16291,16 @@
                 <a:solidFill>
                   <a:srgbClr val="FFFFFF"/>
                 </a:solidFill>
-              </a:rPr>
-              <a:t> </a:t>
-            </a:r>
-            <a:r>
-              <a:rPr lang="en-US" sz="2900" dirty="0" err="1">
-                <a:solidFill>
-                  <a:srgbClr val="FFFFFF"/>
-                </a:solidFill>
+                <a:latin typeface="Bahnschrift Light SemiCondensed" panose="020B0502040204020203" pitchFamily="34" charset="0"/>
+              </a:rPr>
+              <a:t> </a:t>
+            </a:r>
+            <a:r>
+              <a:rPr lang="en-US" sz="2900" dirty="0" err="1">
+                <a:solidFill>
+                  <a:srgbClr val="FFFFFF"/>
+                </a:solidFill>
+                <a:latin typeface="Bahnschrift Light SemiCondensed" panose="020B0502040204020203" pitchFamily="34" charset="0"/>
               </a:rPr>
               <a:t>boli</a:t>
             </a:r>
@@ -12684,14 +16309,16 @@
                 <a:solidFill>
                   <a:srgbClr val="FFFFFF"/>
                 </a:solidFill>
-              </a:rPr>
-              <a:t> </a:t>
-            </a:r>
-            <a:r>
-              <a:rPr lang="en-US" sz="2900" dirty="0" err="1">
-                <a:solidFill>
-                  <a:srgbClr val="FFFFFF"/>
-                </a:solidFill>
+                <a:latin typeface="Bahnschrift Light SemiCondensed" panose="020B0502040204020203" pitchFamily="34" charset="0"/>
+              </a:rPr>
+              <a:t> </a:t>
+            </a:r>
+            <a:r>
+              <a:rPr lang="en-US" sz="2900" dirty="0" err="1">
+                <a:solidFill>
+                  <a:srgbClr val="FFFFFF"/>
+                </a:solidFill>
+                <a:latin typeface="Bahnschrift Light SemiCondensed" panose="020B0502040204020203" pitchFamily="34" charset="0"/>
               </a:rPr>
               <a:t>vynájdené</a:t>
             </a:r>
@@ -12700,14 +16327,16 @@
                 <a:solidFill>
                   <a:srgbClr val="FFFFFF"/>
                 </a:solidFill>
-              </a:rPr>
-              <a:t> </a:t>
-            </a:r>
-            <a:r>
-              <a:rPr lang="en-US" sz="2900" dirty="0" err="1">
-                <a:solidFill>
-                  <a:srgbClr val="FFFFFF"/>
-                </a:solidFill>
+                <a:latin typeface="Bahnschrift Light SemiCondensed" panose="020B0502040204020203" pitchFamily="34" charset="0"/>
+              </a:rPr>
+              <a:t> </a:t>
+            </a:r>
+            <a:r>
+              <a:rPr lang="en-US" sz="2900" dirty="0" err="1">
+                <a:solidFill>
+                  <a:srgbClr val="FFFFFF"/>
+                </a:solidFill>
+                <a:latin typeface="Bahnschrift Light SemiCondensed" panose="020B0502040204020203" pitchFamily="34" charset="0"/>
               </a:rPr>
               <a:t>skoro</a:t>
             </a:r>
@@ -12716,6 +16345,7 @@
                 <a:solidFill>
                   <a:srgbClr val="FFFFFF"/>
                 </a:solidFill>
+                <a:latin typeface="Bahnschrift Light SemiCondensed" panose="020B0502040204020203" pitchFamily="34" charset="0"/>
               </a:rPr>
               <a:t> v </a:t>
             </a:r>
@@ -12724,6 +16354,7 @@
                 <a:solidFill>
                   <a:srgbClr val="FFFFFF"/>
                 </a:solidFill>
+                <a:latin typeface="Bahnschrift Light SemiCondensed" panose="020B0502040204020203" pitchFamily="34" charset="0"/>
               </a:rPr>
               <a:t>rovnakom</a:t>
             </a:r>
@@ -12732,14 +16363,16 @@
                 <a:solidFill>
                   <a:srgbClr val="FFFFFF"/>
                 </a:solidFill>
-              </a:rPr>
-              <a:t> </a:t>
-            </a:r>
-            <a:r>
-              <a:rPr lang="en-US" sz="2900" dirty="0" err="1">
-                <a:solidFill>
-                  <a:srgbClr val="FFFFFF"/>
-                </a:solidFill>
+                <a:latin typeface="Bahnschrift Light SemiCondensed" panose="020B0502040204020203" pitchFamily="34" charset="0"/>
+              </a:rPr>
+              <a:t> </a:t>
+            </a:r>
+            <a:r>
+              <a:rPr lang="en-US" sz="2900" dirty="0" err="1">
+                <a:solidFill>
+                  <a:srgbClr val="FFFFFF"/>
+                </a:solidFill>
+                <a:latin typeface="Bahnschrift Light SemiCondensed" panose="020B0502040204020203" pitchFamily="34" charset="0"/>
               </a:rPr>
               <a:t>čase</a:t>
             </a:r>
@@ -12748,14 +16381,16 @@
                 <a:solidFill>
                   <a:srgbClr val="FFFFFF"/>
                 </a:solidFill>
-              </a:rPr>
-              <a:t> </a:t>
-            </a:r>
-            <a:r>
-              <a:rPr lang="en-US" sz="2900" dirty="0" err="1">
-                <a:solidFill>
-                  <a:srgbClr val="FFFFFF"/>
-                </a:solidFill>
+                <a:latin typeface="Bahnschrift Light SemiCondensed" panose="020B0502040204020203" pitchFamily="34" charset="0"/>
+              </a:rPr>
+              <a:t> </a:t>
+            </a:r>
+            <a:r>
+              <a:rPr lang="en-US" sz="2900" dirty="0" err="1">
+                <a:solidFill>
+                  <a:srgbClr val="FFFFFF"/>
+                </a:solidFill>
+                <a:latin typeface="Bahnschrift Light SemiCondensed" panose="020B0502040204020203" pitchFamily="34" charset="0"/>
               </a:rPr>
               <a:t>ako</a:t>
             </a:r>
@@ -12764,14 +16399,16 @@
                 <a:solidFill>
                   <a:srgbClr val="FFFFFF"/>
                 </a:solidFill>
-              </a:rPr>
-              <a:t> </a:t>
-            </a:r>
-            <a:r>
-              <a:rPr lang="en-US" sz="2900" dirty="0" err="1">
-                <a:solidFill>
-                  <a:srgbClr val="FFFFFF"/>
-                </a:solidFill>
+                <a:latin typeface="Bahnschrift Light SemiCondensed" panose="020B0502040204020203" pitchFamily="34" charset="0"/>
+              </a:rPr>
+              <a:t> </a:t>
+            </a:r>
+            <a:r>
+              <a:rPr lang="en-US" sz="2900" dirty="0" err="1">
+                <a:solidFill>
+                  <a:srgbClr val="FFFFFF"/>
+                </a:solidFill>
+                <a:latin typeface="Bahnschrift Light SemiCondensed" panose="020B0502040204020203" pitchFamily="34" charset="0"/>
               </a:rPr>
               <a:t>routere</a:t>
             </a:r>
@@ -12780,6 +16417,7 @@
                 <a:solidFill>
                   <a:srgbClr val="FFFFFF"/>
                 </a:solidFill>
+                <a:latin typeface="Bahnschrift Light SemiCondensed" panose="020B0502040204020203" pitchFamily="34" charset="0"/>
               </a:rPr>
               <a:t>. (</a:t>
             </a:r>
@@ -12788,6 +16426,7 @@
                 <a:solidFill>
                   <a:srgbClr val="FFFFFF"/>
                 </a:solidFill>
+                <a:latin typeface="Bahnschrift Light SemiCondensed" panose="020B0502040204020203" pitchFamily="34" charset="0"/>
               </a:rPr>
               <a:t>cca</a:t>
             </a:r>
@@ -12796,6 +16435,7 @@
                 <a:solidFill>
                   <a:srgbClr val="FFFFFF"/>
                 </a:solidFill>
+                <a:latin typeface="Bahnschrift Light SemiCondensed" panose="020B0502040204020203" pitchFamily="34" charset="0"/>
               </a:rPr>
               <a:t> 1985)</a:t>
             </a:r>
@@ -13659,6 +17299,7 @@
                 <a:solidFill>
                   <a:srgbClr val="FFFFFF"/>
                 </a:solidFill>
+                <a:latin typeface="Bahnschrift Light SemiCondensed" panose="020B0502040204020203" pitchFamily="34" charset="0"/>
               </a:rPr>
               <a:t>Poznáme</a:t>
             </a:r>
@@ -13667,14 +17308,16 @@
                 <a:solidFill>
                   <a:srgbClr val="FFFFFF"/>
                 </a:solidFill>
-              </a:rPr>
-              <a:t> </a:t>
-            </a:r>
-            <a:r>
-              <a:rPr lang="en-US" sz="2900" dirty="0" err="1">
-                <a:solidFill>
-                  <a:srgbClr val="FFFFFF"/>
-                </a:solidFill>
+                <a:latin typeface="Bahnschrift Light SemiCondensed" panose="020B0502040204020203" pitchFamily="34" charset="0"/>
+              </a:rPr>
+              <a:t> </a:t>
+            </a:r>
+            <a:r>
+              <a:rPr lang="en-US" sz="2900" dirty="0" err="1">
+                <a:solidFill>
+                  <a:srgbClr val="FFFFFF"/>
+                </a:solidFill>
+                <a:latin typeface="Bahnschrift Light SemiCondensed" panose="020B0502040204020203" pitchFamily="34" charset="0"/>
               </a:rPr>
               <a:t>dva</a:t>
             </a:r>
@@ -13683,14 +17326,16 @@
                 <a:solidFill>
                   <a:srgbClr val="FFFFFF"/>
                 </a:solidFill>
-              </a:rPr>
-              <a:t> </a:t>
-            </a:r>
-            <a:r>
-              <a:rPr lang="en-US" sz="2900" dirty="0" err="1">
-                <a:solidFill>
-                  <a:srgbClr val="FFFFFF"/>
-                </a:solidFill>
+                <a:latin typeface="Bahnschrift Light SemiCondensed" panose="020B0502040204020203" pitchFamily="34" charset="0"/>
+              </a:rPr>
+              <a:t> </a:t>
+            </a:r>
+            <a:r>
+              <a:rPr lang="en-US" sz="2900" dirty="0" err="1">
+                <a:solidFill>
+                  <a:srgbClr val="FFFFFF"/>
+                </a:solidFill>
+                <a:latin typeface="Bahnschrift Light SemiCondensed" panose="020B0502040204020203" pitchFamily="34" charset="0"/>
               </a:rPr>
               <a:t>typy</a:t>
             </a:r>
@@ -13699,14 +17344,16 @@
                 <a:solidFill>
                   <a:srgbClr val="FFFFFF"/>
                 </a:solidFill>
-              </a:rPr>
-              <a:t> </a:t>
-            </a:r>
-            <a:r>
-              <a:rPr lang="en-US" sz="2900" dirty="0" err="1">
-                <a:solidFill>
-                  <a:srgbClr val="FFFFFF"/>
-                </a:solidFill>
+                <a:latin typeface="Bahnschrift Light SemiCondensed" panose="020B0502040204020203" pitchFamily="34" charset="0"/>
+              </a:rPr>
+              <a:t> </a:t>
+            </a:r>
+            <a:r>
+              <a:rPr lang="en-US" sz="2900" dirty="0" err="1">
+                <a:solidFill>
+                  <a:srgbClr val="FFFFFF"/>
+                </a:solidFill>
+                <a:latin typeface="Bahnschrift Light SemiCondensed" panose="020B0502040204020203" pitchFamily="34" charset="0"/>
               </a:rPr>
               <a:t>Firewallov</a:t>
             </a:r>
@@ -13715,6 +17362,7 @@
                 <a:solidFill>
                   <a:srgbClr val="FFFFFF"/>
                 </a:solidFill>
+                <a:latin typeface="Bahnschrift Light SemiCondensed" panose="020B0502040204020203" pitchFamily="34" charset="0"/>
               </a:rPr>
               <a:t>, </a:t>
             </a:r>
@@ -13723,6 +17371,7 @@
                 <a:solidFill>
                   <a:srgbClr val="FFFFFF"/>
                 </a:solidFill>
+                <a:latin typeface="Bahnschrift Light SemiCondensed" panose="020B0502040204020203" pitchFamily="34" charset="0"/>
               </a:rPr>
               <a:t>softwarové</a:t>
             </a:r>
@@ -13731,6 +17380,7 @@
                 <a:solidFill>
                   <a:srgbClr val="FFFFFF"/>
                 </a:solidFill>
+                <a:latin typeface="Bahnschrift Light SemiCondensed" panose="020B0502040204020203" pitchFamily="34" charset="0"/>
               </a:rPr>
               <a:t> a </a:t>
             </a:r>
@@ -13739,6 +17389,7 @@
                 <a:solidFill>
                   <a:srgbClr val="FFFFFF"/>
                 </a:solidFill>
+                <a:latin typeface="Bahnschrift Light SemiCondensed" panose="020B0502040204020203" pitchFamily="34" charset="0"/>
               </a:rPr>
               <a:t>hardwarové</a:t>
             </a:r>
@@ -13747,6 +17398,7 @@
                 <a:solidFill>
                   <a:srgbClr val="FFFFFF"/>
                 </a:solidFill>
+                <a:latin typeface="Bahnschrift Light SemiCondensed" panose="020B0502040204020203" pitchFamily="34" charset="0"/>
               </a:rPr>
               <a:t>. </a:t>
             </a:r>
@@ -13755,6 +17407,7 @@
                 <a:solidFill>
                   <a:srgbClr val="FFFFFF"/>
                 </a:solidFill>
+                <a:latin typeface="Bahnschrift Light SemiCondensed" panose="020B0502040204020203" pitchFamily="34" charset="0"/>
               </a:rPr>
               <a:t>Rozlišujeme</a:t>
             </a:r>
@@ -13763,6 +17416,7 @@
                 <a:solidFill>
                   <a:srgbClr val="FFFFFF"/>
                 </a:solidFill>
+                <a:latin typeface="Bahnschrift Light SemiCondensed" panose="020B0502040204020203" pitchFamily="34" charset="0"/>
               </a:rPr>
               <a:t> ich </a:t>
             </a:r>
@@ -13771,6 +17425,7 @@
                 <a:solidFill>
                   <a:srgbClr val="FFFFFF"/>
                 </a:solidFill>
+                <a:latin typeface="Bahnschrift Light SemiCondensed" panose="020B0502040204020203" pitchFamily="34" charset="0"/>
               </a:rPr>
               <a:t>aj</a:t>
             </a:r>
@@ -13779,14 +17434,16 @@
                 <a:solidFill>
                   <a:srgbClr val="FFFFFF"/>
                 </a:solidFill>
-              </a:rPr>
-              <a:t> </a:t>
-            </a:r>
-            <a:r>
-              <a:rPr lang="en-US" sz="2900" dirty="0" err="1">
-                <a:solidFill>
-                  <a:srgbClr val="FFFFFF"/>
-                </a:solidFill>
+                <a:latin typeface="Bahnschrift Light SemiCondensed" panose="020B0502040204020203" pitchFamily="34" charset="0"/>
+              </a:rPr>
+              <a:t> </a:t>
+            </a:r>
+            <a:r>
+              <a:rPr lang="en-US" sz="2900" dirty="0" err="1">
+                <a:solidFill>
+                  <a:srgbClr val="FFFFFF"/>
+                </a:solidFill>
+                <a:latin typeface="Bahnschrift Light SemiCondensed" panose="020B0502040204020203" pitchFamily="34" charset="0"/>
               </a:rPr>
               <a:t>ako</a:t>
             </a:r>
@@ -13795,14 +17452,16 @@
                 <a:solidFill>
                   <a:srgbClr val="FFFFFF"/>
                 </a:solidFill>
-              </a:rPr>
-              <a:t> </a:t>
-            </a:r>
-            <a:r>
-              <a:rPr lang="en-US" sz="2900" dirty="0" err="1">
-                <a:solidFill>
-                  <a:srgbClr val="FFFFFF"/>
-                </a:solidFill>
+                <a:latin typeface="Bahnschrift Light SemiCondensed" panose="020B0502040204020203" pitchFamily="34" charset="0"/>
+              </a:rPr>
+              <a:t> </a:t>
+            </a:r>
+            <a:r>
+              <a:rPr lang="en-US" sz="2900" dirty="0" err="1">
+                <a:solidFill>
+                  <a:srgbClr val="FFFFFF"/>
+                </a:solidFill>
+                <a:latin typeface="Bahnschrift Light SemiCondensed" panose="020B0502040204020203" pitchFamily="34" charset="0"/>
               </a:rPr>
               <a:t>hosťovské</a:t>
             </a:r>
@@ -13811,14 +17470,16 @@
                 <a:solidFill>
                   <a:srgbClr val="FFFFFF"/>
                 </a:solidFill>
-              </a:rPr>
-              <a:t> </a:t>
-            </a:r>
-            <a:r>
-              <a:rPr lang="en-US" sz="2900" dirty="0" err="1">
-                <a:solidFill>
-                  <a:srgbClr val="FFFFFF"/>
-                </a:solidFill>
+                <a:latin typeface="Bahnschrift Light SemiCondensed" panose="020B0502040204020203" pitchFamily="34" charset="0"/>
+              </a:rPr>
+              <a:t> </a:t>
+            </a:r>
+            <a:r>
+              <a:rPr lang="en-US" sz="2900" dirty="0" err="1">
+                <a:solidFill>
+                  <a:srgbClr val="FFFFFF"/>
+                </a:solidFill>
+                <a:latin typeface="Bahnschrift Light SemiCondensed" panose="020B0502040204020203" pitchFamily="34" charset="0"/>
               </a:rPr>
               <a:t>Firewally</a:t>
             </a:r>
@@ -13827,6 +17488,7 @@
                 <a:solidFill>
                   <a:srgbClr val="FFFFFF"/>
                 </a:solidFill>
+                <a:latin typeface="Bahnschrift Light SemiCondensed" panose="020B0502040204020203" pitchFamily="34" charset="0"/>
               </a:rPr>
               <a:t> a </a:t>
             </a:r>
@@ -13835,6 +17497,7 @@
                 <a:solidFill>
                   <a:srgbClr val="FFFFFF"/>
                 </a:solidFill>
+                <a:latin typeface="Bahnschrift Light SemiCondensed" panose="020B0502040204020203" pitchFamily="34" charset="0"/>
               </a:rPr>
               <a:t>sieťové</a:t>
             </a:r>
@@ -13843,14 +17506,16 @@
                 <a:solidFill>
                   <a:srgbClr val="FFFFFF"/>
                 </a:solidFill>
-              </a:rPr>
-              <a:t> </a:t>
-            </a:r>
-            <a:r>
-              <a:rPr lang="en-US" sz="2900" dirty="0" err="1">
-                <a:solidFill>
-                  <a:srgbClr val="FFFFFF"/>
-                </a:solidFill>
+                <a:latin typeface="Bahnschrift Light SemiCondensed" panose="020B0502040204020203" pitchFamily="34" charset="0"/>
+              </a:rPr>
+              <a:t> </a:t>
+            </a:r>
+            <a:r>
+              <a:rPr lang="en-US" sz="2900" dirty="0" err="1">
+                <a:solidFill>
+                  <a:srgbClr val="FFFFFF"/>
+                </a:solidFill>
+                <a:latin typeface="Bahnschrift Light SemiCondensed" panose="020B0502040204020203" pitchFamily="34" charset="0"/>
               </a:rPr>
               <a:t>Firewally</a:t>
             </a:r>
@@ -13859,6 +17524,7 @@
                 <a:solidFill>
                   <a:srgbClr val="FFFFFF"/>
                 </a:solidFill>
+                <a:latin typeface="Bahnschrift Light SemiCondensed" panose="020B0502040204020203" pitchFamily="34" charset="0"/>
               </a:rPr>
               <a:t>, </a:t>
             </a:r>
@@ -13867,6 +17533,7 @@
                 <a:solidFill>
                   <a:srgbClr val="FFFFFF"/>
                 </a:solidFill>
+                <a:latin typeface="Bahnschrift Light SemiCondensed" panose="020B0502040204020203" pitchFamily="34" charset="0"/>
               </a:rPr>
               <a:t>kedže</a:t>
             </a:r>
@@ -13875,14 +17542,16 @@
                 <a:solidFill>
                   <a:srgbClr val="FFFFFF"/>
                 </a:solidFill>
-              </a:rPr>
-              <a:t> </a:t>
-            </a:r>
-            <a:r>
-              <a:rPr lang="en-US" sz="2900" dirty="0" err="1">
-                <a:solidFill>
-                  <a:srgbClr val="FFFFFF"/>
-                </a:solidFill>
+                <a:latin typeface="Bahnschrift Light SemiCondensed" panose="020B0502040204020203" pitchFamily="34" charset="0"/>
+              </a:rPr>
+              <a:t> </a:t>
+            </a:r>
+            <a:r>
+              <a:rPr lang="en-US" sz="2900" dirty="0" err="1">
+                <a:solidFill>
+                  <a:srgbClr val="FFFFFF"/>
+                </a:solidFill>
+                <a:latin typeface="Bahnschrift Light SemiCondensed" panose="020B0502040204020203" pitchFamily="34" charset="0"/>
               </a:rPr>
               <a:t>softwarové</a:t>
             </a:r>
@@ -13891,14 +17560,16 @@
                 <a:solidFill>
                   <a:srgbClr val="FFFFFF"/>
                 </a:solidFill>
-              </a:rPr>
-              <a:t> </a:t>
-            </a:r>
-            <a:r>
-              <a:rPr lang="en-US" sz="2900" dirty="0" err="1">
-                <a:solidFill>
-                  <a:srgbClr val="FFFFFF"/>
-                </a:solidFill>
+                <a:latin typeface="Bahnschrift Light SemiCondensed" panose="020B0502040204020203" pitchFamily="34" charset="0"/>
+              </a:rPr>
+              <a:t> </a:t>
+            </a:r>
+            <a:r>
+              <a:rPr lang="en-US" sz="2900" dirty="0" err="1">
+                <a:solidFill>
+                  <a:srgbClr val="FFFFFF"/>
+                </a:solidFill>
+                <a:latin typeface="Bahnschrift Light SemiCondensed" panose="020B0502040204020203" pitchFamily="34" charset="0"/>
               </a:rPr>
               <a:t>Firewally</a:t>
             </a:r>
@@ -13907,14 +17578,16 @@
                 <a:solidFill>
                   <a:srgbClr val="FFFFFF"/>
                 </a:solidFill>
-              </a:rPr>
-              <a:t> </a:t>
-            </a:r>
-            <a:r>
-              <a:rPr lang="en-US" sz="2900" dirty="0" err="1">
-                <a:solidFill>
-                  <a:srgbClr val="FFFFFF"/>
-                </a:solidFill>
+                <a:latin typeface="Bahnschrift Light SemiCondensed" panose="020B0502040204020203" pitchFamily="34" charset="0"/>
+              </a:rPr>
+              <a:t> </a:t>
+            </a:r>
+            <a:r>
+              <a:rPr lang="en-US" sz="2900" dirty="0" err="1">
+                <a:solidFill>
+                  <a:srgbClr val="FFFFFF"/>
+                </a:solidFill>
+                <a:latin typeface="Bahnschrift Light SemiCondensed" panose="020B0502040204020203" pitchFamily="34" charset="0"/>
               </a:rPr>
               <a:t>vačšinou</a:t>
             </a:r>
@@ -13923,14 +17596,16 @@
                 <a:solidFill>
                   <a:srgbClr val="FFFFFF"/>
                 </a:solidFill>
-              </a:rPr>
-              <a:t> </a:t>
-            </a:r>
-            <a:r>
-              <a:rPr lang="en-US" sz="2900" dirty="0" err="1">
-                <a:solidFill>
-                  <a:srgbClr val="FFFFFF"/>
-                </a:solidFill>
+                <a:latin typeface="Bahnschrift Light SemiCondensed" panose="020B0502040204020203" pitchFamily="34" charset="0"/>
+              </a:rPr>
+              <a:t> </a:t>
+            </a:r>
+            <a:r>
+              <a:rPr lang="en-US" sz="2900" dirty="0" err="1">
+                <a:solidFill>
+                  <a:srgbClr val="FFFFFF"/>
+                </a:solidFill>
+                <a:latin typeface="Bahnschrift Light SemiCondensed" panose="020B0502040204020203" pitchFamily="34" charset="0"/>
               </a:rPr>
               <a:t>nájdeme</a:t>
             </a:r>
@@ -13939,14 +17614,16 @@
                 <a:solidFill>
                   <a:srgbClr val="FFFFFF"/>
                 </a:solidFill>
-              </a:rPr>
-              <a:t> </a:t>
-            </a:r>
-            <a:r>
-              <a:rPr lang="en-US" sz="2900" dirty="0" err="1">
-                <a:solidFill>
-                  <a:srgbClr val="FFFFFF"/>
-                </a:solidFill>
+                <a:latin typeface="Bahnschrift Light SemiCondensed" panose="020B0502040204020203" pitchFamily="34" charset="0"/>
+              </a:rPr>
+              <a:t> </a:t>
+            </a:r>
+            <a:r>
+              <a:rPr lang="en-US" sz="2900" dirty="0" err="1">
+                <a:solidFill>
+                  <a:srgbClr val="FFFFFF"/>
+                </a:solidFill>
+                <a:latin typeface="Bahnschrift Light SemiCondensed" panose="020B0502040204020203" pitchFamily="34" charset="0"/>
               </a:rPr>
               <a:t>na</a:t>
             </a:r>
@@ -13955,14 +17632,16 @@
                 <a:solidFill>
                   <a:srgbClr val="FFFFFF"/>
                 </a:solidFill>
-              </a:rPr>
-              <a:t> </a:t>
-            </a:r>
-            <a:r>
-              <a:rPr lang="en-US" sz="2900" dirty="0" err="1">
-                <a:solidFill>
-                  <a:srgbClr val="FFFFFF"/>
-                </a:solidFill>
+                <a:latin typeface="Bahnschrift Light SemiCondensed" panose="020B0502040204020203" pitchFamily="34" charset="0"/>
+              </a:rPr>
+              <a:t> </a:t>
+            </a:r>
+            <a:r>
+              <a:rPr lang="en-US" sz="2900" dirty="0" err="1">
+                <a:solidFill>
+                  <a:srgbClr val="FFFFFF"/>
+                </a:solidFill>
+                <a:latin typeface="Bahnschrift Light SemiCondensed" panose="020B0502040204020203" pitchFamily="34" charset="0"/>
               </a:rPr>
               <a:t>osobných</a:t>
             </a:r>
@@ -13971,14 +17650,16 @@
                 <a:solidFill>
                   <a:srgbClr val="FFFFFF"/>
                 </a:solidFill>
-              </a:rPr>
-              <a:t> </a:t>
-            </a:r>
-            <a:r>
-              <a:rPr lang="en-US" sz="2900" dirty="0" err="1">
-                <a:solidFill>
-                  <a:srgbClr val="FFFFFF"/>
-                </a:solidFill>
+                <a:latin typeface="Bahnschrift Light SemiCondensed" panose="020B0502040204020203" pitchFamily="34" charset="0"/>
+              </a:rPr>
+              <a:t> </a:t>
+            </a:r>
+            <a:r>
+              <a:rPr lang="en-US" sz="2900" dirty="0" err="1">
+                <a:solidFill>
+                  <a:srgbClr val="FFFFFF"/>
+                </a:solidFill>
+                <a:latin typeface="Bahnschrift Light SemiCondensed" panose="020B0502040204020203" pitchFamily="34" charset="0"/>
               </a:rPr>
               <a:t>zariadeniach</a:t>
             </a:r>
@@ -13987,6 +17668,7 @@
                 <a:solidFill>
                   <a:srgbClr val="FFFFFF"/>
                 </a:solidFill>
+                <a:latin typeface="Bahnschrift Light SemiCondensed" panose="020B0502040204020203" pitchFamily="34" charset="0"/>
               </a:rPr>
               <a:t> a </a:t>
             </a:r>
@@ -13995,6 +17677,7 @@
                 <a:solidFill>
                   <a:srgbClr val="FFFFFF"/>
                 </a:solidFill>
+                <a:latin typeface="Bahnschrift Light SemiCondensed" panose="020B0502040204020203" pitchFamily="34" charset="0"/>
               </a:rPr>
               <a:t>ochraňujú</a:t>
             </a:r>
@@ -14003,14 +17686,16 @@
                 <a:solidFill>
                   <a:srgbClr val="FFFFFF"/>
                 </a:solidFill>
-              </a:rPr>
-              <a:t> </a:t>
-            </a:r>
-            <a:r>
-              <a:rPr lang="en-US" sz="2900" dirty="0" err="1">
-                <a:solidFill>
-                  <a:srgbClr val="FFFFFF"/>
-                </a:solidFill>
+                <a:latin typeface="Bahnschrift Light SemiCondensed" panose="020B0502040204020203" pitchFamily="34" charset="0"/>
+              </a:rPr>
+              <a:t> </a:t>
+            </a:r>
+            <a:r>
+              <a:rPr lang="en-US" sz="2900" dirty="0" err="1">
+                <a:solidFill>
+                  <a:srgbClr val="FFFFFF"/>
+                </a:solidFill>
+                <a:latin typeface="Bahnschrift Light SemiCondensed" panose="020B0502040204020203" pitchFamily="34" charset="0"/>
               </a:rPr>
               <a:t>práve</a:t>
             </a:r>
@@ -14019,14 +17704,16 @@
                 <a:solidFill>
                   <a:srgbClr val="FFFFFF"/>
                 </a:solidFill>
-              </a:rPr>
-              <a:t> </a:t>
-            </a:r>
-            <a:r>
-              <a:rPr lang="en-US" sz="2900" dirty="0" err="1">
-                <a:solidFill>
-                  <a:srgbClr val="FFFFFF"/>
-                </a:solidFill>
+                <a:latin typeface="Bahnschrift Light SemiCondensed" panose="020B0502040204020203" pitchFamily="34" charset="0"/>
+              </a:rPr>
+              <a:t> </a:t>
+            </a:r>
+            <a:r>
+              <a:rPr lang="en-US" sz="2900" dirty="0" err="1">
+                <a:solidFill>
+                  <a:srgbClr val="FFFFFF"/>
+                </a:solidFill>
+                <a:latin typeface="Bahnschrift Light SemiCondensed" panose="020B0502040204020203" pitchFamily="34" charset="0"/>
               </a:rPr>
               <a:t>dané</a:t>
             </a:r>
@@ -14035,14 +17722,16 @@
                 <a:solidFill>
                   <a:srgbClr val="FFFFFF"/>
                 </a:solidFill>
-              </a:rPr>
-              <a:t> </a:t>
-            </a:r>
-            <a:r>
-              <a:rPr lang="en-US" sz="2900" dirty="0" err="1">
-                <a:solidFill>
-                  <a:srgbClr val="FFFFFF"/>
-                </a:solidFill>
+                <a:latin typeface="Bahnschrift Light SemiCondensed" panose="020B0502040204020203" pitchFamily="34" charset="0"/>
+              </a:rPr>
+              <a:t> </a:t>
+            </a:r>
+            <a:r>
+              <a:rPr lang="en-US" sz="2900" dirty="0" err="1">
+                <a:solidFill>
+                  <a:srgbClr val="FFFFFF"/>
+                </a:solidFill>
+                <a:latin typeface="Bahnschrift Light SemiCondensed" panose="020B0502040204020203" pitchFamily="34" charset="0"/>
               </a:rPr>
               <a:t>zariadenia</a:t>
             </a:r>
@@ -14051,14 +17740,16 @@
                 <a:solidFill>
                   <a:srgbClr val="FFFFFF"/>
                 </a:solidFill>
-              </a:rPr>
-              <a:t> </a:t>
-            </a:r>
-            <a:r>
-              <a:rPr lang="en-US" sz="2900" dirty="0" err="1">
-                <a:solidFill>
-                  <a:srgbClr val="FFFFFF"/>
-                </a:solidFill>
+                <a:latin typeface="Bahnschrift Light SemiCondensed" panose="020B0502040204020203" pitchFamily="34" charset="0"/>
+              </a:rPr>
+              <a:t> </a:t>
+            </a:r>
+            <a:r>
+              <a:rPr lang="en-US" sz="2900" dirty="0" err="1">
+                <a:solidFill>
+                  <a:srgbClr val="FFFFFF"/>
+                </a:solidFill>
+                <a:latin typeface="Bahnschrift Light SemiCondensed" panose="020B0502040204020203" pitchFamily="34" charset="0"/>
               </a:rPr>
               <a:t>zatiaľ</a:t>
             </a:r>
@@ -14067,14 +17758,16 @@
                 <a:solidFill>
                   <a:srgbClr val="FFFFFF"/>
                 </a:solidFill>
-              </a:rPr>
-              <a:t> </a:t>
-            </a:r>
-            <a:r>
-              <a:rPr lang="en-US" sz="2900" dirty="0" err="1">
-                <a:solidFill>
-                  <a:srgbClr val="FFFFFF"/>
-                </a:solidFill>
+                <a:latin typeface="Bahnschrift Light SemiCondensed" panose="020B0502040204020203" pitchFamily="34" charset="0"/>
+              </a:rPr>
+              <a:t> </a:t>
+            </a:r>
+            <a:r>
+              <a:rPr lang="en-US" sz="2900" dirty="0" err="1">
+                <a:solidFill>
+                  <a:srgbClr val="FFFFFF"/>
+                </a:solidFill>
+                <a:latin typeface="Bahnschrift Light SemiCondensed" panose="020B0502040204020203" pitchFamily="34" charset="0"/>
               </a:rPr>
               <a:t>čo</a:t>
             </a:r>
@@ -14083,14 +17776,16 @@
                 <a:solidFill>
                   <a:srgbClr val="FFFFFF"/>
                 </a:solidFill>
-              </a:rPr>
-              <a:t> </a:t>
-            </a:r>
-            <a:r>
-              <a:rPr lang="en-US" sz="2900" dirty="0" err="1">
-                <a:solidFill>
-                  <a:srgbClr val="FFFFFF"/>
-                </a:solidFill>
+                <a:latin typeface="Bahnschrift Light SemiCondensed" panose="020B0502040204020203" pitchFamily="34" charset="0"/>
+              </a:rPr>
+              <a:t> </a:t>
+            </a:r>
+            <a:r>
+              <a:rPr lang="en-US" sz="2900" dirty="0" err="1">
+                <a:solidFill>
+                  <a:srgbClr val="FFFFFF"/>
+                </a:solidFill>
+                <a:latin typeface="Bahnschrift Light SemiCondensed" panose="020B0502040204020203" pitchFamily="34" charset="0"/>
               </a:rPr>
               <a:t>sieťove</a:t>
             </a:r>
@@ -14099,14 +17794,16 @@
                 <a:solidFill>
                   <a:srgbClr val="FFFFFF"/>
                 </a:solidFill>
-              </a:rPr>
-              <a:t> </a:t>
-            </a:r>
-            <a:r>
-              <a:rPr lang="en-US" sz="2900" dirty="0" err="1">
-                <a:solidFill>
-                  <a:srgbClr val="FFFFFF"/>
-                </a:solidFill>
+                <a:latin typeface="Bahnschrift Light SemiCondensed" panose="020B0502040204020203" pitchFamily="34" charset="0"/>
+              </a:rPr>
+              <a:t> </a:t>
+            </a:r>
+            <a:r>
+              <a:rPr lang="en-US" sz="2900" dirty="0" err="1">
+                <a:solidFill>
+                  <a:srgbClr val="FFFFFF"/>
+                </a:solidFill>
+                <a:latin typeface="Bahnschrift Light SemiCondensed" panose="020B0502040204020203" pitchFamily="34" charset="0"/>
               </a:rPr>
               <a:t>Firewally</a:t>
             </a:r>
@@ -14115,14 +17812,16 @@
                 <a:solidFill>
                   <a:srgbClr val="FFFFFF"/>
                 </a:solidFill>
-              </a:rPr>
-              <a:t> </a:t>
-            </a:r>
-            <a:r>
-              <a:rPr lang="en-US" sz="2900" dirty="0" err="1">
-                <a:solidFill>
-                  <a:srgbClr val="FFFFFF"/>
-                </a:solidFill>
+                <a:latin typeface="Bahnschrift Light SemiCondensed" panose="020B0502040204020203" pitchFamily="34" charset="0"/>
+              </a:rPr>
+              <a:t> </a:t>
+            </a:r>
+            <a:r>
+              <a:rPr lang="en-US" sz="2900" dirty="0" err="1">
+                <a:solidFill>
+                  <a:srgbClr val="FFFFFF"/>
+                </a:solidFill>
+                <a:latin typeface="Bahnschrift Light SemiCondensed" panose="020B0502040204020203" pitchFamily="34" charset="0"/>
               </a:rPr>
               <a:t>majú</a:t>
             </a:r>
@@ -14131,14 +17830,16 @@
                 <a:solidFill>
                   <a:srgbClr val="FFFFFF"/>
                 </a:solidFill>
-              </a:rPr>
-              <a:t> </a:t>
-            </a:r>
-            <a:r>
-              <a:rPr lang="en-US" sz="2900" dirty="0" err="1">
-                <a:solidFill>
-                  <a:srgbClr val="FFFFFF"/>
-                </a:solidFill>
+                <a:latin typeface="Bahnschrift Light SemiCondensed" panose="020B0502040204020203" pitchFamily="34" charset="0"/>
+              </a:rPr>
+              <a:t> </a:t>
+            </a:r>
+            <a:r>
+              <a:rPr lang="en-US" sz="2900" dirty="0" err="1">
+                <a:solidFill>
+                  <a:srgbClr val="FFFFFF"/>
+                </a:solidFill>
+                <a:latin typeface="Bahnschrift Light SemiCondensed" panose="020B0502040204020203" pitchFamily="34" charset="0"/>
               </a:rPr>
               <a:t>vlastné</a:t>
             </a:r>
@@ -14147,14 +17848,16 @@
                 <a:solidFill>
                   <a:srgbClr val="FFFFFF"/>
                 </a:solidFill>
-              </a:rPr>
-              <a:t> </a:t>
-            </a:r>
-            <a:r>
-              <a:rPr lang="en-US" sz="2900" dirty="0" err="1">
-                <a:solidFill>
-                  <a:srgbClr val="FFFFFF"/>
-                </a:solidFill>
+                <a:latin typeface="Bahnschrift Light SemiCondensed" panose="020B0502040204020203" pitchFamily="34" charset="0"/>
+              </a:rPr>
+              <a:t> </a:t>
+            </a:r>
+            <a:r>
+              <a:rPr lang="en-US" sz="2900" dirty="0" err="1">
+                <a:solidFill>
+                  <a:srgbClr val="FFFFFF"/>
+                </a:solidFill>
+                <a:latin typeface="Bahnschrift Light SemiCondensed" panose="020B0502040204020203" pitchFamily="34" charset="0"/>
               </a:rPr>
               <a:t>zariadenie</a:t>
             </a:r>
@@ -14163,6 +17866,7 @@
                 <a:solidFill>
                   <a:srgbClr val="FFFFFF"/>
                 </a:solidFill>
+                <a:latin typeface="Bahnschrift Light SemiCondensed" panose="020B0502040204020203" pitchFamily="34" charset="0"/>
               </a:rPr>
               <a:t> a </a:t>
             </a:r>
@@ -14171,6 +17875,7 @@
                 <a:solidFill>
                   <a:srgbClr val="FFFFFF"/>
                 </a:solidFill>
+                <a:latin typeface="Bahnschrift Light SemiCondensed" panose="020B0502040204020203" pitchFamily="34" charset="0"/>
               </a:rPr>
               <a:t>ochraňujú</a:t>
             </a:r>
@@ -14179,14 +17884,16 @@
                 <a:solidFill>
                   <a:srgbClr val="FFFFFF"/>
                 </a:solidFill>
-              </a:rPr>
-              <a:t> </a:t>
-            </a:r>
-            <a:r>
-              <a:rPr lang="en-US" sz="2900" dirty="0" err="1">
-                <a:solidFill>
-                  <a:srgbClr val="FFFFFF"/>
-                </a:solidFill>
+                <a:latin typeface="Bahnschrift Light SemiCondensed" panose="020B0502040204020203" pitchFamily="34" charset="0"/>
+              </a:rPr>
+              <a:t> </a:t>
+            </a:r>
+            <a:r>
+              <a:rPr lang="en-US" sz="2900" dirty="0" err="1">
+                <a:solidFill>
+                  <a:srgbClr val="FFFFFF"/>
+                </a:solidFill>
+                <a:latin typeface="Bahnschrift Light SemiCondensed" panose="020B0502040204020203" pitchFamily="34" charset="0"/>
               </a:rPr>
               <a:t>celú</a:t>
             </a:r>
@@ -14195,14 +17902,16 @@
                 <a:solidFill>
                   <a:srgbClr val="FFFFFF"/>
                 </a:solidFill>
-              </a:rPr>
-              <a:t> </a:t>
-            </a:r>
-            <a:r>
-              <a:rPr lang="en-US" sz="2900" dirty="0" err="1">
-                <a:solidFill>
-                  <a:srgbClr val="FFFFFF"/>
-                </a:solidFill>
+                <a:latin typeface="Bahnschrift Light SemiCondensed" panose="020B0502040204020203" pitchFamily="34" charset="0"/>
+              </a:rPr>
+              <a:t> </a:t>
+            </a:r>
+            <a:r>
+              <a:rPr lang="en-US" sz="2900" dirty="0" err="1">
+                <a:solidFill>
+                  <a:srgbClr val="FFFFFF"/>
+                </a:solidFill>
+                <a:latin typeface="Bahnschrift Light SemiCondensed" panose="020B0502040204020203" pitchFamily="34" charset="0"/>
               </a:rPr>
               <a:t>sieť</a:t>
             </a:r>
@@ -14211,6 +17920,7 @@
                 <a:solidFill>
                   <a:srgbClr val="FFFFFF"/>
                 </a:solidFill>
+                <a:latin typeface="Bahnschrift Light SemiCondensed" panose="020B0502040204020203" pitchFamily="34" charset="0"/>
               </a:rPr>
               <a:t>.</a:t>
             </a:r>
@@ -14988,15 +18698,15 @@
   <p:clrMapOvr>
     <a:masterClrMapping/>
   </p:clrMapOvr>
-  <mc:AlternateContent xmlns:mc="http://schemas.openxmlformats.org/markup-compatibility/2006" xmlns:p14="http://schemas.microsoft.com/office/powerpoint/2010/main">
-    <mc:Choice Requires="p14">
-      <p:transition spd="med" p14:dur="700">
-        <p:fade/>
+  <mc:AlternateContent xmlns:mc="http://schemas.openxmlformats.org/markup-compatibility/2006">
+    <mc:Choice xmlns:p14="http://schemas.microsoft.com/office/powerpoint/2010/main" Requires="p14">
+      <p:transition spd="slow" p14:dur="1500">
+        <p:split orient="vert"/>
       </p:transition>
     </mc:Choice>
-    <mc:Fallback xmlns="">
-      <p:transition spd="med">
-        <p:fade/>
+    <mc:Fallback>
+      <p:transition spd="slow">
+        <p:split orient="vert"/>
       </p:transition>
     </mc:Fallback>
   </mc:AlternateContent>
@@ -15083,6 +18793,7 @@
                 <a:solidFill>
                   <a:srgbClr val="FFFFFF"/>
                 </a:solidFill>
+                <a:latin typeface="Bahnschrift Light SemiCondensed" panose="020B0502040204020203" pitchFamily="34" charset="0"/>
               </a:rPr>
               <a:t>Funguje</a:t>
             </a:r>
@@ -15091,14 +18802,16 @@
                 <a:solidFill>
                   <a:srgbClr val="FFFFFF"/>
                 </a:solidFill>
-              </a:rPr>
-              <a:t> </a:t>
-            </a:r>
-            <a:r>
-              <a:rPr lang="en-US" sz="2900" dirty="0" err="1">
-                <a:solidFill>
-                  <a:srgbClr val="FFFFFF"/>
-                </a:solidFill>
+                <a:latin typeface="Bahnschrift Light SemiCondensed" panose="020B0502040204020203" pitchFamily="34" charset="0"/>
+              </a:rPr>
+              <a:t> </a:t>
+            </a:r>
+            <a:r>
+              <a:rPr lang="en-US" sz="2900" dirty="0" err="1">
+                <a:solidFill>
+                  <a:srgbClr val="FFFFFF"/>
+                </a:solidFill>
+                <a:latin typeface="Bahnschrift Light SemiCondensed" panose="020B0502040204020203" pitchFamily="34" charset="0"/>
               </a:rPr>
               <a:t>sledovaním</a:t>
             </a:r>
@@ -15107,14 +18820,16 @@
                 <a:solidFill>
                   <a:srgbClr val="FFFFFF"/>
                 </a:solidFill>
-              </a:rPr>
-              <a:t> </a:t>
-            </a:r>
-            <a:r>
-              <a:rPr lang="en-US" sz="2900" dirty="0" err="1">
-                <a:solidFill>
-                  <a:srgbClr val="FFFFFF"/>
-                </a:solidFill>
+                <a:latin typeface="Bahnschrift Light SemiCondensed" panose="020B0502040204020203" pitchFamily="34" charset="0"/>
+              </a:rPr>
+              <a:t> </a:t>
+            </a:r>
+            <a:r>
+              <a:rPr lang="en-US" sz="2900" dirty="0" err="1">
+                <a:solidFill>
+                  <a:srgbClr val="FFFFFF"/>
+                </a:solidFill>
+                <a:latin typeface="Bahnschrift Light SemiCondensed" panose="020B0502040204020203" pitchFamily="34" charset="0"/>
               </a:rPr>
               <a:t>packetov</a:t>
             </a:r>
@@ -15123,6 +18838,7 @@
                 <a:solidFill>
                   <a:srgbClr val="FFFFFF"/>
                 </a:solidFill>
+                <a:latin typeface="Bahnschrift Light SemiCondensed" panose="020B0502040204020203" pitchFamily="34" charset="0"/>
               </a:rPr>
               <a:t>, </a:t>
             </a:r>
@@ -15131,6 +18847,7 @@
                 <a:solidFill>
                   <a:srgbClr val="FFFFFF"/>
                 </a:solidFill>
+                <a:latin typeface="Bahnschrift Light SemiCondensed" panose="020B0502040204020203" pitchFamily="34" charset="0"/>
               </a:rPr>
               <a:t>ktoré</a:t>
             </a:r>
@@ -15139,14 +18856,16 @@
                 <a:solidFill>
                   <a:srgbClr val="FFFFFF"/>
                 </a:solidFill>
-              </a:rPr>
-              <a:t> </a:t>
-            </a:r>
-            <a:r>
-              <a:rPr lang="en-US" sz="2900" dirty="0" err="1">
-                <a:solidFill>
-                  <a:srgbClr val="FFFFFF"/>
-                </a:solidFill>
+                <a:latin typeface="Bahnschrift Light SemiCondensed" panose="020B0502040204020203" pitchFamily="34" charset="0"/>
+              </a:rPr>
+              <a:t> </a:t>
+            </a:r>
+            <a:r>
+              <a:rPr lang="en-US" sz="2900" dirty="0" err="1">
+                <a:solidFill>
+                  <a:srgbClr val="FFFFFF"/>
+                </a:solidFill>
+                <a:latin typeface="Bahnschrift Light SemiCondensed" panose="020B0502040204020203" pitchFamily="34" charset="0"/>
               </a:rPr>
               <a:t>sú</a:t>
             </a:r>
@@ -15155,14 +18874,16 @@
                 <a:solidFill>
                   <a:srgbClr val="FFFFFF"/>
                 </a:solidFill>
-              </a:rPr>
-              <a:t> </a:t>
-            </a:r>
-            <a:r>
-              <a:rPr lang="en-US" sz="2900" dirty="0" err="1">
-                <a:solidFill>
-                  <a:srgbClr val="FFFFFF"/>
-                </a:solidFill>
+                <a:latin typeface="Bahnschrift Light SemiCondensed" panose="020B0502040204020203" pitchFamily="34" charset="0"/>
+              </a:rPr>
+              <a:t> </a:t>
+            </a:r>
+            <a:r>
+              <a:rPr lang="en-US" sz="2900" dirty="0" err="1">
+                <a:solidFill>
+                  <a:srgbClr val="FFFFFF"/>
+                </a:solidFill>
+                <a:latin typeface="Bahnschrift Light SemiCondensed" panose="020B0502040204020203" pitchFamily="34" charset="0"/>
               </a:rPr>
               <a:t>vyslané</a:t>
             </a:r>
@@ -15171,14 +18892,16 @@
                 <a:solidFill>
                   <a:srgbClr val="FFFFFF"/>
                 </a:solidFill>
-              </a:rPr>
-              <a:t> </a:t>
-            </a:r>
-            <a:r>
-              <a:rPr lang="en-US" sz="2900" dirty="0" err="1">
-                <a:solidFill>
-                  <a:srgbClr val="FFFFFF"/>
-                </a:solidFill>
+                <a:latin typeface="Bahnschrift Light SemiCondensed" panose="020B0502040204020203" pitchFamily="34" charset="0"/>
+              </a:rPr>
+              <a:t> </a:t>
+            </a:r>
+            <a:r>
+              <a:rPr lang="en-US" sz="2900" dirty="0" err="1">
+                <a:solidFill>
+                  <a:srgbClr val="FFFFFF"/>
+                </a:solidFill>
+                <a:latin typeface="Bahnschrift Light SemiCondensed" panose="020B0502040204020203" pitchFamily="34" charset="0"/>
               </a:rPr>
               <a:t>či</a:t>
             </a:r>
@@ -15187,14 +18910,16 @@
                 <a:solidFill>
                   <a:srgbClr val="FFFFFF"/>
                 </a:solidFill>
-              </a:rPr>
-              <a:t> </a:t>
-            </a:r>
-            <a:r>
-              <a:rPr lang="en-US" sz="2900" dirty="0" err="1">
-                <a:solidFill>
-                  <a:srgbClr val="FFFFFF"/>
-                </a:solidFill>
+                <a:latin typeface="Bahnschrift Light SemiCondensed" panose="020B0502040204020203" pitchFamily="34" charset="0"/>
+              </a:rPr>
+              <a:t> </a:t>
+            </a:r>
+            <a:r>
+              <a:rPr lang="en-US" sz="2900" dirty="0" err="1">
+                <a:solidFill>
+                  <a:srgbClr val="FFFFFF"/>
+                </a:solidFill>
+                <a:latin typeface="Bahnschrift Light SemiCondensed" panose="020B0502040204020203" pitchFamily="34" charset="0"/>
               </a:rPr>
               <a:t>prijaté</a:t>
             </a:r>
@@ -15203,6 +18928,7 @@
                 <a:solidFill>
                   <a:srgbClr val="FFFFFF"/>
                 </a:solidFill>
+                <a:latin typeface="Bahnschrift Light SemiCondensed" panose="020B0502040204020203" pitchFamily="34" charset="0"/>
               </a:rPr>
               <a:t> a </a:t>
             </a:r>
@@ -15211,6 +18937,7 @@
                 <a:solidFill>
                   <a:srgbClr val="FFFFFF"/>
                 </a:solidFill>
+                <a:latin typeface="Bahnschrift Light SemiCondensed" panose="020B0502040204020203" pitchFamily="34" charset="0"/>
               </a:rPr>
               <a:t>porovnávaním</a:t>
             </a:r>
@@ -15219,6 +18946,7 @@
                 <a:solidFill>
                   <a:srgbClr val="FFFFFF"/>
                 </a:solidFill>
+                <a:latin typeface="Bahnschrift Light SemiCondensed" panose="020B0502040204020203" pitchFamily="34" charset="0"/>
               </a:rPr>
               <a:t> ich s </a:t>
             </a:r>
@@ -15227,6 +18955,7 @@
                 <a:solidFill>
                   <a:srgbClr val="FFFFFF"/>
                 </a:solidFill>
+                <a:latin typeface="Bahnschrift Light SemiCondensed" panose="020B0502040204020203" pitchFamily="34" charset="0"/>
               </a:rPr>
               <a:t>listom</a:t>
             </a:r>
@@ -15235,14 +18964,16 @@
                 <a:solidFill>
                   <a:srgbClr val="FFFFFF"/>
                 </a:solidFill>
-              </a:rPr>
-              <a:t> </a:t>
-            </a:r>
-            <a:r>
-              <a:rPr lang="en-US" sz="2900" dirty="0" err="1">
-                <a:solidFill>
-                  <a:srgbClr val="FFFFFF"/>
-                </a:solidFill>
+                <a:latin typeface="Bahnschrift Light SemiCondensed" panose="020B0502040204020203" pitchFamily="34" charset="0"/>
+              </a:rPr>
+              <a:t> </a:t>
+            </a:r>
+            <a:r>
+              <a:rPr lang="en-US" sz="2900" dirty="0" err="1">
+                <a:solidFill>
+                  <a:srgbClr val="FFFFFF"/>
+                </a:solidFill>
+                <a:latin typeface="Bahnschrift Light SemiCondensed" panose="020B0502040204020203" pitchFamily="34" charset="0"/>
               </a:rPr>
               <a:t>známych</a:t>
             </a:r>
@@ -15251,14 +18982,16 @@
                 <a:solidFill>
                   <a:srgbClr val="FFFFFF"/>
                 </a:solidFill>
-              </a:rPr>
-              <a:t> </a:t>
-            </a:r>
-            <a:r>
-              <a:rPr lang="en-US" sz="2900" dirty="0" err="1">
-                <a:solidFill>
-                  <a:srgbClr val="FFFFFF"/>
-                </a:solidFill>
+                <a:latin typeface="Bahnschrift Light SemiCondensed" panose="020B0502040204020203" pitchFamily="34" charset="0"/>
+              </a:rPr>
+              <a:t> </a:t>
+            </a:r>
+            <a:r>
+              <a:rPr lang="en-US" sz="2900" dirty="0" err="1">
+                <a:solidFill>
+                  <a:srgbClr val="FFFFFF"/>
+                </a:solidFill>
+                <a:latin typeface="Bahnschrift Light SemiCondensed" panose="020B0502040204020203" pitchFamily="34" charset="0"/>
               </a:rPr>
               <a:t>hrozieb</a:t>
             </a:r>
@@ -15267,6 +19000,7 @@
                 <a:solidFill>
                   <a:srgbClr val="FFFFFF"/>
                 </a:solidFill>
+                <a:latin typeface="Bahnschrift Light SemiCondensed" panose="020B0502040204020203" pitchFamily="34" charset="0"/>
               </a:rPr>
               <a:t>. </a:t>
             </a:r>
@@ -15275,6 +19009,7 @@
                 <a:solidFill>
                   <a:srgbClr val="FFFFFF"/>
                 </a:solidFill>
+                <a:latin typeface="Bahnschrift Light SemiCondensed" panose="020B0502040204020203" pitchFamily="34" charset="0"/>
               </a:rPr>
               <a:t>Dáta</a:t>
             </a:r>
@@ -15283,6 +19018,7 @@
                 <a:solidFill>
                   <a:srgbClr val="FFFFFF"/>
                 </a:solidFill>
+                <a:latin typeface="Bahnschrift Light SemiCondensed" panose="020B0502040204020203" pitchFamily="34" charset="0"/>
               </a:rPr>
               <a:t>, </a:t>
             </a:r>
@@ -15291,6 +19027,7 @@
                 <a:solidFill>
                   <a:srgbClr val="FFFFFF"/>
                 </a:solidFill>
+                <a:latin typeface="Bahnschrift Light SemiCondensed" panose="020B0502040204020203" pitchFamily="34" charset="0"/>
               </a:rPr>
               <a:t>ktoré</a:t>
             </a:r>
@@ -15299,14 +19036,16 @@
                 <a:solidFill>
                   <a:srgbClr val="FFFFFF"/>
                 </a:solidFill>
-              </a:rPr>
-              <a:t> </a:t>
-            </a:r>
-            <a:r>
-              <a:rPr lang="en-US" sz="2900" dirty="0" err="1">
-                <a:solidFill>
-                  <a:srgbClr val="FFFFFF"/>
-                </a:solidFill>
+                <a:latin typeface="Bahnschrift Light SemiCondensed" panose="020B0502040204020203" pitchFamily="34" charset="0"/>
+              </a:rPr>
+              <a:t> </a:t>
+            </a:r>
+            <a:r>
+              <a:rPr lang="en-US" sz="2900" dirty="0" err="1">
+                <a:solidFill>
+                  <a:srgbClr val="FFFFFF"/>
+                </a:solidFill>
+                <a:latin typeface="Bahnschrift Light SemiCondensed" panose="020B0502040204020203" pitchFamily="34" charset="0"/>
               </a:rPr>
               <a:t>považuje</a:t>
             </a:r>
@@ -15315,6 +19054,7 @@
                 <a:solidFill>
                   <a:srgbClr val="FFFFFF"/>
                 </a:solidFill>
+                <a:latin typeface="Bahnschrift Light SemiCondensed" panose="020B0502040204020203" pitchFamily="34" charset="0"/>
               </a:rPr>
               <a:t> za </a:t>
             </a:r>
@@ -15323,6 +19063,7 @@
                 <a:solidFill>
                   <a:srgbClr val="FFFFFF"/>
                 </a:solidFill>
+                <a:latin typeface="Bahnschrift Light SemiCondensed" panose="020B0502040204020203" pitchFamily="34" charset="0"/>
               </a:rPr>
               <a:t>nebezpečné</a:t>
             </a:r>
@@ -15331,14 +19072,16 @@
                 <a:solidFill>
                   <a:srgbClr val="FFFFFF"/>
                 </a:solidFill>
-              </a:rPr>
-              <a:t> </a:t>
-            </a:r>
-            <a:r>
-              <a:rPr lang="en-US" sz="2900" dirty="0" err="1">
-                <a:solidFill>
-                  <a:srgbClr val="FFFFFF"/>
-                </a:solidFill>
+                <a:latin typeface="Bahnschrift Light SemiCondensed" panose="020B0502040204020203" pitchFamily="34" charset="0"/>
+              </a:rPr>
+              <a:t> </a:t>
+            </a:r>
+            <a:r>
+              <a:rPr lang="en-US" sz="2900" dirty="0" err="1">
+                <a:solidFill>
+                  <a:srgbClr val="FFFFFF"/>
+                </a:solidFill>
+                <a:latin typeface="Bahnschrift Light SemiCondensed" panose="020B0502040204020203" pitchFamily="34" charset="0"/>
               </a:rPr>
               <a:t>zahodí</a:t>
             </a:r>
@@ -15347,6 +19090,7 @@
                 <a:solidFill>
                   <a:srgbClr val="FFFFFF"/>
                 </a:solidFill>
+                <a:latin typeface="Bahnschrift Light SemiCondensed" panose="020B0502040204020203" pitchFamily="34" charset="0"/>
               </a:rPr>
               <a:t>.</a:t>
             </a:r>
@@ -16348,15 +20092,15 @@
   <p:clrMapOvr>
     <a:masterClrMapping/>
   </p:clrMapOvr>
-  <mc:AlternateContent xmlns:mc="http://schemas.openxmlformats.org/markup-compatibility/2006" xmlns:p14="http://schemas.microsoft.com/office/powerpoint/2010/main">
-    <mc:Choice Requires="p14">
-      <p:transition spd="med" p14:dur="700">
-        <p:fade/>
+  <mc:AlternateContent xmlns:mc="http://schemas.openxmlformats.org/markup-compatibility/2006">
+    <mc:Choice xmlns:p14="http://schemas.microsoft.com/office/powerpoint/2010/main" Requires="p14">
+      <p:transition spd="slow" p14:dur="1500">
+        <p:split orient="vert"/>
       </p:transition>
     </mc:Choice>
-    <mc:Fallback xmlns="">
-      <p:transition spd="med">
-        <p:fade/>
+    <mc:Fallback>
+      <p:transition spd="slow">
+        <p:split orient="vert"/>
       </p:transition>
     </mc:Fallback>
   </mc:AlternateContent>
@@ -16433,7 +20177,7 @@
         </p:spPr>
         <p:txBody>
           <a:bodyPr vert="horz" lIns="91440" tIns="45720" rIns="91440" bIns="45720" rtlCol="0" anchor="ctr">
-            <a:normAutofit fontScale="90000"/>
+            <a:normAutofit/>
           </a:bodyPr>
           <a:lstStyle/>
           <a:p>
@@ -16443,6 +20187,7 @@
                 <a:solidFill>
                   <a:srgbClr val="FFFFFF"/>
                 </a:solidFill>
+                <a:latin typeface="Bahnschrift Light SemiCondensed" panose="020B0502040204020203" pitchFamily="34" charset="0"/>
               </a:rPr>
               <a:t>Hardware Firewall </a:t>
             </a:r>
@@ -16451,6 +20196,7 @@
                 <a:solidFill>
                   <a:srgbClr val="FFFFFF"/>
                 </a:solidFill>
+                <a:latin typeface="Bahnschrift Light SemiCondensed" panose="020B0502040204020203" pitchFamily="34" charset="0"/>
               </a:rPr>
               <a:t>funguje</a:t>
             </a:r>
@@ -16459,14 +20205,16 @@
                 <a:solidFill>
                   <a:srgbClr val="FFFFFF"/>
                 </a:solidFill>
-              </a:rPr>
-              <a:t> </a:t>
-            </a:r>
-            <a:r>
-              <a:rPr lang="en-US" sz="2900" dirty="0" err="1">
-                <a:solidFill>
-                  <a:srgbClr val="FFFFFF"/>
-                </a:solidFill>
+                <a:latin typeface="Bahnschrift Light SemiCondensed" panose="020B0502040204020203" pitchFamily="34" charset="0"/>
+              </a:rPr>
+              <a:t> </a:t>
+            </a:r>
+            <a:r>
+              <a:rPr lang="en-US" sz="2900" dirty="0" err="1">
+                <a:solidFill>
+                  <a:srgbClr val="FFFFFF"/>
+                </a:solidFill>
+                <a:latin typeface="Bahnschrift Light SemiCondensed" panose="020B0502040204020203" pitchFamily="34" charset="0"/>
               </a:rPr>
               <a:t>ako</a:t>
             </a:r>
@@ -16475,14 +20223,16 @@
                 <a:solidFill>
                   <a:srgbClr val="FFFFFF"/>
                 </a:solidFill>
-              </a:rPr>
-              <a:t> </a:t>
-            </a:r>
-            <a:r>
-              <a:rPr lang="en-US" sz="2900" dirty="0" err="1">
-                <a:solidFill>
-                  <a:srgbClr val="FFFFFF"/>
-                </a:solidFill>
+                <a:latin typeface="Bahnschrift Light SemiCondensed" panose="020B0502040204020203" pitchFamily="34" charset="0"/>
+              </a:rPr>
+              <a:t> </a:t>
+            </a:r>
+            <a:r>
+              <a:rPr lang="en-US" sz="2900" dirty="0" err="1">
+                <a:solidFill>
+                  <a:srgbClr val="FFFFFF"/>
+                </a:solidFill>
+                <a:latin typeface="Bahnschrift Light SemiCondensed" panose="020B0502040204020203" pitchFamily="34" charset="0"/>
               </a:rPr>
               <a:t>samostatný</a:t>
             </a:r>
@@ -16491,14 +20241,16 @@
                 <a:solidFill>
                   <a:srgbClr val="FFFFFF"/>
                 </a:solidFill>
-              </a:rPr>
-              <a:t> </a:t>
-            </a:r>
-            <a:r>
-              <a:rPr lang="en-US" sz="2900" dirty="0" err="1">
-                <a:solidFill>
-                  <a:srgbClr val="FFFFFF"/>
-                </a:solidFill>
+                <a:latin typeface="Bahnschrift Light SemiCondensed" panose="020B0502040204020203" pitchFamily="34" charset="0"/>
+              </a:rPr>
+              <a:t> </a:t>
+            </a:r>
+            <a:r>
+              <a:rPr lang="en-US" sz="2900" dirty="0" err="1">
+                <a:solidFill>
+                  <a:srgbClr val="FFFFFF"/>
+                </a:solidFill>
+                <a:latin typeface="Bahnschrift Light SemiCondensed" panose="020B0502040204020203" pitchFamily="34" charset="0"/>
               </a:rPr>
               <a:t>spotrebič</a:t>
             </a:r>
@@ -16507,6 +20259,7 @@
                 <a:solidFill>
                   <a:srgbClr val="FFFFFF"/>
                 </a:solidFill>
+                <a:latin typeface="Bahnschrift Light SemiCondensed" panose="020B0502040204020203" pitchFamily="34" charset="0"/>
               </a:rPr>
               <a:t>, </a:t>
             </a:r>
@@ -16515,6 +20268,7 @@
                 <a:solidFill>
                   <a:srgbClr val="FFFFFF"/>
                 </a:solidFill>
+                <a:latin typeface="Bahnschrift Light SemiCondensed" panose="020B0502040204020203" pitchFamily="34" charset="0"/>
               </a:rPr>
               <a:t>ktorý</a:t>
             </a:r>
@@ -16523,14 +20277,16 @@
                 <a:solidFill>
                   <a:srgbClr val="FFFFFF"/>
                 </a:solidFill>
-              </a:rPr>
-              <a:t> </a:t>
-            </a:r>
-            <a:r>
-              <a:rPr lang="en-US" sz="2900" dirty="0" err="1">
-                <a:solidFill>
-                  <a:srgbClr val="FFFFFF"/>
-                </a:solidFill>
+                <a:latin typeface="Bahnschrift Light SemiCondensed" panose="020B0502040204020203" pitchFamily="34" charset="0"/>
+              </a:rPr>
+              <a:t> </a:t>
+            </a:r>
+            <a:r>
+              <a:rPr lang="en-US" sz="2900" dirty="0" err="1">
+                <a:solidFill>
+                  <a:srgbClr val="FFFFFF"/>
+                </a:solidFill>
+                <a:latin typeface="Bahnschrift Light SemiCondensed" panose="020B0502040204020203" pitchFamily="34" charset="0"/>
               </a:rPr>
               <a:t>sleduje</a:t>
             </a:r>
@@ -16539,6 +20295,7 @@
                 <a:solidFill>
                   <a:srgbClr val="FFFFFF"/>
                 </a:solidFill>
+                <a:latin typeface="Bahnschrift Light SemiCondensed" panose="020B0502040204020203" pitchFamily="34" charset="0"/>
               </a:rPr>
               <a:t> 3. a 4. OSI </a:t>
             </a:r>
@@ -16547,6 +20304,7 @@
                 <a:solidFill>
                   <a:srgbClr val="FFFFFF"/>
                 </a:solidFill>
+                <a:latin typeface="Bahnschrift Light SemiCondensed" panose="020B0502040204020203" pitchFamily="34" charset="0"/>
               </a:rPr>
               <a:t>vrstvy</a:t>
             </a:r>
@@ -16555,6 +20313,7 @@
                 <a:solidFill>
                   <a:srgbClr val="FFFFFF"/>
                 </a:solidFill>
+                <a:latin typeface="Bahnschrift Light SemiCondensed" panose="020B0502040204020203" pitchFamily="34" charset="0"/>
               </a:rPr>
               <a:t> a </a:t>
             </a:r>
@@ -16563,6 +20322,7 @@
                 <a:solidFill>
                   <a:srgbClr val="FFFFFF"/>
                 </a:solidFill>
+                <a:latin typeface="Bahnschrift Light SemiCondensed" panose="020B0502040204020203" pitchFamily="34" charset="0"/>
               </a:rPr>
               <a:t>skenuje</a:t>
             </a:r>
@@ -16571,14 +20331,16 @@
                 <a:solidFill>
                   <a:srgbClr val="FFFFFF"/>
                 </a:solidFill>
-              </a:rPr>
-              <a:t> </a:t>
-            </a:r>
-            <a:r>
-              <a:rPr lang="en-US" sz="2900" dirty="0" err="1">
-                <a:solidFill>
-                  <a:srgbClr val="FFFFFF"/>
-                </a:solidFill>
+                <a:latin typeface="Bahnschrift Light SemiCondensed" panose="020B0502040204020203" pitchFamily="34" charset="0"/>
+              </a:rPr>
+              <a:t> </a:t>
+            </a:r>
+            <a:r>
+              <a:rPr lang="en-US" sz="2900" dirty="0" err="1">
+                <a:solidFill>
+                  <a:srgbClr val="FFFFFF"/>
+                </a:solidFill>
+                <a:latin typeface="Bahnschrift Light SemiCondensed" panose="020B0502040204020203" pitchFamily="34" charset="0"/>
               </a:rPr>
               <a:t>prevádzku</a:t>
             </a:r>
@@ -16587,14 +20349,16 @@
                 <a:solidFill>
                   <a:srgbClr val="FFFFFF"/>
                 </a:solidFill>
-              </a:rPr>
-              <a:t> </a:t>
-            </a:r>
-            <a:r>
-              <a:rPr lang="en-US" sz="2900" dirty="0" err="1">
-                <a:solidFill>
-                  <a:srgbClr val="FFFFFF"/>
-                </a:solidFill>
+                <a:latin typeface="Bahnschrift Light SemiCondensed" panose="020B0502040204020203" pitchFamily="34" charset="0"/>
+              </a:rPr>
+              <a:t> </a:t>
+            </a:r>
+            <a:r>
+              <a:rPr lang="en-US" sz="2900" dirty="0" err="1">
+                <a:solidFill>
+                  <a:srgbClr val="FFFFFF"/>
+                </a:solidFill>
+                <a:latin typeface="Bahnschrift Light SemiCondensed" panose="020B0502040204020203" pitchFamily="34" charset="0"/>
               </a:rPr>
               <a:t>medzi</a:t>
             </a:r>
@@ -16603,14 +20367,16 @@
                 <a:solidFill>
                   <a:srgbClr val="FFFFFF"/>
                 </a:solidFill>
-              </a:rPr>
-              <a:t> </a:t>
-            </a:r>
-            <a:r>
-              <a:rPr lang="en-US" sz="2900" dirty="0" err="1">
-                <a:solidFill>
-                  <a:srgbClr val="FFFFFF"/>
-                </a:solidFill>
+                <a:latin typeface="Bahnschrift Light SemiCondensed" panose="020B0502040204020203" pitchFamily="34" charset="0"/>
+              </a:rPr>
+              <a:t> </a:t>
+            </a:r>
+            <a:r>
+              <a:rPr lang="en-US" sz="2900" dirty="0" err="1">
+                <a:solidFill>
+                  <a:srgbClr val="FFFFFF"/>
+                </a:solidFill>
+                <a:latin typeface="Bahnschrift Light SemiCondensed" panose="020B0502040204020203" pitchFamily="34" charset="0"/>
               </a:rPr>
               <a:t>vonkajšími</a:t>
             </a:r>
@@ -16619,14 +20385,16 @@
                 <a:solidFill>
                   <a:srgbClr val="FFFFFF"/>
                 </a:solidFill>
-              </a:rPr>
-              <a:t> </a:t>
-            </a:r>
-            <a:r>
-              <a:rPr lang="en-US" sz="2900" dirty="0" err="1">
-                <a:solidFill>
-                  <a:srgbClr val="FFFFFF"/>
-                </a:solidFill>
+                <a:latin typeface="Bahnschrift Light SemiCondensed" panose="020B0502040204020203" pitchFamily="34" charset="0"/>
+              </a:rPr>
+              <a:t> </a:t>
+            </a:r>
+            <a:r>
+              <a:rPr lang="en-US" sz="2900" dirty="0" err="1">
+                <a:solidFill>
+                  <a:srgbClr val="FFFFFF"/>
+                </a:solidFill>
+                <a:latin typeface="Bahnschrift Light SemiCondensed" panose="020B0502040204020203" pitchFamily="34" charset="0"/>
               </a:rPr>
               <a:t>zdrojmi</a:t>
             </a:r>
@@ -16635,6 +20403,7 @@
                 <a:solidFill>
                   <a:srgbClr val="FFFFFF"/>
                 </a:solidFill>
+                <a:latin typeface="Bahnschrift Light SemiCondensed" panose="020B0502040204020203" pitchFamily="34" charset="0"/>
               </a:rPr>
               <a:t> a </a:t>
             </a:r>
@@ -16643,6 +20412,7 @@
                 <a:solidFill>
                   <a:srgbClr val="FFFFFF"/>
                 </a:solidFill>
+                <a:latin typeface="Bahnschrift Light SemiCondensed" panose="020B0502040204020203" pitchFamily="34" charset="0"/>
               </a:rPr>
               <a:t>lokálnou</a:t>
             </a:r>
@@ -16651,14 +20421,16 @@
                 <a:solidFill>
                   <a:srgbClr val="FFFFFF"/>
                 </a:solidFill>
-              </a:rPr>
-              <a:t> </a:t>
-            </a:r>
-            <a:r>
-              <a:rPr lang="en-US" sz="2900" dirty="0" err="1">
-                <a:solidFill>
-                  <a:srgbClr val="FFFFFF"/>
-                </a:solidFill>
+                <a:latin typeface="Bahnschrift Light SemiCondensed" panose="020B0502040204020203" pitchFamily="34" charset="0"/>
+              </a:rPr>
+              <a:t> </a:t>
+            </a:r>
+            <a:r>
+              <a:rPr lang="en-US" sz="2900" dirty="0" err="1">
+                <a:solidFill>
+                  <a:srgbClr val="FFFFFF"/>
+                </a:solidFill>
+                <a:latin typeface="Bahnschrift Light SemiCondensed" panose="020B0502040204020203" pitchFamily="34" charset="0"/>
               </a:rPr>
               <a:t>sieťou</a:t>
             </a:r>
@@ -16667,14 +20439,16 @@
                 <a:solidFill>
                   <a:srgbClr val="FFFFFF"/>
                 </a:solidFill>
-              </a:rPr>
-              <a:t> </a:t>
-            </a:r>
-            <a:r>
-              <a:rPr lang="en-US" sz="2900" dirty="0" err="1">
-                <a:solidFill>
-                  <a:srgbClr val="FFFFFF"/>
-                </a:solidFill>
+                <a:latin typeface="Bahnschrift Light SemiCondensed" panose="020B0502040204020203" pitchFamily="34" charset="0"/>
+              </a:rPr>
+              <a:t> </a:t>
+            </a:r>
+            <a:r>
+              <a:rPr lang="en-US" sz="2900" dirty="0" err="1">
+                <a:solidFill>
+                  <a:srgbClr val="FFFFFF"/>
+                </a:solidFill>
+                <a:latin typeface="Bahnschrift Light SemiCondensed" panose="020B0502040204020203" pitchFamily="34" charset="0"/>
               </a:rPr>
               <a:t>alebo</a:t>
             </a:r>
@@ -16683,14 +20457,16 @@
                 <a:solidFill>
                   <a:srgbClr val="FFFFFF"/>
                 </a:solidFill>
-              </a:rPr>
-              <a:t> </a:t>
-            </a:r>
-            <a:r>
-              <a:rPr lang="en-US" sz="2900" dirty="0" err="1">
-                <a:solidFill>
-                  <a:srgbClr val="FFFFFF"/>
-                </a:solidFill>
+                <a:latin typeface="Bahnschrift Light SemiCondensed" panose="020B0502040204020203" pitchFamily="34" charset="0"/>
+              </a:rPr>
+              <a:t> </a:t>
+            </a:r>
+            <a:r>
+              <a:rPr lang="en-US" sz="2900" dirty="0" err="1">
+                <a:solidFill>
+                  <a:srgbClr val="FFFFFF"/>
+                </a:solidFill>
+                <a:latin typeface="Bahnschrift Light SemiCondensed" panose="020B0502040204020203" pitchFamily="34" charset="0"/>
               </a:rPr>
               <a:t>medzi</a:t>
             </a:r>
@@ -16699,14 +20475,16 @@
                 <a:solidFill>
                   <a:srgbClr val="FFFFFF"/>
                 </a:solidFill>
-              </a:rPr>
-              <a:t> </a:t>
-            </a:r>
-            <a:r>
-              <a:rPr lang="en-US" sz="2900" dirty="0" err="1">
-                <a:solidFill>
-                  <a:srgbClr val="FFFFFF"/>
-                </a:solidFill>
+                <a:latin typeface="Bahnschrift Light SemiCondensed" panose="020B0502040204020203" pitchFamily="34" charset="0"/>
+              </a:rPr>
+              <a:t> </a:t>
+            </a:r>
+            <a:r>
+              <a:rPr lang="en-US" sz="2900" dirty="0" err="1">
+                <a:solidFill>
+                  <a:srgbClr val="FFFFFF"/>
+                </a:solidFill>
+                <a:latin typeface="Bahnschrift Light SemiCondensed" panose="020B0502040204020203" pitchFamily="34" charset="0"/>
               </a:rPr>
               <a:t>segmentami</a:t>
             </a:r>
@@ -16715,6 +20493,7 @@
                 <a:solidFill>
                   <a:srgbClr val="FFFFFF"/>
                 </a:solidFill>
+                <a:latin typeface="Bahnschrift Light SemiCondensed" panose="020B0502040204020203" pitchFamily="34" charset="0"/>
               </a:rPr>
               <a:t> v </a:t>
             </a:r>
@@ -16723,6 +20502,7 @@
                 <a:solidFill>
                   <a:srgbClr val="FFFFFF"/>
                 </a:solidFill>
+                <a:latin typeface="Bahnschrift Light SemiCondensed" panose="020B0502040204020203" pitchFamily="34" charset="0"/>
               </a:rPr>
               <a:t>sieti</a:t>
             </a:r>
@@ -16731,6 +20511,7 @@
                 <a:solidFill>
                   <a:srgbClr val="FFFFFF"/>
                 </a:solidFill>
+                <a:latin typeface="Bahnschrift Light SemiCondensed" panose="020B0502040204020203" pitchFamily="34" charset="0"/>
               </a:rPr>
               <a:t>.</a:t>
             </a:r>
@@ -16739,6 +20520,7 @@
                 <a:solidFill>
                   <a:srgbClr val="FFFFFF"/>
                 </a:solidFill>
+                <a:latin typeface="Bahnschrift Light SemiCondensed" panose="020B0502040204020203" pitchFamily="34" charset="0"/>
               </a:rPr>
             </a:br>
             <a:r>
@@ -16746,6 +20528,7 @@
                 <a:solidFill>
                   <a:srgbClr val="FFFFFF"/>
                 </a:solidFill>
+                <a:latin typeface="Bahnschrift Light SemiCondensed" panose="020B0502040204020203" pitchFamily="34" charset="0"/>
               </a:rPr>
               <a:t>Packety</a:t>
             </a:r>
@@ -16754,14 +20537,16 @@
                 <a:solidFill>
                   <a:srgbClr val="FFFFFF"/>
                 </a:solidFill>
-              </a:rPr>
-              <a:t> </a:t>
-            </a:r>
-            <a:r>
-              <a:rPr lang="en-US" sz="2900" dirty="0" err="1">
-                <a:solidFill>
-                  <a:srgbClr val="FFFFFF"/>
-                </a:solidFill>
+                <a:latin typeface="Bahnschrift Light SemiCondensed" panose="020B0502040204020203" pitchFamily="34" charset="0"/>
+              </a:rPr>
+              <a:t> </a:t>
+            </a:r>
+            <a:r>
+              <a:rPr lang="en-US" sz="2900" dirty="0" err="1">
+                <a:solidFill>
+                  <a:srgbClr val="FFFFFF"/>
+                </a:solidFill>
+                <a:latin typeface="Bahnschrift Light SemiCondensed" panose="020B0502040204020203" pitchFamily="34" charset="0"/>
               </a:rPr>
               <a:t>monitorujú</a:t>
             </a:r>
@@ -16770,14 +20555,16 @@
                 <a:solidFill>
                   <a:srgbClr val="FFFFFF"/>
                 </a:solidFill>
-              </a:rPr>
-              <a:t> </a:t>
-            </a:r>
-            <a:r>
-              <a:rPr lang="en-US" sz="2900" dirty="0" err="1">
-                <a:solidFill>
-                  <a:srgbClr val="FFFFFF"/>
-                </a:solidFill>
+                <a:latin typeface="Bahnschrift Light SemiCondensed" panose="020B0502040204020203" pitchFamily="34" charset="0"/>
+              </a:rPr>
+              <a:t> </a:t>
+            </a:r>
+            <a:r>
+              <a:rPr lang="en-US" sz="2900" dirty="0" err="1">
+                <a:solidFill>
+                  <a:srgbClr val="FFFFFF"/>
+                </a:solidFill>
+                <a:latin typeface="Bahnschrift Light SemiCondensed" panose="020B0502040204020203" pitchFamily="34" charset="0"/>
               </a:rPr>
               <a:t>hlbokou</a:t>
             </a:r>
@@ -16786,14 +20573,16 @@
                 <a:solidFill>
                   <a:srgbClr val="FFFFFF"/>
                 </a:solidFill>
-              </a:rPr>
-              <a:t> </a:t>
-            </a:r>
-            <a:r>
-              <a:rPr lang="en-US" sz="2900" dirty="0" err="1">
-                <a:solidFill>
-                  <a:srgbClr val="FFFFFF"/>
-                </a:solidFill>
+                <a:latin typeface="Bahnschrift Light SemiCondensed" panose="020B0502040204020203" pitchFamily="34" charset="0"/>
+              </a:rPr>
+              <a:t> </a:t>
+            </a:r>
+            <a:r>
+              <a:rPr lang="en-US" sz="2900" dirty="0" err="1">
+                <a:solidFill>
+                  <a:srgbClr val="FFFFFF"/>
+                </a:solidFill>
+                <a:latin typeface="Bahnschrift Light SemiCondensed" panose="020B0502040204020203" pitchFamily="34" charset="0"/>
               </a:rPr>
               <a:t>inšpekciou</a:t>
             </a:r>
@@ -16802,6 +20591,7 @@
                 <a:solidFill>
                   <a:srgbClr val="FFFFFF"/>
                 </a:solidFill>
+                <a:latin typeface="Bahnschrift Light SemiCondensed" panose="020B0502040204020203" pitchFamily="34" charset="0"/>
               </a:rPr>
               <a:t>. Ak packet </a:t>
             </a:r>
@@ -16810,6 +20600,7 @@
                 <a:solidFill>
                   <a:srgbClr val="FFFFFF"/>
                 </a:solidFill>
+                <a:latin typeface="Bahnschrift Light SemiCondensed" panose="020B0502040204020203" pitchFamily="34" charset="0"/>
               </a:rPr>
               <a:t>nespĺňa</a:t>
             </a:r>
@@ -16818,14 +20609,16 @@
                 <a:solidFill>
                   <a:srgbClr val="FFFFFF"/>
                 </a:solidFill>
-              </a:rPr>
-              <a:t> </a:t>
-            </a:r>
-            <a:r>
-              <a:rPr lang="en-US" sz="2900" dirty="0" err="1">
-                <a:solidFill>
-                  <a:srgbClr val="FFFFFF"/>
-                </a:solidFill>
+                <a:latin typeface="Bahnschrift Light SemiCondensed" panose="020B0502040204020203" pitchFamily="34" charset="0"/>
+              </a:rPr>
+              <a:t> </a:t>
+            </a:r>
+            <a:r>
+              <a:rPr lang="en-US" sz="2900" dirty="0" err="1">
+                <a:solidFill>
+                  <a:srgbClr val="FFFFFF"/>
+                </a:solidFill>
+                <a:latin typeface="Bahnschrift Light SemiCondensed" panose="020B0502040204020203" pitchFamily="34" charset="0"/>
               </a:rPr>
               <a:t>predtým</a:t>
             </a:r>
@@ -16834,14 +20627,16 @@
                 <a:solidFill>
                   <a:srgbClr val="FFFFFF"/>
                 </a:solidFill>
-              </a:rPr>
-              <a:t> </a:t>
-            </a:r>
-            <a:r>
-              <a:rPr lang="en-US" sz="2900" dirty="0" err="1">
-                <a:solidFill>
-                  <a:srgbClr val="FFFFFF"/>
-                </a:solidFill>
+                <a:latin typeface="Bahnschrift Light SemiCondensed" panose="020B0502040204020203" pitchFamily="34" charset="0"/>
+              </a:rPr>
+              <a:t> </a:t>
+            </a:r>
+            <a:r>
+              <a:rPr lang="en-US" sz="2900" dirty="0" err="1">
+                <a:solidFill>
+                  <a:srgbClr val="FFFFFF"/>
+                </a:solidFill>
+                <a:latin typeface="Bahnschrift Light SemiCondensed" panose="020B0502040204020203" pitchFamily="34" charset="0"/>
               </a:rPr>
               <a:t>vybraté</a:t>
             </a:r>
@@ -16850,14 +20645,16 @@
                 <a:solidFill>
                   <a:srgbClr val="FFFFFF"/>
                 </a:solidFill>
-              </a:rPr>
-              <a:t> </a:t>
-            </a:r>
-            <a:r>
-              <a:rPr lang="en-US" sz="2900" dirty="0" err="1">
-                <a:solidFill>
-                  <a:srgbClr val="FFFFFF"/>
-                </a:solidFill>
+                <a:latin typeface="Bahnschrift Light SemiCondensed" panose="020B0502040204020203" pitchFamily="34" charset="0"/>
+              </a:rPr>
+              <a:t> </a:t>
+            </a:r>
+            <a:r>
+              <a:rPr lang="en-US" sz="2900" dirty="0" err="1">
+                <a:solidFill>
+                  <a:srgbClr val="FFFFFF"/>
+                </a:solidFill>
+                <a:latin typeface="Bahnschrift Light SemiCondensed" panose="020B0502040204020203" pitchFamily="34" charset="0"/>
               </a:rPr>
               <a:t>kritéria</a:t>
             </a:r>
@@ -16866,6 +20663,7 @@
                 <a:solidFill>
                   <a:srgbClr val="FFFFFF"/>
                 </a:solidFill>
+                <a:latin typeface="Bahnschrift Light SemiCondensed" panose="020B0502040204020203" pitchFamily="34" charset="0"/>
               </a:rPr>
               <a:t>, </a:t>
             </a:r>
@@ -16874,6 +20672,7 @@
                 <a:solidFill>
                   <a:srgbClr val="FFFFFF"/>
                 </a:solidFill>
+                <a:latin typeface="Bahnschrift Light SemiCondensed" panose="020B0502040204020203" pitchFamily="34" charset="0"/>
               </a:rPr>
               <a:t>podľa</a:t>
             </a:r>
@@ -16882,14 +20681,16 @@
                 <a:solidFill>
                   <a:srgbClr val="FFFFFF"/>
                 </a:solidFill>
-              </a:rPr>
-              <a:t> </a:t>
-            </a:r>
-            <a:r>
-              <a:rPr lang="en-US" sz="2900" dirty="0" err="1">
-                <a:solidFill>
-                  <a:srgbClr val="FFFFFF"/>
-                </a:solidFill>
+                <a:latin typeface="Bahnschrift Light SemiCondensed" panose="020B0502040204020203" pitchFamily="34" charset="0"/>
+              </a:rPr>
+              <a:t> </a:t>
+            </a:r>
+            <a:r>
+              <a:rPr lang="en-US" sz="2900" dirty="0" err="1">
+                <a:solidFill>
+                  <a:srgbClr val="FFFFFF"/>
+                </a:solidFill>
+                <a:latin typeface="Bahnschrift Light SemiCondensed" panose="020B0502040204020203" pitchFamily="34" charset="0"/>
               </a:rPr>
               <a:t>pravidiel</a:t>
             </a:r>
@@ -16898,14 +20699,16 @@
                 <a:solidFill>
                   <a:srgbClr val="FFFFFF"/>
                 </a:solidFill>
-              </a:rPr>
-              <a:t> </a:t>
-            </a:r>
-            <a:r>
-              <a:rPr lang="en-US" sz="2900" dirty="0" err="1">
-                <a:solidFill>
-                  <a:srgbClr val="FFFFFF"/>
-                </a:solidFill>
+                <a:latin typeface="Bahnschrift Light SemiCondensed" panose="020B0502040204020203" pitchFamily="34" charset="0"/>
+              </a:rPr>
+              <a:t> </a:t>
+            </a:r>
+            <a:r>
+              <a:rPr lang="en-US" sz="2900" dirty="0" err="1">
+                <a:solidFill>
+                  <a:srgbClr val="FFFFFF"/>
+                </a:solidFill>
+                <a:latin typeface="Bahnschrift Light SemiCondensed" panose="020B0502040204020203" pitchFamily="34" charset="0"/>
               </a:rPr>
               <a:t>vybraných</a:t>
             </a:r>
@@ -16914,14 +20717,16 @@
                 <a:solidFill>
                   <a:srgbClr val="FFFFFF"/>
                 </a:solidFill>
-              </a:rPr>
-              <a:t> </a:t>
-            </a:r>
-            <a:r>
-              <a:rPr lang="en-US" sz="2900" dirty="0" err="1">
-                <a:solidFill>
-                  <a:srgbClr val="FFFFFF"/>
-                </a:solidFill>
+                <a:latin typeface="Bahnschrift Light SemiCondensed" panose="020B0502040204020203" pitchFamily="34" charset="0"/>
+              </a:rPr>
+              <a:t> </a:t>
+            </a:r>
+            <a:r>
+              <a:rPr lang="en-US" sz="2900" dirty="0" err="1">
+                <a:solidFill>
+                  <a:srgbClr val="FFFFFF"/>
+                </a:solidFill>
+                <a:latin typeface="Bahnschrift Light SemiCondensed" panose="020B0502040204020203" pitchFamily="34" charset="0"/>
               </a:rPr>
               <a:t>správcom</a:t>
             </a:r>
@@ -16930,14 +20735,16 @@
                 <a:solidFill>
                   <a:srgbClr val="FFFFFF"/>
                 </a:solidFill>
-              </a:rPr>
-              <a:t> </a:t>
-            </a:r>
-            <a:r>
-              <a:rPr lang="en-US" sz="2900" dirty="0" err="1">
-                <a:solidFill>
-                  <a:srgbClr val="FFFFFF"/>
-                </a:solidFill>
+                <a:latin typeface="Bahnschrift Light SemiCondensed" panose="020B0502040204020203" pitchFamily="34" charset="0"/>
+              </a:rPr>
+              <a:t> </a:t>
+            </a:r>
+            <a:r>
+              <a:rPr lang="en-US" sz="2900" dirty="0" err="1">
+                <a:solidFill>
+                  <a:srgbClr val="FFFFFF"/>
+                </a:solidFill>
+                <a:latin typeface="Bahnschrift Light SemiCondensed" panose="020B0502040204020203" pitchFamily="34" charset="0"/>
               </a:rPr>
               <a:t>siete</a:t>
             </a:r>
@@ -16946,6 +20753,7 @@
                 <a:solidFill>
                   <a:srgbClr val="FFFFFF"/>
                 </a:solidFill>
+                <a:latin typeface="Bahnschrift Light SemiCondensed" panose="020B0502040204020203" pitchFamily="34" charset="0"/>
               </a:rPr>
               <a:t>, </a:t>
             </a:r>
@@ -16954,6 +20762,7 @@
                 <a:solidFill>
                   <a:srgbClr val="FFFFFF"/>
                 </a:solidFill>
+                <a:latin typeface="Bahnschrift Light SemiCondensed" panose="020B0502040204020203" pitchFamily="34" charset="0"/>
               </a:rPr>
               <a:t>komunikácia</a:t>
             </a:r>
@@ -16962,14 +20771,16 @@
                 <a:solidFill>
                   <a:srgbClr val="FFFFFF"/>
                 </a:solidFill>
-              </a:rPr>
-              <a:t> </a:t>
-            </a:r>
-            <a:r>
-              <a:rPr lang="en-US" sz="2900" dirty="0" err="1">
-                <a:solidFill>
-                  <a:srgbClr val="FFFFFF"/>
-                </a:solidFill>
+                <a:latin typeface="Bahnschrift Light SemiCondensed" panose="020B0502040204020203" pitchFamily="34" charset="0"/>
+              </a:rPr>
+              <a:t> </a:t>
+            </a:r>
+            <a:r>
+              <a:rPr lang="en-US" sz="2900" dirty="0" err="1">
+                <a:solidFill>
+                  <a:srgbClr val="FFFFFF"/>
+                </a:solidFill>
+                <a:latin typeface="Bahnschrift Light SemiCondensed" panose="020B0502040204020203" pitchFamily="34" charset="0"/>
               </a:rPr>
               <a:t>bude</a:t>
             </a:r>
@@ -16978,14 +20789,16 @@
                 <a:solidFill>
                   <a:srgbClr val="FFFFFF"/>
                 </a:solidFill>
-              </a:rPr>
-              <a:t> </a:t>
-            </a:r>
-            <a:r>
-              <a:rPr lang="en-US" sz="2900" dirty="0" err="1">
-                <a:solidFill>
-                  <a:srgbClr val="FFFFFF"/>
-                </a:solidFill>
+                <a:latin typeface="Bahnschrift Light SemiCondensed" panose="020B0502040204020203" pitchFamily="34" charset="0"/>
+              </a:rPr>
+              <a:t> </a:t>
+            </a:r>
+            <a:r>
+              <a:rPr lang="en-US" sz="2900" dirty="0" err="1">
+                <a:solidFill>
+                  <a:srgbClr val="FFFFFF"/>
+                </a:solidFill>
+                <a:latin typeface="Bahnschrift Light SemiCondensed" panose="020B0502040204020203" pitchFamily="34" charset="0"/>
               </a:rPr>
               <a:t>odmietnutá</a:t>
             </a:r>
@@ -16994,6 +20807,7 @@
                 <a:solidFill>
                   <a:srgbClr val="FFFFFF"/>
                 </a:solidFill>
+                <a:latin typeface="Bahnschrift Light SemiCondensed" panose="020B0502040204020203" pitchFamily="34" charset="0"/>
               </a:rPr>
               <a:t> a </a:t>
             </a:r>
@@ -17002,6 +20816,7 @@
                 <a:solidFill>
                   <a:srgbClr val="FFFFFF"/>
                 </a:solidFill>
+                <a:latin typeface="Bahnschrift Light SemiCondensed" panose="020B0502040204020203" pitchFamily="34" charset="0"/>
               </a:rPr>
               <a:t>zablokovaná</a:t>
             </a:r>
@@ -17010,6 +20825,7 @@
                 <a:solidFill>
                   <a:srgbClr val="FFFFFF"/>
                 </a:solidFill>
+                <a:latin typeface="Bahnschrift Light SemiCondensed" panose="020B0502040204020203" pitchFamily="34" charset="0"/>
               </a:rPr>
               <a:t>.</a:t>
             </a:r>
@@ -18011,15 +21827,15 @@
   <p:clrMapOvr>
     <a:masterClrMapping/>
   </p:clrMapOvr>
-  <mc:AlternateContent xmlns:mc="http://schemas.openxmlformats.org/markup-compatibility/2006" xmlns:p14="http://schemas.microsoft.com/office/powerpoint/2010/main">
-    <mc:Choice Requires="p14">
-      <p:transition spd="med" p14:dur="700">
-        <p:fade/>
+  <mc:AlternateContent xmlns:mc="http://schemas.openxmlformats.org/markup-compatibility/2006">
+    <mc:Choice xmlns:p14="http://schemas.microsoft.com/office/powerpoint/2010/main" Requires="p14">
+      <p:transition spd="slow" p14:dur="1500">
+        <p:split/>
       </p:transition>
     </mc:Choice>
-    <mc:Fallback xmlns="">
-      <p:transition spd="med">
-        <p:fade/>
+    <mc:Fallback>
+      <p:transition spd="slow">
+        <p:split/>
       </p:transition>
     </mc:Fallback>
   </mc:AlternateContent>
